--- a/Tableau/November 8_Workshop/Data Visualizatin with Tableau - Level 1.pptx
+++ b/Tableau/November 8_Workshop/Data Visualizatin with Tableau - Level 1.pptx
@@ -5,7 +5,7 @@
     <p:sldMasterId id="2147483659" r:id="rId1"/>
   </p:sldMasterIdLst>
   <p:notesMasterIdLst>
-    <p:notesMasterId r:id="rId53"/>
+    <p:notesMasterId r:id="rId54"/>
   </p:notesMasterIdLst>
   <p:sldIdLst>
     <p:sldId id="256" r:id="rId2"/>
@@ -22,65 +22,66 @@
     <p:sldId id="266" r:id="rId13"/>
     <p:sldId id="304" r:id="rId14"/>
     <p:sldId id="267" r:id="rId15"/>
-    <p:sldId id="268" r:id="rId16"/>
-    <p:sldId id="305" r:id="rId17"/>
-    <p:sldId id="269" r:id="rId18"/>
-    <p:sldId id="270" r:id="rId19"/>
-    <p:sldId id="313" r:id="rId20"/>
-    <p:sldId id="306" r:id="rId21"/>
-    <p:sldId id="271" r:id="rId22"/>
-    <p:sldId id="272" r:id="rId23"/>
-    <p:sldId id="273" r:id="rId24"/>
-    <p:sldId id="307" r:id="rId25"/>
-    <p:sldId id="274" r:id="rId26"/>
-    <p:sldId id="308" r:id="rId27"/>
-    <p:sldId id="275" r:id="rId28"/>
-    <p:sldId id="309" r:id="rId29"/>
-    <p:sldId id="276" r:id="rId30"/>
-    <p:sldId id="310" r:id="rId31"/>
-    <p:sldId id="277" r:id="rId32"/>
-    <p:sldId id="278" r:id="rId33"/>
-    <p:sldId id="279" r:id="rId34"/>
-    <p:sldId id="280" r:id="rId35"/>
-    <p:sldId id="281" r:id="rId36"/>
-    <p:sldId id="282" r:id="rId37"/>
-    <p:sldId id="283" r:id="rId38"/>
-    <p:sldId id="284" r:id="rId39"/>
-    <p:sldId id="285" r:id="rId40"/>
-    <p:sldId id="286" r:id="rId41"/>
-    <p:sldId id="314" r:id="rId42"/>
-    <p:sldId id="287" r:id="rId43"/>
-    <p:sldId id="288" r:id="rId44"/>
-    <p:sldId id="289" r:id="rId45"/>
-    <p:sldId id="290" r:id="rId46"/>
-    <p:sldId id="291" r:id="rId47"/>
-    <p:sldId id="292" r:id="rId48"/>
-    <p:sldId id="293" r:id="rId49"/>
-    <p:sldId id="294" r:id="rId50"/>
-    <p:sldId id="295" r:id="rId51"/>
-    <p:sldId id="296" r:id="rId52"/>
+    <p:sldId id="315" r:id="rId16"/>
+    <p:sldId id="268" r:id="rId17"/>
+    <p:sldId id="305" r:id="rId18"/>
+    <p:sldId id="269" r:id="rId19"/>
+    <p:sldId id="270" r:id="rId20"/>
+    <p:sldId id="313" r:id="rId21"/>
+    <p:sldId id="306" r:id="rId22"/>
+    <p:sldId id="271" r:id="rId23"/>
+    <p:sldId id="272" r:id="rId24"/>
+    <p:sldId id="273" r:id="rId25"/>
+    <p:sldId id="307" r:id="rId26"/>
+    <p:sldId id="274" r:id="rId27"/>
+    <p:sldId id="308" r:id="rId28"/>
+    <p:sldId id="275" r:id="rId29"/>
+    <p:sldId id="309" r:id="rId30"/>
+    <p:sldId id="276" r:id="rId31"/>
+    <p:sldId id="310" r:id="rId32"/>
+    <p:sldId id="277" r:id="rId33"/>
+    <p:sldId id="278" r:id="rId34"/>
+    <p:sldId id="279" r:id="rId35"/>
+    <p:sldId id="280" r:id="rId36"/>
+    <p:sldId id="281" r:id="rId37"/>
+    <p:sldId id="282" r:id="rId38"/>
+    <p:sldId id="283" r:id="rId39"/>
+    <p:sldId id="284" r:id="rId40"/>
+    <p:sldId id="285" r:id="rId41"/>
+    <p:sldId id="286" r:id="rId42"/>
+    <p:sldId id="314" r:id="rId43"/>
+    <p:sldId id="287" r:id="rId44"/>
+    <p:sldId id="288" r:id="rId45"/>
+    <p:sldId id="289" r:id="rId46"/>
+    <p:sldId id="290" r:id="rId47"/>
+    <p:sldId id="291" r:id="rId48"/>
+    <p:sldId id="292" r:id="rId49"/>
+    <p:sldId id="293" r:id="rId50"/>
+    <p:sldId id="294" r:id="rId51"/>
+    <p:sldId id="295" r:id="rId52"/>
+    <p:sldId id="296" r:id="rId53"/>
   </p:sldIdLst>
   <p:sldSz cx="9144000" cy="5143500" type="screen16x9"/>
   <p:notesSz cx="6858000" cy="9144000"/>
   <p:embeddedFontLst>
     <p:embeddedFont>
-      <p:font typeface="Nunito" panose="020B0604020202020204" charset="0"/>
-      <p:regular r:id="rId54"/>
-      <p:bold r:id="rId55"/>
-      <p:italic r:id="rId56"/>
-      <p:boldItalic r:id="rId57"/>
+      <p:font typeface="Maven Pro" panose="020B0604020202020204" charset="0"/>
+      <p:regular r:id="rId55"/>
+      <p:bold r:id="rId56"/>
     </p:embeddedFont>
     <p:embeddedFont>
-      <p:font typeface="Maven Pro" panose="020B0604020202020204" charset="0"/>
-      <p:regular r:id="rId58"/>
-      <p:bold r:id="rId59"/>
+      <p:font typeface="Nunito" panose="020B0604020202020204" charset="0"/>
+      <p:regular r:id="rId57"/>
+      <p:bold r:id="rId58"/>
+      <p:italic r:id="rId59"/>
+      <p:boldItalic r:id="rId60"/>
     </p:embeddedFont>
     <p:embeddedFont>
       <p:font typeface="Calibri" panose="020F0502020204030204" pitchFamily="34" charset="0"/>
-      <p:regular r:id="rId60"/>
-      <p:bold r:id="rId61"/>
-      <p:italic r:id="rId62"/>
-      <p:boldItalic r:id="rId63"/>
+      <p:regular r:id="rId61"/>
+      <p:bold r:id="rId62"/>
+      <p:italic r:id="rId63"/>
+      <p:boldItalic r:id="rId64"/>
     </p:embeddedFont>
   </p:embeddedFontLst>
   <p:defaultTextStyle>
@@ -1540,6 +1541,143 @@
   <p:cSld>
     <p:spTree>
       <p:nvGrpSpPr>
+        <p:cNvPr id="1" name="Shape 83"/>
+        <p:cNvGrpSpPr/>
+        <p:nvPr/>
+      </p:nvGrpSpPr>
+      <p:grpSpPr>
+        <a:xfrm>
+          <a:off x="0" y="0"/>
+          <a:ext cx="0" cy="0"/>
+          <a:chOff x="0" y="0"/>
+          <a:chExt cx="0" cy="0"/>
+        </a:xfrm>
+      </p:grpSpPr>
+      <p:sp>
+        <p:nvSpPr>
+          <p:cNvPr id="84" name="Google Shape;84;p5:notes"/>
+          <p:cNvSpPr>
+            <a:spLocks noGrp="1" noRot="1" noChangeAspect="1"/>
+          </p:cNvSpPr>
+          <p:nvPr>
+            <p:ph type="sldImg" idx="2"/>
+          </p:nvPr>
+        </p:nvSpPr>
+        <p:spPr>
+          <a:xfrm>
+            <a:off x="381000" y="685800"/>
+            <a:ext cx="6096000" cy="3429000"/>
+          </a:xfrm>
+          <a:custGeom>
+            <a:avLst/>
+            <a:gdLst/>
+            <a:ahLst/>
+            <a:cxnLst/>
+            <a:rect l="l" t="t" r="r" b="b"/>
+            <a:pathLst>
+              <a:path w="120000" h="120000" extrusionOk="0">
+                <a:moveTo>
+                  <a:pt x="0" y="0"/>
+                </a:moveTo>
+                <a:lnTo>
+                  <a:pt x="120000" y="0"/>
+                </a:lnTo>
+                <a:lnTo>
+                  <a:pt x="120000" y="120000"/>
+                </a:lnTo>
+                <a:lnTo>
+                  <a:pt x="0" y="120000"/>
+                </a:lnTo>
+                <a:close/>
+              </a:path>
+            </a:pathLst>
+          </a:custGeom>
+          <a:noFill/>
+          <a:ln w="9525" cap="flat" cmpd="sng">
+            <a:solidFill>
+              <a:srgbClr val="000000"/>
+            </a:solidFill>
+            <a:prstDash val="solid"/>
+            <a:round/>
+            <a:headEnd type="none" w="sm" len="sm"/>
+            <a:tailEnd type="none" w="sm" len="sm"/>
+          </a:ln>
+        </p:spPr>
+      </p:sp>
+      <p:sp>
+        <p:nvSpPr>
+          <p:cNvPr id="85" name="Google Shape;85;p5:notes"/>
+          <p:cNvSpPr txBox="1">
+            <a:spLocks noGrp="1"/>
+          </p:cNvSpPr>
+          <p:nvPr>
+            <p:ph type="body" idx="1"/>
+          </p:nvPr>
+        </p:nvSpPr>
+        <p:spPr>
+          <a:xfrm>
+            <a:off x="685800" y="4343400"/>
+            <a:ext cx="5486400" cy="4114800"/>
+          </a:xfrm>
+          <a:prstGeom prst="rect">
+            <a:avLst/>
+          </a:prstGeom>
+          <a:noFill/>
+          <a:ln>
+            <a:noFill/>
+          </a:ln>
+        </p:spPr>
+        <p:txBody>
+          <a:bodyPr spcFirstLastPara="1" wrap="square" lIns="91425" tIns="91425" rIns="91425" bIns="91425" anchor="t" anchorCtr="0">
+            <a:noAutofit/>
+          </a:bodyPr>
+          <a:lstStyle/>
+          <a:p>
+            <a:pPr marL="0" marR="0" lvl="0" indent="0" algn="l" rtl="0">
+              <a:lnSpc>
+                <a:spcPct val="100000"/>
+              </a:lnSpc>
+              <a:spcBef>
+                <a:spcPts val="0"/>
+              </a:spcBef>
+              <a:spcAft>
+                <a:spcPts val="0"/>
+              </a:spcAft>
+              <a:buClr>
+                <a:srgbClr val="000000"/>
+              </a:buClr>
+              <a:buSzPts val="1100"/>
+              <a:buFont typeface="Arial"/>
+              <a:buNone/>
+            </a:pPr>
+            <a:endParaRPr sz="1100" u="none" strike="noStrike" cap="none" dirty="0">
+              <a:solidFill>
+                <a:srgbClr val="000000"/>
+              </a:solidFill>
+              <a:latin typeface="Maven Pro Regular" pitchFamily="2" charset="77"/>
+              <a:sym typeface="Arial"/>
+            </a:endParaRPr>
+          </a:p>
+        </p:txBody>
+      </p:sp>
+    </p:spTree>
+    <p:extLst>
+      <p:ext uri="{BB962C8B-B14F-4D97-AF65-F5344CB8AC3E}">
+        <p14:creationId xmlns:p14="http://schemas.microsoft.com/office/powerpoint/2010/main" val="3535373155"/>
+      </p:ext>
+    </p:extLst>
+  </p:cSld>
+  <p:clrMapOvr>
+    <a:masterClrMapping/>
+  </p:clrMapOvr>
+</p:notes>
+</file>
+
+<file path=ppt/notesSlides/notesSlide15.xml><?xml version="1.0" encoding="utf-8"?>
+<p:notes xmlns:a="http://schemas.openxmlformats.org/drawingml/2006/main" xmlns:r="http://schemas.openxmlformats.org/officeDocument/2006/relationships" xmlns:p="http://schemas.openxmlformats.org/presentationml/2006/main" showMasterSp="0" showMasterPhAnim="0">
+  <p:cSld>
+    <p:spTree>
+      <p:nvGrpSpPr>
         <p:cNvPr id="1" name="Shape 126"/>
         <p:cNvGrpSpPr/>
         <p:nvPr/>
@@ -1667,7 +1805,7 @@
 </p:notes>
 </file>
 
-<file path=ppt/notesSlides/notesSlide15.xml><?xml version="1.0" encoding="utf-8"?>
+<file path=ppt/notesSlides/notesSlide16.xml><?xml version="1.0" encoding="utf-8"?>
 <p:notes xmlns:a="http://schemas.openxmlformats.org/drawingml/2006/main" xmlns:r="http://schemas.openxmlformats.org/officeDocument/2006/relationships" xmlns:p="http://schemas.openxmlformats.org/presentationml/2006/main" showMasterSp="0" showMasterPhAnim="0">
   <p:cSld>
     <p:spTree>
@@ -1799,7 +1937,7 @@
 </p:notes>
 </file>
 
-<file path=ppt/notesSlides/notesSlide16.xml><?xml version="1.0" encoding="utf-8"?>
+<file path=ppt/notesSlides/notesSlide17.xml><?xml version="1.0" encoding="utf-8"?>
 <p:notes xmlns:a="http://schemas.openxmlformats.org/drawingml/2006/main" xmlns:r="http://schemas.openxmlformats.org/officeDocument/2006/relationships" xmlns:p="http://schemas.openxmlformats.org/presentationml/2006/main" showMasterSp="0" showMasterPhAnim="0">
   <p:cSld>
     <p:spTree>
@@ -1931,7 +2069,7 @@
 </p:notes>
 </file>
 
-<file path=ppt/notesSlides/notesSlide17.xml><?xml version="1.0" encoding="utf-8"?>
+<file path=ppt/notesSlides/notesSlide18.xml><?xml version="1.0" encoding="utf-8"?>
 <p:notes xmlns:a="http://schemas.openxmlformats.org/drawingml/2006/main" xmlns:r="http://schemas.openxmlformats.org/officeDocument/2006/relationships" xmlns:p="http://schemas.openxmlformats.org/presentationml/2006/main" showMasterSp="0" showMasterPhAnim="0">
   <p:cSld>
     <p:spTree>
@@ -2037,7 +2175,7 @@
 </p:notes>
 </file>
 
-<file path=ppt/notesSlides/notesSlide18.xml><?xml version="1.0" encoding="utf-8"?>
+<file path=ppt/notesSlides/notesSlide19.xml><?xml version="1.0" encoding="utf-8"?>
 <p:notes xmlns:a="http://schemas.openxmlformats.org/drawingml/2006/main" xmlns:r="http://schemas.openxmlformats.org/officeDocument/2006/relationships" xmlns:p="http://schemas.openxmlformats.org/presentationml/2006/main" showMasterSp="0" showMasterPhAnim="0">
   <p:cSld>
     <p:spTree>
@@ -2108,138 +2246,6 @@
       <p:sp>
         <p:nvSpPr>
           <p:cNvPr id="153" name="Google Shape;153;p12:notes"/>
-          <p:cNvSpPr txBox="1">
-            <a:spLocks noGrp="1"/>
-          </p:cNvSpPr>
-          <p:nvPr>
-            <p:ph type="body" idx="1"/>
-          </p:nvPr>
-        </p:nvSpPr>
-        <p:spPr>
-          <a:xfrm>
-            <a:off x="685800" y="4343400"/>
-            <a:ext cx="5486400" cy="4114800"/>
-          </a:xfrm>
-          <a:prstGeom prst="rect">
-            <a:avLst/>
-          </a:prstGeom>
-          <a:noFill/>
-          <a:ln>
-            <a:noFill/>
-          </a:ln>
-        </p:spPr>
-        <p:txBody>
-          <a:bodyPr spcFirstLastPara="1" wrap="square" lIns="91425" tIns="91425" rIns="91425" bIns="91425" anchor="t" anchorCtr="0">
-            <a:noAutofit/>
-          </a:bodyPr>
-          <a:lstStyle/>
-          <a:p>
-            <a:pPr marL="0" marR="0" lvl="0" indent="0" algn="l" rtl="0">
-              <a:lnSpc>
-                <a:spcPct val="100000"/>
-              </a:lnSpc>
-              <a:spcBef>
-                <a:spcPts val="0"/>
-              </a:spcBef>
-              <a:spcAft>
-                <a:spcPts val="0"/>
-              </a:spcAft>
-              <a:buClr>
-                <a:srgbClr val="000000"/>
-              </a:buClr>
-              <a:buSzPts val="1100"/>
-              <a:buFont typeface="Arial"/>
-              <a:buNone/>
-            </a:pPr>
-            <a:endParaRPr sz="1100" u="none" strike="noStrike" cap="none" dirty="0">
-              <a:solidFill>
-                <a:srgbClr val="000000"/>
-              </a:solidFill>
-              <a:latin typeface="Maven Pro Regular" pitchFamily="2" charset="77"/>
-              <a:sym typeface="Arial"/>
-            </a:endParaRPr>
-          </a:p>
-        </p:txBody>
-      </p:sp>
-    </p:spTree>
-  </p:cSld>
-  <p:clrMapOvr>
-    <a:masterClrMapping/>
-  </p:clrMapOvr>
-</p:notes>
-</file>
-
-<file path=ppt/notesSlides/notesSlide19.xml><?xml version="1.0" encoding="utf-8"?>
-<p:notes xmlns:a="http://schemas.openxmlformats.org/drawingml/2006/main" xmlns:r="http://schemas.openxmlformats.org/officeDocument/2006/relationships" xmlns:p="http://schemas.openxmlformats.org/presentationml/2006/main" showMasterSp="0" showMasterPhAnim="0">
-  <p:cSld>
-    <p:spTree>
-      <p:nvGrpSpPr>
-        <p:cNvPr id="1" name="Shape 156"/>
-        <p:cNvGrpSpPr/>
-        <p:nvPr/>
-      </p:nvGrpSpPr>
-      <p:grpSpPr>
-        <a:xfrm>
-          <a:off x="0" y="0"/>
-          <a:ext cx="0" cy="0"/>
-          <a:chOff x="0" y="0"/>
-          <a:chExt cx="0" cy="0"/>
-        </a:xfrm>
-      </p:grpSpPr>
-      <p:sp>
-        <p:nvSpPr>
-          <p:cNvPr id="157" name="Google Shape;157;p13:notes"/>
-          <p:cNvSpPr>
-            <a:spLocks noGrp="1" noRot="1" noChangeAspect="1"/>
-          </p:cNvSpPr>
-          <p:nvPr>
-            <p:ph type="sldImg" idx="2"/>
-          </p:nvPr>
-        </p:nvSpPr>
-        <p:spPr>
-          <a:xfrm>
-            <a:off x="381000" y="685800"/>
-            <a:ext cx="6096000" cy="3429000"/>
-          </a:xfrm>
-          <a:custGeom>
-            <a:avLst/>
-            <a:gdLst/>
-            <a:ahLst/>
-            <a:cxnLst/>
-            <a:rect l="l" t="t" r="r" b="b"/>
-            <a:pathLst>
-              <a:path w="120000" h="120000" extrusionOk="0">
-                <a:moveTo>
-                  <a:pt x="0" y="0"/>
-                </a:moveTo>
-                <a:lnTo>
-                  <a:pt x="120000" y="0"/>
-                </a:lnTo>
-                <a:lnTo>
-                  <a:pt x="120000" y="120000"/>
-                </a:lnTo>
-                <a:lnTo>
-                  <a:pt x="0" y="120000"/>
-                </a:lnTo>
-                <a:close/>
-              </a:path>
-            </a:pathLst>
-          </a:custGeom>
-          <a:noFill/>
-          <a:ln w="9525" cap="flat" cmpd="sng">
-            <a:solidFill>
-              <a:srgbClr val="000000"/>
-            </a:solidFill>
-            <a:prstDash val="solid"/>
-            <a:round/>
-            <a:headEnd type="none" w="sm" len="sm"/>
-            <a:tailEnd type="none" w="sm" len="sm"/>
-          </a:ln>
-        </p:spPr>
-      </p:sp>
-      <p:sp>
-        <p:nvSpPr>
-          <p:cNvPr id="158" name="Google Shape;158;p13:notes"/>
           <p:cNvSpPr txBox="1">
             <a:spLocks noGrp="1"/>
           </p:cNvSpPr>
@@ -2438,6 +2444,138 @@
   <p:cSld>
     <p:spTree>
       <p:nvGrpSpPr>
+        <p:cNvPr id="1" name="Shape 156"/>
+        <p:cNvGrpSpPr/>
+        <p:nvPr/>
+      </p:nvGrpSpPr>
+      <p:grpSpPr>
+        <a:xfrm>
+          <a:off x="0" y="0"/>
+          <a:ext cx="0" cy="0"/>
+          <a:chOff x="0" y="0"/>
+          <a:chExt cx="0" cy="0"/>
+        </a:xfrm>
+      </p:grpSpPr>
+      <p:sp>
+        <p:nvSpPr>
+          <p:cNvPr id="157" name="Google Shape;157;p13:notes"/>
+          <p:cNvSpPr>
+            <a:spLocks noGrp="1" noRot="1" noChangeAspect="1"/>
+          </p:cNvSpPr>
+          <p:nvPr>
+            <p:ph type="sldImg" idx="2"/>
+          </p:nvPr>
+        </p:nvSpPr>
+        <p:spPr>
+          <a:xfrm>
+            <a:off x="381000" y="685800"/>
+            <a:ext cx="6096000" cy="3429000"/>
+          </a:xfrm>
+          <a:custGeom>
+            <a:avLst/>
+            <a:gdLst/>
+            <a:ahLst/>
+            <a:cxnLst/>
+            <a:rect l="l" t="t" r="r" b="b"/>
+            <a:pathLst>
+              <a:path w="120000" h="120000" extrusionOk="0">
+                <a:moveTo>
+                  <a:pt x="0" y="0"/>
+                </a:moveTo>
+                <a:lnTo>
+                  <a:pt x="120000" y="0"/>
+                </a:lnTo>
+                <a:lnTo>
+                  <a:pt x="120000" y="120000"/>
+                </a:lnTo>
+                <a:lnTo>
+                  <a:pt x="0" y="120000"/>
+                </a:lnTo>
+                <a:close/>
+              </a:path>
+            </a:pathLst>
+          </a:custGeom>
+          <a:noFill/>
+          <a:ln w="9525" cap="flat" cmpd="sng">
+            <a:solidFill>
+              <a:srgbClr val="000000"/>
+            </a:solidFill>
+            <a:prstDash val="solid"/>
+            <a:round/>
+            <a:headEnd type="none" w="sm" len="sm"/>
+            <a:tailEnd type="none" w="sm" len="sm"/>
+          </a:ln>
+        </p:spPr>
+      </p:sp>
+      <p:sp>
+        <p:nvSpPr>
+          <p:cNvPr id="158" name="Google Shape;158;p13:notes"/>
+          <p:cNvSpPr txBox="1">
+            <a:spLocks noGrp="1"/>
+          </p:cNvSpPr>
+          <p:nvPr>
+            <p:ph type="body" idx="1"/>
+          </p:nvPr>
+        </p:nvSpPr>
+        <p:spPr>
+          <a:xfrm>
+            <a:off x="685800" y="4343400"/>
+            <a:ext cx="5486400" cy="4114800"/>
+          </a:xfrm>
+          <a:prstGeom prst="rect">
+            <a:avLst/>
+          </a:prstGeom>
+          <a:noFill/>
+          <a:ln>
+            <a:noFill/>
+          </a:ln>
+        </p:spPr>
+        <p:txBody>
+          <a:bodyPr spcFirstLastPara="1" wrap="square" lIns="91425" tIns="91425" rIns="91425" bIns="91425" anchor="t" anchorCtr="0">
+            <a:noAutofit/>
+          </a:bodyPr>
+          <a:lstStyle/>
+          <a:p>
+            <a:pPr marL="0" marR="0" lvl="0" indent="0" algn="l" rtl="0">
+              <a:lnSpc>
+                <a:spcPct val="100000"/>
+              </a:lnSpc>
+              <a:spcBef>
+                <a:spcPts val="0"/>
+              </a:spcBef>
+              <a:spcAft>
+                <a:spcPts val="0"/>
+              </a:spcAft>
+              <a:buClr>
+                <a:srgbClr val="000000"/>
+              </a:buClr>
+              <a:buSzPts val="1100"/>
+              <a:buFont typeface="Arial"/>
+              <a:buNone/>
+            </a:pPr>
+            <a:endParaRPr sz="1100" u="none" strike="noStrike" cap="none" dirty="0">
+              <a:solidFill>
+                <a:srgbClr val="000000"/>
+              </a:solidFill>
+              <a:latin typeface="Maven Pro Regular" pitchFamily="2" charset="77"/>
+              <a:sym typeface="Arial"/>
+            </a:endParaRPr>
+          </a:p>
+        </p:txBody>
+      </p:sp>
+    </p:spTree>
+  </p:cSld>
+  <p:clrMapOvr>
+    <a:masterClrMapping/>
+  </p:clrMapOvr>
+</p:notes>
+</file>
+
+<file path=ppt/notesSlides/notesSlide21.xml><?xml version="1.0" encoding="utf-8"?>
+<p:notes xmlns:a="http://schemas.openxmlformats.org/drawingml/2006/main" xmlns:r="http://schemas.openxmlformats.org/officeDocument/2006/relationships" xmlns:p="http://schemas.openxmlformats.org/presentationml/2006/main" showMasterSp="0" showMasterPhAnim="0">
+  <p:cSld>
+    <p:spTree>
+      <p:nvGrpSpPr>
         <p:cNvPr id="1" name="Shape 162"/>
         <p:cNvGrpSpPr/>
         <p:nvPr/>
@@ -2565,7 +2703,7 @@
 </p:notes>
 </file>
 
-<file path=ppt/notesSlides/notesSlide21.xml><?xml version="1.0" encoding="utf-8"?>
+<file path=ppt/notesSlides/notesSlide22.xml><?xml version="1.0" encoding="utf-8"?>
 <p:notes xmlns:a="http://schemas.openxmlformats.org/drawingml/2006/main" xmlns:r="http://schemas.openxmlformats.org/officeDocument/2006/relationships" xmlns:p="http://schemas.openxmlformats.org/presentationml/2006/main">
   <p:cSld>
     <p:spTree>
@@ -2644,7 +2782,7 @@
 </p:notes>
 </file>
 
-<file path=ppt/notesSlides/notesSlide22.xml><?xml version="1.0" encoding="utf-8"?>
+<file path=ppt/notesSlides/notesSlide23.xml><?xml version="1.0" encoding="utf-8"?>
 <p:notes xmlns:a="http://schemas.openxmlformats.org/drawingml/2006/main" xmlns:r="http://schemas.openxmlformats.org/officeDocument/2006/relationships" xmlns:p="http://schemas.openxmlformats.org/presentationml/2006/main" showMasterSp="0" showMasterPhAnim="0">
   <p:cSld>
     <p:spTree>
@@ -2784,7 +2922,7 @@
 </p:notes>
 </file>
 
-<file path=ppt/notesSlides/notesSlide23.xml><?xml version="1.0" encoding="utf-8"?>
+<file path=ppt/notesSlides/notesSlide24.xml><?xml version="1.0" encoding="utf-8"?>
 <p:notes xmlns:a="http://schemas.openxmlformats.org/drawingml/2006/main" xmlns:r="http://schemas.openxmlformats.org/officeDocument/2006/relationships" xmlns:p="http://schemas.openxmlformats.org/presentationml/2006/main" showMasterSp="0" showMasterPhAnim="0">
   <p:cSld>
     <p:spTree>
@@ -2916,7 +3054,7 @@
 </p:notes>
 </file>
 
-<file path=ppt/notesSlides/notesSlide24.xml><?xml version="1.0" encoding="utf-8"?>
+<file path=ppt/notesSlides/notesSlide25.xml><?xml version="1.0" encoding="utf-8"?>
 <p:notes xmlns:a="http://schemas.openxmlformats.org/drawingml/2006/main" xmlns:r="http://schemas.openxmlformats.org/officeDocument/2006/relationships" xmlns:p="http://schemas.openxmlformats.org/presentationml/2006/main">
   <p:cSld>
     <p:spTree>
@@ -2984,7 +3122,7 @@
 </p:notes>
 </file>
 
-<file path=ppt/notesSlides/notesSlide25.xml><?xml version="1.0" encoding="utf-8"?>
+<file path=ppt/notesSlides/notesSlide26.xml><?xml version="1.0" encoding="utf-8"?>
 <p:notes xmlns:a="http://schemas.openxmlformats.org/drawingml/2006/main" xmlns:r="http://schemas.openxmlformats.org/officeDocument/2006/relationships" xmlns:p="http://schemas.openxmlformats.org/presentationml/2006/main" showMasterSp="0" showMasterPhAnim="0">
   <p:cSld>
     <p:spTree>
@@ -3116,7 +3254,7 @@
 </p:notes>
 </file>
 
-<file path=ppt/notesSlides/notesSlide26.xml><?xml version="1.0" encoding="utf-8"?>
+<file path=ppt/notesSlides/notesSlide27.xml><?xml version="1.0" encoding="utf-8"?>
 <p:notes xmlns:a="http://schemas.openxmlformats.org/drawingml/2006/main" xmlns:r="http://schemas.openxmlformats.org/officeDocument/2006/relationships" xmlns:p="http://schemas.openxmlformats.org/presentationml/2006/main" showMasterSp="0" showMasterPhAnim="0">
   <p:cSld>
     <p:spTree>
@@ -3248,7 +3386,7 @@
 </p:notes>
 </file>
 
-<file path=ppt/notesSlides/notesSlide27.xml><?xml version="1.0" encoding="utf-8"?>
+<file path=ppt/notesSlides/notesSlide28.xml><?xml version="1.0" encoding="utf-8"?>
 <p:notes xmlns:a="http://schemas.openxmlformats.org/drawingml/2006/main" xmlns:r="http://schemas.openxmlformats.org/officeDocument/2006/relationships" xmlns:p="http://schemas.openxmlformats.org/presentationml/2006/main" showMasterSp="0" showMasterPhAnim="0">
   <p:cSld>
     <p:spTree>
@@ -3380,7 +3518,7 @@
 </p:notes>
 </file>
 
-<file path=ppt/notesSlides/notesSlide28.xml><?xml version="1.0" encoding="utf-8"?>
+<file path=ppt/notesSlides/notesSlide29.xml><?xml version="1.0" encoding="utf-8"?>
 <p:notes xmlns:a="http://schemas.openxmlformats.org/drawingml/2006/main" xmlns:r="http://schemas.openxmlformats.org/officeDocument/2006/relationships" xmlns:p="http://schemas.openxmlformats.org/presentationml/2006/main" showMasterSp="0" showMasterPhAnim="0">
   <p:cSld>
     <p:spTree>
@@ -3451,138 +3589,6 @@
       <p:sp>
         <p:nvSpPr>
           <p:cNvPr id="199" name="Google Shape;199;p21:notes"/>
-          <p:cNvSpPr txBox="1">
-            <a:spLocks noGrp="1"/>
-          </p:cNvSpPr>
-          <p:nvPr>
-            <p:ph type="body" idx="1"/>
-          </p:nvPr>
-        </p:nvSpPr>
-        <p:spPr>
-          <a:xfrm>
-            <a:off x="685800" y="4343400"/>
-            <a:ext cx="5486400" cy="4114800"/>
-          </a:xfrm>
-          <a:prstGeom prst="rect">
-            <a:avLst/>
-          </a:prstGeom>
-          <a:noFill/>
-          <a:ln>
-            <a:noFill/>
-          </a:ln>
-        </p:spPr>
-        <p:txBody>
-          <a:bodyPr spcFirstLastPara="1" wrap="square" lIns="91425" tIns="91425" rIns="91425" bIns="91425" anchor="t" anchorCtr="0">
-            <a:noAutofit/>
-          </a:bodyPr>
-          <a:lstStyle/>
-          <a:p>
-            <a:pPr marL="0" marR="0" lvl="0" indent="0" algn="l" rtl="0">
-              <a:lnSpc>
-                <a:spcPct val="100000"/>
-              </a:lnSpc>
-              <a:spcBef>
-                <a:spcPts val="0"/>
-              </a:spcBef>
-              <a:spcAft>
-                <a:spcPts val="0"/>
-              </a:spcAft>
-              <a:buClr>
-                <a:srgbClr val="000000"/>
-              </a:buClr>
-              <a:buSzPts val="1100"/>
-              <a:buFont typeface="Arial"/>
-              <a:buNone/>
-            </a:pPr>
-            <a:endParaRPr sz="1100" u="none" strike="noStrike" cap="none" dirty="0">
-              <a:solidFill>
-                <a:srgbClr val="000000"/>
-              </a:solidFill>
-              <a:latin typeface="Maven Pro Regular" pitchFamily="2" charset="77"/>
-              <a:sym typeface="Arial"/>
-            </a:endParaRPr>
-          </a:p>
-        </p:txBody>
-      </p:sp>
-    </p:spTree>
-  </p:cSld>
-  <p:clrMapOvr>
-    <a:masterClrMapping/>
-  </p:clrMapOvr>
-</p:notes>
-</file>
-
-<file path=ppt/notesSlides/notesSlide29.xml><?xml version="1.0" encoding="utf-8"?>
-<p:notes xmlns:a="http://schemas.openxmlformats.org/drawingml/2006/main" xmlns:r="http://schemas.openxmlformats.org/officeDocument/2006/relationships" xmlns:p="http://schemas.openxmlformats.org/presentationml/2006/main" showMasterSp="0" showMasterPhAnim="0">
-  <p:cSld>
-    <p:spTree>
-      <p:nvGrpSpPr>
-        <p:cNvPr id="1" name="Shape 203"/>
-        <p:cNvGrpSpPr/>
-        <p:nvPr/>
-      </p:nvGrpSpPr>
-      <p:grpSpPr>
-        <a:xfrm>
-          <a:off x="0" y="0"/>
-          <a:ext cx="0" cy="0"/>
-          <a:chOff x="0" y="0"/>
-          <a:chExt cx="0" cy="0"/>
-        </a:xfrm>
-      </p:grpSpPr>
-      <p:sp>
-        <p:nvSpPr>
-          <p:cNvPr id="204" name="Google Shape;204;p22:notes"/>
-          <p:cNvSpPr>
-            <a:spLocks noGrp="1" noRot="1" noChangeAspect="1"/>
-          </p:cNvSpPr>
-          <p:nvPr>
-            <p:ph type="sldImg" idx="2"/>
-          </p:nvPr>
-        </p:nvSpPr>
-        <p:spPr>
-          <a:xfrm>
-            <a:off x="381000" y="685800"/>
-            <a:ext cx="6096000" cy="3429000"/>
-          </a:xfrm>
-          <a:custGeom>
-            <a:avLst/>
-            <a:gdLst/>
-            <a:ahLst/>
-            <a:cxnLst/>
-            <a:rect l="l" t="t" r="r" b="b"/>
-            <a:pathLst>
-              <a:path w="120000" h="120000" extrusionOk="0">
-                <a:moveTo>
-                  <a:pt x="0" y="0"/>
-                </a:moveTo>
-                <a:lnTo>
-                  <a:pt x="120000" y="0"/>
-                </a:lnTo>
-                <a:lnTo>
-                  <a:pt x="120000" y="120000"/>
-                </a:lnTo>
-                <a:lnTo>
-                  <a:pt x="0" y="120000"/>
-                </a:lnTo>
-                <a:close/>
-              </a:path>
-            </a:pathLst>
-          </a:custGeom>
-          <a:noFill/>
-          <a:ln w="9525" cap="flat" cmpd="sng">
-            <a:solidFill>
-              <a:srgbClr val="000000"/>
-            </a:solidFill>
-            <a:prstDash val="solid"/>
-            <a:round/>
-            <a:headEnd type="none" w="sm" len="sm"/>
-            <a:tailEnd type="none" w="sm" len="sm"/>
-          </a:ln>
-        </p:spPr>
-      </p:sp>
-      <p:sp>
-        <p:nvSpPr>
-          <p:cNvPr id="205" name="Google Shape;205;p22:notes"/>
           <p:cNvSpPr txBox="1">
             <a:spLocks noGrp="1"/>
           </p:cNvSpPr>
@@ -3786,6 +3792,138 @@
   <p:cSld>
     <p:spTree>
       <p:nvGrpSpPr>
+        <p:cNvPr id="1" name="Shape 203"/>
+        <p:cNvGrpSpPr/>
+        <p:nvPr/>
+      </p:nvGrpSpPr>
+      <p:grpSpPr>
+        <a:xfrm>
+          <a:off x="0" y="0"/>
+          <a:ext cx="0" cy="0"/>
+          <a:chOff x="0" y="0"/>
+          <a:chExt cx="0" cy="0"/>
+        </a:xfrm>
+      </p:grpSpPr>
+      <p:sp>
+        <p:nvSpPr>
+          <p:cNvPr id="204" name="Google Shape;204;p22:notes"/>
+          <p:cNvSpPr>
+            <a:spLocks noGrp="1" noRot="1" noChangeAspect="1"/>
+          </p:cNvSpPr>
+          <p:nvPr>
+            <p:ph type="sldImg" idx="2"/>
+          </p:nvPr>
+        </p:nvSpPr>
+        <p:spPr>
+          <a:xfrm>
+            <a:off x="381000" y="685800"/>
+            <a:ext cx="6096000" cy="3429000"/>
+          </a:xfrm>
+          <a:custGeom>
+            <a:avLst/>
+            <a:gdLst/>
+            <a:ahLst/>
+            <a:cxnLst/>
+            <a:rect l="l" t="t" r="r" b="b"/>
+            <a:pathLst>
+              <a:path w="120000" h="120000" extrusionOk="0">
+                <a:moveTo>
+                  <a:pt x="0" y="0"/>
+                </a:moveTo>
+                <a:lnTo>
+                  <a:pt x="120000" y="0"/>
+                </a:lnTo>
+                <a:lnTo>
+                  <a:pt x="120000" y="120000"/>
+                </a:lnTo>
+                <a:lnTo>
+                  <a:pt x="0" y="120000"/>
+                </a:lnTo>
+                <a:close/>
+              </a:path>
+            </a:pathLst>
+          </a:custGeom>
+          <a:noFill/>
+          <a:ln w="9525" cap="flat" cmpd="sng">
+            <a:solidFill>
+              <a:srgbClr val="000000"/>
+            </a:solidFill>
+            <a:prstDash val="solid"/>
+            <a:round/>
+            <a:headEnd type="none" w="sm" len="sm"/>
+            <a:tailEnd type="none" w="sm" len="sm"/>
+          </a:ln>
+        </p:spPr>
+      </p:sp>
+      <p:sp>
+        <p:nvSpPr>
+          <p:cNvPr id="205" name="Google Shape;205;p22:notes"/>
+          <p:cNvSpPr txBox="1">
+            <a:spLocks noGrp="1"/>
+          </p:cNvSpPr>
+          <p:nvPr>
+            <p:ph type="body" idx="1"/>
+          </p:nvPr>
+        </p:nvSpPr>
+        <p:spPr>
+          <a:xfrm>
+            <a:off x="685800" y="4343400"/>
+            <a:ext cx="5486400" cy="4114800"/>
+          </a:xfrm>
+          <a:prstGeom prst="rect">
+            <a:avLst/>
+          </a:prstGeom>
+          <a:noFill/>
+          <a:ln>
+            <a:noFill/>
+          </a:ln>
+        </p:spPr>
+        <p:txBody>
+          <a:bodyPr spcFirstLastPara="1" wrap="square" lIns="91425" tIns="91425" rIns="91425" bIns="91425" anchor="t" anchorCtr="0">
+            <a:noAutofit/>
+          </a:bodyPr>
+          <a:lstStyle/>
+          <a:p>
+            <a:pPr marL="0" marR="0" lvl="0" indent="0" algn="l" rtl="0">
+              <a:lnSpc>
+                <a:spcPct val="100000"/>
+              </a:lnSpc>
+              <a:spcBef>
+                <a:spcPts val="0"/>
+              </a:spcBef>
+              <a:spcAft>
+                <a:spcPts val="0"/>
+              </a:spcAft>
+              <a:buClr>
+                <a:srgbClr val="000000"/>
+              </a:buClr>
+              <a:buSzPts val="1100"/>
+              <a:buFont typeface="Arial"/>
+              <a:buNone/>
+            </a:pPr>
+            <a:endParaRPr sz="1100" u="none" strike="noStrike" cap="none" dirty="0">
+              <a:solidFill>
+                <a:srgbClr val="000000"/>
+              </a:solidFill>
+              <a:latin typeface="Maven Pro Regular" pitchFamily="2" charset="77"/>
+              <a:sym typeface="Arial"/>
+            </a:endParaRPr>
+          </a:p>
+        </p:txBody>
+      </p:sp>
+    </p:spTree>
+  </p:cSld>
+  <p:clrMapOvr>
+    <a:masterClrMapping/>
+  </p:clrMapOvr>
+</p:notes>
+</file>
+
+<file path=ppt/notesSlides/notesSlide31.xml><?xml version="1.0" encoding="utf-8"?>
+<p:notes xmlns:a="http://schemas.openxmlformats.org/drawingml/2006/main" xmlns:r="http://schemas.openxmlformats.org/officeDocument/2006/relationships" xmlns:p="http://schemas.openxmlformats.org/presentationml/2006/main" showMasterSp="0" showMasterPhAnim="0">
+  <p:cSld>
+    <p:spTree>
+      <p:nvGrpSpPr>
         <p:cNvPr id="1" name="Shape 209"/>
         <p:cNvGrpSpPr/>
         <p:nvPr/>
@@ -3913,7 +4051,7 @@
 </p:notes>
 </file>
 
-<file path=ppt/notesSlides/notesSlide31.xml><?xml version="1.0" encoding="utf-8"?>
+<file path=ppt/notesSlides/notesSlide32.xml><?xml version="1.0" encoding="utf-8"?>
 <p:notes xmlns:a="http://schemas.openxmlformats.org/drawingml/2006/main" xmlns:r="http://schemas.openxmlformats.org/officeDocument/2006/relationships" xmlns:p="http://schemas.openxmlformats.org/presentationml/2006/main" showMasterSp="0" showMasterPhAnim="0">
   <p:cSld>
     <p:spTree>
@@ -4045,7 +4183,7 @@
 </p:notes>
 </file>
 
-<file path=ppt/notesSlides/notesSlide32.xml><?xml version="1.0" encoding="utf-8"?>
+<file path=ppt/notesSlides/notesSlide33.xml><?xml version="1.0" encoding="utf-8"?>
 <p:notes xmlns:a="http://schemas.openxmlformats.org/drawingml/2006/main" xmlns:r="http://schemas.openxmlformats.org/officeDocument/2006/relationships" xmlns:p="http://schemas.openxmlformats.org/presentationml/2006/main" showMasterSp="0" showMasterPhAnim="0">
   <p:cSld>
     <p:spTree>
@@ -4177,7 +4315,7 @@
 </p:notes>
 </file>
 
-<file path=ppt/notesSlides/notesSlide33.xml><?xml version="1.0" encoding="utf-8"?>
+<file path=ppt/notesSlides/notesSlide34.xml><?xml version="1.0" encoding="utf-8"?>
 <p:notes xmlns:a="http://schemas.openxmlformats.org/drawingml/2006/main" xmlns:r="http://schemas.openxmlformats.org/officeDocument/2006/relationships" xmlns:p="http://schemas.openxmlformats.org/presentationml/2006/main" showMasterSp="0" showMasterPhAnim="0">
   <p:cSld>
     <p:spTree>
@@ -4248,138 +4386,6 @@
       <p:sp>
         <p:nvSpPr>
           <p:cNvPr id="228" name="Google Shape;228;p26:notes"/>
-          <p:cNvSpPr txBox="1">
-            <a:spLocks noGrp="1"/>
-          </p:cNvSpPr>
-          <p:nvPr>
-            <p:ph type="body" idx="1"/>
-          </p:nvPr>
-        </p:nvSpPr>
-        <p:spPr>
-          <a:xfrm>
-            <a:off x="685800" y="4343400"/>
-            <a:ext cx="5486400" cy="4114800"/>
-          </a:xfrm>
-          <a:prstGeom prst="rect">
-            <a:avLst/>
-          </a:prstGeom>
-          <a:noFill/>
-          <a:ln>
-            <a:noFill/>
-          </a:ln>
-        </p:spPr>
-        <p:txBody>
-          <a:bodyPr spcFirstLastPara="1" wrap="square" lIns="91425" tIns="91425" rIns="91425" bIns="91425" anchor="t" anchorCtr="0">
-            <a:noAutofit/>
-          </a:bodyPr>
-          <a:lstStyle/>
-          <a:p>
-            <a:pPr marL="0" marR="0" lvl="0" indent="0" algn="l" rtl="0">
-              <a:lnSpc>
-                <a:spcPct val="100000"/>
-              </a:lnSpc>
-              <a:spcBef>
-                <a:spcPts val="0"/>
-              </a:spcBef>
-              <a:spcAft>
-                <a:spcPts val="0"/>
-              </a:spcAft>
-              <a:buClr>
-                <a:srgbClr val="000000"/>
-              </a:buClr>
-              <a:buSzPts val="1100"/>
-              <a:buFont typeface="Arial"/>
-              <a:buNone/>
-            </a:pPr>
-            <a:endParaRPr sz="1100" u="none" strike="noStrike" cap="none" dirty="0">
-              <a:solidFill>
-                <a:srgbClr val="000000"/>
-              </a:solidFill>
-              <a:latin typeface="Maven Pro Regular" pitchFamily="2" charset="77"/>
-              <a:sym typeface="Arial"/>
-            </a:endParaRPr>
-          </a:p>
-        </p:txBody>
-      </p:sp>
-    </p:spTree>
-  </p:cSld>
-  <p:clrMapOvr>
-    <a:masterClrMapping/>
-  </p:clrMapOvr>
-</p:notes>
-</file>
-
-<file path=ppt/notesSlides/notesSlide34.xml><?xml version="1.0" encoding="utf-8"?>
-<p:notes xmlns:a="http://schemas.openxmlformats.org/drawingml/2006/main" xmlns:r="http://schemas.openxmlformats.org/officeDocument/2006/relationships" xmlns:p="http://schemas.openxmlformats.org/presentationml/2006/main" showMasterSp="0" showMasterPhAnim="0">
-  <p:cSld>
-    <p:spTree>
-      <p:nvGrpSpPr>
-        <p:cNvPr id="1" name="Shape 232"/>
-        <p:cNvGrpSpPr/>
-        <p:nvPr/>
-      </p:nvGrpSpPr>
-      <p:grpSpPr>
-        <a:xfrm>
-          <a:off x="0" y="0"/>
-          <a:ext cx="0" cy="0"/>
-          <a:chOff x="0" y="0"/>
-          <a:chExt cx="0" cy="0"/>
-        </a:xfrm>
-      </p:grpSpPr>
-      <p:sp>
-        <p:nvSpPr>
-          <p:cNvPr id="233" name="Google Shape;233;p27:notes"/>
-          <p:cNvSpPr>
-            <a:spLocks noGrp="1" noRot="1" noChangeAspect="1"/>
-          </p:cNvSpPr>
-          <p:nvPr>
-            <p:ph type="sldImg" idx="2"/>
-          </p:nvPr>
-        </p:nvSpPr>
-        <p:spPr>
-          <a:xfrm>
-            <a:off x="381000" y="685800"/>
-            <a:ext cx="6096000" cy="3429000"/>
-          </a:xfrm>
-          <a:custGeom>
-            <a:avLst/>
-            <a:gdLst/>
-            <a:ahLst/>
-            <a:cxnLst/>
-            <a:rect l="l" t="t" r="r" b="b"/>
-            <a:pathLst>
-              <a:path w="120000" h="120000" extrusionOk="0">
-                <a:moveTo>
-                  <a:pt x="0" y="0"/>
-                </a:moveTo>
-                <a:lnTo>
-                  <a:pt x="120000" y="0"/>
-                </a:lnTo>
-                <a:lnTo>
-                  <a:pt x="120000" y="120000"/>
-                </a:lnTo>
-                <a:lnTo>
-                  <a:pt x="0" y="120000"/>
-                </a:lnTo>
-                <a:close/>
-              </a:path>
-            </a:pathLst>
-          </a:custGeom>
-          <a:noFill/>
-          <a:ln w="9525" cap="flat" cmpd="sng">
-            <a:solidFill>
-              <a:srgbClr val="000000"/>
-            </a:solidFill>
-            <a:prstDash val="solid"/>
-            <a:round/>
-            <a:headEnd type="none" w="sm" len="sm"/>
-            <a:tailEnd type="none" w="sm" len="sm"/>
-          </a:ln>
-        </p:spPr>
-      </p:sp>
-      <p:sp>
-        <p:nvSpPr>
-          <p:cNvPr id="234" name="Google Shape;234;p27:notes"/>
           <p:cNvSpPr txBox="1">
             <a:spLocks noGrp="1"/>
           </p:cNvSpPr>
@@ -4566,6 +4572,138 @@
         </p:txBody>
       </p:sp>
     </p:spTree>
+  </p:cSld>
+  <p:clrMapOvr>
+    <a:masterClrMapping/>
+  </p:clrMapOvr>
+</p:notes>
+</file>
+
+<file path=ppt/notesSlides/notesSlide36.xml><?xml version="1.0" encoding="utf-8"?>
+<p:notes xmlns:a="http://schemas.openxmlformats.org/drawingml/2006/main" xmlns:r="http://schemas.openxmlformats.org/officeDocument/2006/relationships" xmlns:p="http://schemas.openxmlformats.org/presentationml/2006/main" showMasterSp="0" showMasterPhAnim="0">
+  <p:cSld>
+    <p:spTree>
+      <p:nvGrpSpPr>
+        <p:cNvPr id="1" name="Shape 232"/>
+        <p:cNvGrpSpPr/>
+        <p:nvPr/>
+      </p:nvGrpSpPr>
+      <p:grpSpPr>
+        <a:xfrm>
+          <a:off x="0" y="0"/>
+          <a:ext cx="0" cy="0"/>
+          <a:chOff x="0" y="0"/>
+          <a:chExt cx="0" cy="0"/>
+        </a:xfrm>
+      </p:grpSpPr>
+      <p:sp>
+        <p:nvSpPr>
+          <p:cNvPr id="233" name="Google Shape;233;p27:notes"/>
+          <p:cNvSpPr>
+            <a:spLocks noGrp="1" noRot="1" noChangeAspect="1"/>
+          </p:cNvSpPr>
+          <p:nvPr>
+            <p:ph type="sldImg" idx="2"/>
+          </p:nvPr>
+        </p:nvSpPr>
+        <p:spPr>
+          <a:xfrm>
+            <a:off x="381000" y="685800"/>
+            <a:ext cx="6096000" cy="3429000"/>
+          </a:xfrm>
+          <a:custGeom>
+            <a:avLst/>
+            <a:gdLst/>
+            <a:ahLst/>
+            <a:cxnLst/>
+            <a:rect l="l" t="t" r="r" b="b"/>
+            <a:pathLst>
+              <a:path w="120000" h="120000" extrusionOk="0">
+                <a:moveTo>
+                  <a:pt x="0" y="0"/>
+                </a:moveTo>
+                <a:lnTo>
+                  <a:pt x="120000" y="0"/>
+                </a:lnTo>
+                <a:lnTo>
+                  <a:pt x="120000" y="120000"/>
+                </a:lnTo>
+                <a:lnTo>
+                  <a:pt x="0" y="120000"/>
+                </a:lnTo>
+                <a:close/>
+              </a:path>
+            </a:pathLst>
+          </a:custGeom>
+          <a:noFill/>
+          <a:ln w="9525" cap="flat" cmpd="sng">
+            <a:solidFill>
+              <a:srgbClr val="000000"/>
+            </a:solidFill>
+            <a:prstDash val="solid"/>
+            <a:round/>
+            <a:headEnd type="none" w="sm" len="sm"/>
+            <a:tailEnd type="none" w="sm" len="sm"/>
+          </a:ln>
+        </p:spPr>
+      </p:sp>
+      <p:sp>
+        <p:nvSpPr>
+          <p:cNvPr id="234" name="Google Shape;234;p27:notes"/>
+          <p:cNvSpPr txBox="1">
+            <a:spLocks noGrp="1"/>
+          </p:cNvSpPr>
+          <p:nvPr>
+            <p:ph type="body" idx="1"/>
+          </p:nvPr>
+        </p:nvSpPr>
+        <p:spPr>
+          <a:xfrm>
+            <a:off x="685800" y="4343400"/>
+            <a:ext cx="5486400" cy="4114800"/>
+          </a:xfrm>
+          <a:prstGeom prst="rect">
+            <a:avLst/>
+          </a:prstGeom>
+          <a:noFill/>
+          <a:ln>
+            <a:noFill/>
+          </a:ln>
+        </p:spPr>
+        <p:txBody>
+          <a:bodyPr spcFirstLastPara="1" wrap="square" lIns="91425" tIns="91425" rIns="91425" bIns="91425" anchor="t" anchorCtr="0">
+            <a:noAutofit/>
+          </a:bodyPr>
+          <a:lstStyle/>
+          <a:p>
+            <a:pPr marL="0" marR="0" lvl="0" indent="0" algn="l" rtl="0">
+              <a:lnSpc>
+                <a:spcPct val="100000"/>
+              </a:lnSpc>
+              <a:spcBef>
+                <a:spcPts val="0"/>
+              </a:spcBef>
+              <a:spcAft>
+                <a:spcPts val="0"/>
+              </a:spcAft>
+              <a:buClr>
+                <a:srgbClr val="000000"/>
+              </a:buClr>
+              <a:buSzPts val="1100"/>
+              <a:buFont typeface="Arial"/>
+              <a:buNone/>
+            </a:pPr>
+            <a:endParaRPr sz="1100" u="none" strike="noStrike" cap="none" dirty="0">
+              <a:solidFill>
+                <a:srgbClr val="000000"/>
+              </a:solidFill>
+              <a:latin typeface="Maven Pro Regular" pitchFamily="2" charset="77"/>
+              <a:sym typeface="Arial"/>
+            </a:endParaRPr>
+          </a:p>
+        </p:txBody>
+      </p:sp>
+    </p:spTree>
     <p:extLst>
       <p:ext uri="{BB962C8B-B14F-4D97-AF65-F5344CB8AC3E}">
         <p14:creationId xmlns:p14="http://schemas.microsoft.com/office/powerpoint/2010/main" val="1650155609"/>
@@ -4578,7 +4716,7 @@
 </p:notes>
 </file>
 
-<file path=ppt/notesSlides/notesSlide36.xml><?xml version="1.0" encoding="utf-8"?>
+<file path=ppt/notesSlides/notesSlide37.xml><?xml version="1.0" encoding="utf-8"?>
 <p:notes xmlns:a="http://schemas.openxmlformats.org/drawingml/2006/main" xmlns:r="http://schemas.openxmlformats.org/officeDocument/2006/relationships" xmlns:p="http://schemas.openxmlformats.org/presentationml/2006/main" showMasterSp="0" showMasterPhAnim="0">
   <p:cSld>
     <p:spTree>
@@ -4710,7 +4848,7 @@
 </p:notes>
 </file>
 
-<file path=ppt/notesSlides/notesSlide37.xml><?xml version="1.0" encoding="utf-8"?>
+<file path=ppt/notesSlides/notesSlide38.xml><?xml version="1.0" encoding="utf-8"?>
 <p:notes xmlns:a="http://schemas.openxmlformats.org/drawingml/2006/main" xmlns:r="http://schemas.openxmlformats.org/officeDocument/2006/relationships" xmlns:p="http://schemas.openxmlformats.org/presentationml/2006/main" showMasterSp="0" showMasterPhAnim="0">
   <p:cSld>
     <p:spTree>
@@ -4842,7 +4980,7 @@
 </p:notes>
 </file>
 
-<file path=ppt/notesSlides/notesSlide38.xml><?xml version="1.0" encoding="utf-8"?>
+<file path=ppt/notesSlides/notesSlide39.xml><?xml version="1.0" encoding="utf-8"?>
 <p:notes xmlns:a="http://schemas.openxmlformats.org/drawingml/2006/main" xmlns:r="http://schemas.openxmlformats.org/officeDocument/2006/relationships" xmlns:p="http://schemas.openxmlformats.org/presentationml/2006/main" showMasterSp="0" showMasterPhAnim="0">
   <p:cSld>
     <p:spTree>
@@ -4974,7 +5112,75 @@
 </p:notes>
 </file>
 
-<file path=ppt/notesSlides/notesSlide39.xml><?xml version="1.0" encoding="utf-8"?>
+<file path=ppt/notesSlides/notesSlide4.xml><?xml version="1.0" encoding="utf-8"?>
+<p:notes xmlns:a="http://schemas.openxmlformats.org/drawingml/2006/main" xmlns:r="http://schemas.openxmlformats.org/officeDocument/2006/relationships" xmlns:p="http://schemas.openxmlformats.org/presentationml/2006/main">
+  <p:cSld>
+    <p:spTree>
+      <p:nvGrpSpPr>
+        <p:cNvPr id="1" name=""/>
+        <p:cNvGrpSpPr/>
+        <p:nvPr/>
+      </p:nvGrpSpPr>
+      <p:grpSpPr>
+        <a:xfrm>
+          <a:off x="0" y="0"/>
+          <a:ext cx="0" cy="0"/>
+          <a:chOff x="0" y="0"/>
+          <a:chExt cx="0" cy="0"/>
+        </a:xfrm>
+      </p:grpSpPr>
+      <p:sp>
+        <p:nvSpPr>
+          <p:cNvPr id="2" name="Slide Image Placeholder 1"/>
+          <p:cNvSpPr>
+            <a:spLocks noGrp="1" noRot="1" noChangeAspect="1"/>
+          </p:cNvSpPr>
+          <p:nvPr>
+            <p:ph type="sldImg"/>
+          </p:nvPr>
+        </p:nvSpPr>
+        <p:spPr>
+          <a:xfrm>
+            <a:off x="381000" y="685800"/>
+            <a:ext cx="6096000" cy="3429000"/>
+          </a:xfrm>
+        </p:spPr>
+      </p:sp>
+      <p:sp>
+        <p:nvSpPr>
+          <p:cNvPr id="3" name="Notes Placeholder 2"/>
+          <p:cNvSpPr>
+            <a:spLocks noGrp="1"/>
+          </p:cNvSpPr>
+          <p:nvPr>
+            <p:ph type="body" idx="1"/>
+          </p:nvPr>
+        </p:nvSpPr>
+        <p:spPr/>
+        <p:txBody>
+          <a:bodyPr/>
+          <a:lstStyle/>
+          <a:p>
+            <a:endParaRPr lang="en-US" dirty="0">
+              <a:latin typeface="Maven Pro Regular" pitchFamily="2" charset="77"/>
+            </a:endParaRPr>
+          </a:p>
+        </p:txBody>
+      </p:sp>
+    </p:spTree>
+    <p:extLst>
+      <p:ext uri="{BB962C8B-B14F-4D97-AF65-F5344CB8AC3E}">
+        <p14:creationId xmlns:p14="http://schemas.microsoft.com/office/powerpoint/2010/main" val="1980408288"/>
+      </p:ext>
+    </p:extLst>
+  </p:cSld>
+  <p:clrMapOvr>
+    <a:masterClrMapping/>
+  </p:clrMapOvr>
+</p:notes>
+</file>
+
+<file path=ppt/notesSlides/notesSlide40.xml><?xml version="1.0" encoding="utf-8"?>
 <p:notes xmlns:a="http://schemas.openxmlformats.org/drawingml/2006/main" xmlns:r="http://schemas.openxmlformats.org/officeDocument/2006/relationships" xmlns:p="http://schemas.openxmlformats.org/presentationml/2006/main" showMasterSp="0" showMasterPhAnim="0">
   <p:cSld>
     <p:spTree>
@@ -5106,75 +5312,7 @@
 </p:notes>
 </file>
 
-<file path=ppt/notesSlides/notesSlide4.xml><?xml version="1.0" encoding="utf-8"?>
-<p:notes xmlns:a="http://schemas.openxmlformats.org/drawingml/2006/main" xmlns:r="http://schemas.openxmlformats.org/officeDocument/2006/relationships" xmlns:p="http://schemas.openxmlformats.org/presentationml/2006/main">
-  <p:cSld>
-    <p:spTree>
-      <p:nvGrpSpPr>
-        <p:cNvPr id="1" name=""/>
-        <p:cNvGrpSpPr/>
-        <p:nvPr/>
-      </p:nvGrpSpPr>
-      <p:grpSpPr>
-        <a:xfrm>
-          <a:off x="0" y="0"/>
-          <a:ext cx="0" cy="0"/>
-          <a:chOff x="0" y="0"/>
-          <a:chExt cx="0" cy="0"/>
-        </a:xfrm>
-      </p:grpSpPr>
-      <p:sp>
-        <p:nvSpPr>
-          <p:cNvPr id="2" name="Slide Image Placeholder 1"/>
-          <p:cNvSpPr>
-            <a:spLocks noGrp="1" noRot="1" noChangeAspect="1"/>
-          </p:cNvSpPr>
-          <p:nvPr>
-            <p:ph type="sldImg"/>
-          </p:nvPr>
-        </p:nvSpPr>
-        <p:spPr>
-          <a:xfrm>
-            <a:off x="381000" y="685800"/>
-            <a:ext cx="6096000" cy="3429000"/>
-          </a:xfrm>
-        </p:spPr>
-      </p:sp>
-      <p:sp>
-        <p:nvSpPr>
-          <p:cNvPr id="3" name="Notes Placeholder 2"/>
-          <p:cNvSpPr>
-            <a:spLocks noGrp="1"/>
-          </p:cNvSpPr>
-          <p:nvPr>
-            <p:ph type="body" idx="1"/>
-          </p:nvPr>
-        </p:nvSpPr>
-        <p:spPr/>
-        <p:txBody>
-          <a:bodyPr/>
-          <a:lstStyle/>
-          <a:p>
-            <a:endParaRPr lang="en-US" dirty="0">
-              <a:latin typeface="Maven Pro Regular" pitchFamily="2" charset="77"/>
-            </a:endParaRPr>
-          </a:p>
-        </p:txBody>
-      </p:sp>
-    </p:spTree>
-    <p:extLst>
-      <p:ext uri="{BB962C8B-B14F-4D97-AF65-F5344CB8AC3E}">
-        <p14:creationId xmlns:p14="http://schemas.microsoft.com/office/powerpoint/2010/main" val="1980408288"/>
-      </p:ext>
-    </p:extLst>
-  </p:cSld>
-  <p:clrMapOvr>
-    <a:masterClrMapping/>
-  </p:clrMapOvr>
-</p:notes>
-</file>
-
-<file path=ppt/notesSlides/notesSlide40.xml><?xml version="1.0" encoding="utf-8"?>
+<file path=ppt/notesSlides/notesSlide41.xml><?xml version="1.0" encoding="utf-8"?>
 <p:notes xmlns:a="http://schemas.openxmlformats.org/drawingml/2006/main" xmlns:r="http://schemas.openxmlformats.org/officeDocument/2006/relationships" xmlns:p="http://schemas.openxmlformats.org/presentationml/2006/main" showMasterSp="0" showMasterPhAnim="0">
   <p:cSld>
     <p:spTree>
@@ -5306,7 +5444,7 @@
 </p:notes>
 </file>
 
-<file path=ppt/notesSlides/notesSlide41.xml><?xml version="1.0" encoding="utf-8"?>
+<file path=ppt/notesSlides/notesSlide42.xml><?xml version="1.0" encoding="utf-8"?>
 <p:notes xmlns:a="http://schemas.openxmlformats.org/drawingml/2006/main" xmlns:r="http://schemas.openxmlformats.org/officeDocument/2006/relationships" xmlns:p="http://schemas.openxmlformats.org/presentationml/2006/main" showMasterSp="0" showMasterPhAnim="0">
   <p:cSld>
     <p:spTree>
@@ -5438,7 +5576,7 @@
 </p:notes>
 </file>
 
-<file path=ppt/notesSlides/notesSlide42.xml><?xml version="1.0" encoding="utf-8"?>
+<file path=ppt/notesSlides/notesSlide43.xml><?xml version="1.0" encoding="utf-8"?>
 <p:notes xmlns:a="http://schemas.openxmlformats.org/drawingml/2006/main" xmlns:r="http://schemas.openxmlformats.org/officeDocument/2006/relationships" xmlns:p="http://schemas.openxmlformats.org/presentationml/2006/main" showMasterSp="0" showMasterPhAnim="0">
   <p:cSld>
     <p:spTree>
@@ -5570,7 +5708,7 @@
 </p:notes>
 </file>
 
-<file path=ppt/notesSlides/notesSlide43.xml><?xml version="1.0" encoding="utf-8"?>
+<file path=ppt/notesSlides/notesSlide44.xml><?xml version="1.0" encoding="utf-8"?>
 <p:notes xmlns:a="http://schemas.openxmlformats.org/drawingml/2006/main" xmlns:r="http://schemas.openxmlformats.org/officeDocument/2006/relationships" xmlns:p="http://schemas.openxmlformats.org/presentationml/2006/main" showMasterSp="0" showMasterPhAnim="0">
   <p:cSld>
     <p:spTree>
@@ -5702,7 +5840,7 @@
 </p:notes>
 </file>
 
-<file path=ppt/notesSlides/notesSlide44.xml><?xml version="1.0" encoding="utf-8"?>
+<file path=ppt/notesSlides/notesSlide45.xml><?xml version="1.0" encoding="utf-8"?>
 <p:notes xmlns:a="http://schemas.openxmlformats.org/drawingml/2006/main" xmlns:r="http://schemas.openxmlformats.org/officeDocument/2006/relationships" xmlns:p="http://schemas.openxmlformats.org/presentationml/2006/main" showMasterSp="0" showMasterPhAnim="0">
   <p:cSld>
     <p:spTree>
@@ -5834,7 +5972,7 @@
 </p:notes>
 </file>
 
-<file path=ppt/notesSlides/notesSlide45.xml><?xml version="1.0" encoding="utf-8"?>
+<file path=ppt/notesSlides/notesSlide46.xml><?xml version="1.0" encoding="utf-8"?>
 <p:notes xmlns:a="http://schemas.openxmlformats.org/drawingml/2006/main" xmlns:r="http://schemas.openxmlformats.org/officeDocument/2006/relationships" xmlns:p="http://schemas.openxmlformats.org/presentationml/2006/main" showMasterSp="0" showMasterPhAnim="0">
   <p:cSld>
     <p:spTree>
@@ -11140,6 +11278,13 @@
   <p:clrMapOvr>
     <a:masterClrMapping/>
   </p:clrMapOvr>
+  <p:timing>
+    <p:tnLst>
+      <p:par>
+        <p:cTn id="1" dur="indefinite" restart="never" nodeType="tmRoot"/>
+      </p:par>
+    </p:tnLst>
+  </p:timing>
 </p:sld>
 </file>
 
@@ -13736,6 +13881,201 @@
   <p:cSld>
     <p:spTree>
       <p:nvGrpSpPr>
+        <p:cNvPr id="1" name="Shape 86"/>
+        <p:cNvGrpSpPr/>
+        <p:nvPr/>
+      </p:nvGrpSpPr>
+      <p:grpSpPr>
+        <a:xfrm>
+          <a:off x="0" y="0"/>
+          <a:ext cx="0" cy="0"/>
+          <a:chOff x="0" y="0"/>
+          <a:chExt cx="0" cy="0"/>
+        </a:xfrm>
+      </p:grpSpPr>
+      <p:sp>
+        <p:nvSpPr>
+          <p:cNvPr id="87" name="Google Shape;87;p18"/>
+          <p:cNvSpPr txBox="1">
+            <a:spLocks noGrp="1"/>
+          </p:cNvSpPr>
+          <p:nvPr>
+            <p:ph type="title"/>
+          </p:nvPr>
+        </p:nvSpPr>
+        <p:spPr>
+          <a:xfrm>
+            <a:off x="311700" y="445025"/>
+            <a:ext cx="8520600" cy="572700"/>
+          </a:xfrm>
+          <a:prstGeom prst="rect">
+            <a:avLst/>
+          </a:prstGeom>
+          <a:noFill/>
+          <a:ln>
+            <a:noFill/>
+          </a:ln>
+        </p:spPr>
+        <p:txBody>
+          <a:bodyPr spcFirstLastPara="1" wrap="square" lIns="91425" tIns="91425" rIns="91425" bIns="91425" anchor="t" anchorCtr="0">
+            <a:noAutofit/>
+          </a:bodyPr>
+          <a:lstStyle/>
+          <a:p>
+            <a:pPr marL="0" marR="0" lvl="0" indent="0" algn="l" rtl="0">
+              <a:lnSpc>
+                <a:spcPct val="100000"/>
+              </a:lnSpc>
+              <a:spcBef>
+                <a:spcPts val="0"/>
+              </a:spcBef>
+              <a:spcAft>
+                <a:spcPts val="0"/>
+              </a:spcAft>
+              <a:buClr>
+                <a:schemeClr val="dk2"/>
+              </a:buClr>
+              <a:buSzPts val="2800"/>
+              <a:buFont typeface="Maven Pro"/>
+              <a:buNone/>
+            </a:pPr>
+            <a:r>
+              <a:rPr lang="en" b="1" dirty="0" smtClean="0">
+                <a:solidFill>
+                  <a:schemeClr val="dk2"/>
+                </a:solidFill>
+                <a:latin typeface="Maven Pro"/>
+                <a:ea typeface="Maven Pro"/>
+                <a:cs typeface="Maven Pro"/>
+                <a:sym typeface="Maven Pro"/>
+              </a:rPr>
+              <a:t>Chart Suggestions </a:t>
+            </a:r>
+            <a:endParaRPr sz="2800" b="1" i="0" u="none" strike="noStrike" cap="none" dirty="0">
+              <a:solidFill>
+                <a:schemeClr val="dk2"/>
+              </a:solidFill>
+              <a:latin typeface="Maven Pro"/>
+              <a:ea typeface="Maven Pro"/>
+              <a:cs typeface="Maven Pro"/>
+              <a:sym typeface="Maven Pro"/>
+            </a:endParaRPr>
+          </a:p>
+        </p:txBody>
+      </p:sp>
+      <p:sp>
+        <p:nvSpPr>
+          <p:cNvPr id="88" name="Google Shape;88;p18"/>
+          <p:cNvSpPr txBox="1">
+            <a:spLocks noGrp="1"/>
+          </p:cNvSpPr>
+          <p:nvPr>
+            <p:ph type="body" idx="1"/>
+          </p:nvPr>
+        </p:nvSpPr>
+        <p:spPr>
+          <a:xfrm>
+            <a:off x="311700" y="1152475"/>
+            <a:ext cx="8520600" cy="3416400"/>
+          </a:xfrm>
+          <a:prstGeom prst="rect">
+            <a:avLst/>
+          </a:prstGeom>
+          <a:noFill/>
+          <a:ln>
+            <a:noFill/>
+          </a:ln>
+        </p:spPr>
+        <p:txBody>
+          <a:bodyPr spcFirstLastPara="1" wrap="square" lIns="91425" tIns="91425" rIns="91425" bIns="91425" anchor="t" anchorCtr="0">
+            <a:noAutofit/>
+          </a:bodyPr>
+          <a:lstStyle/>
+          <a:p>
+            <a:pPr marL="0" marR="0" lvl="0" indent="0" algn="l" rtl="0">
+              <a:lnSpc>
+                <a:spcPct val="115000"/>
+              </a:lnSpc>
+              <a:spcBef>
+                <a:spcPts val="0"/>
+              </a:spcBef>
+              <a:spcAft>
+                <a:spcPts val="0"/>
+              </a:spcAft>
+              <a:buClr>
+                <a:schemeClr val="dk2"/>
+              </a:buClr>
+              <a:buSzPts val="1300"/>
+              <a:buFont typeface="Nunito"/>
+              <a:buNone/>
+            </a:pPr>
+            <a:endParaRPr sz="1300" b="0" i="0" u="none" strike="noStrike" cap="none" dirty="0">
+              <a:solidFill>
+                <a:schemeClr val="dk2"/>
+              </a:solidFill>
+              <a:latin typeface="Nunito"/>
+              <a:ea typeface="Nunito"/>
+              <a:cs typeface="Nunito"/>
+              <a:sym typeface="Nunito"/>
+            </a:endParaRPr>
+          </a:p>
+        </p:txBody>
+      </p:sp>
+      <p:pic>
+        <p:nvPicPr>
+          <p:cNvPr id="2" name="Picture 1"/>
+          <p:cNvPicPr>
+            <a:picLocks noChangeAspect="1"/>
+          </p:cNvPicPr>
+          <p:nvPr/>
+        </p:nvPicPr>
+        <p:blipFill>
+          <a:blip r:embed="rId3">
+            <a:extLst>
+              <a:ext uri="{28A0092B-C50C-407E-A947-70E740481C1C}">
+                <a14:useLocalDpi xmlns:a14="http://schemas.microsoft.com/office/drawing/2010/main" val="0"/>
+              </a:ext>
+            </a:extLst>
+          </a:blip>
+          <a:stretch>
+            <a:fillRect/>
+          </a:stretch>
+        </p:blipFill>
+        <p:spPr>
+          <a:xfrm>
+            <a:off x="1046500" y="1213407"/>
+            <a:ext cx="7052786" cy="3713828"/>
+          </a:xfrm>
+          <a:prstGeom prst="rect">
+            <a:avLst/>
+          </a:prstGeom>
+        </p:spPr>
+      </p:pic>
+    </p:spTree>
+    <p:extLst>
+      <p:ext uri="{BB962C8B-B14F-4D97-AF65-F5344CB8AC3E}">
+        <p14:creationId xmlns:p14="http://schemas.microsoft.com/office/powerpoint/2010/main" val="2145632132"/>
+      </p:ext>
+    </p:extLst>
+  </p:cSld>
+  <p:clrMapOvr>
+    <a:masterClrMapping/>
+  </p:clrMapOvr>
+  <p:timing>
+    <p:tnLst>
+      <p:par>
+        <p:cTn id="1" dur="indefinite" restart="never" nodeType="tmRoot"/>
+      </p:par>
+    </p:tnLst>
+  </p:timing>
+</p:sld>
+</file>
+
+<file path=ppt/slides/slide16.xml><?xml version="1.0" encoding="utf-8"?>
+<p:sld xmlns:a="http://schemas.openxmlformats.org/drawingml/2006/main" xmlns:r="http://schemas.openxmlformats.org/officeDocument/2006/relationships" xmlns:p="http://schemas.openxmlformats.org/presentationml/2006/main">
+  <p:cSld>
+    <p:spTree>
+      <p:nvGrpSpPr>
         <p:cNvPr id="1" name="Shape 129"/>
         <p:cNvGrpSpPr/>
         <p:nvPr/>
@@ -14365,7 +14705,7 @@
 </p:sld>
 </file>
 
-<file path=ppt/slides/slide16.xml><?xml version="1.0" encoding="utf-8"?>
+<file path=ppt/slides/slide17.xml><?xml version="1.0" encoding="utf-8"?>
 <p:sld xmlns:a="http://schemas.openxmlformats.org/drawingml/2006/main" xmlns:r="http://schemas.openxmlformats.org/officeDocument/2006/relationships" xmlns:p="http://schemas.openxmlformats.org/presentationml/2006/main">
   <p:cSld>
     <p:spTree>
@@ -14466,7 +14806,7 @@
 </p:sld>
 </file>
 
-<file path=ppt/slides/slide17.xml><?xml version="1.0" encoding="utf-8"?>
+<file path=ppt/slides/slide18.xml><?xml version="1.0" encoding="utf-8"?>
 <p:sld xmlns:a="http://schemas.openxmlformats.org/drawingml/2006/main" xmlns:r="http://schemas.openxmlformats.org/officeDocument/2006/relationships" xmlns:p="http://schemas.openxmlformats.org/presentationml/2006/main">
   <p:cSld>
     <p:spTree>
@@ -14922,7 +15262,7 @@
 </p:sld>
 </file>
 
-<file path=ppt/slides/slide18.xml><?xml version="1.0" encoding="utf-8"?>
+<file path=ppt/slides/slide19.xml><?xml version="1.0" encoding="utf-8"?>
 <p:sld xmlns:a="http://schemas.openxmlformats.org/drawingml/2006/main" xmlns:r="http://schemas.openxmlformats.org/officeDocument/2006/relationships" xmlns:p="http://schemas.openxmlformats.org/presentationml/2006/main">
   <p:cSld>
     <p:spTree>
@@ -15324,105 +15664,6 @@
         </p:txBody>
       </p:sp>
     </p:spTree>
-  </p:cSld>
-  <p:clrMapOvr>
-    <a:masterClrMapping/>
-  </p:clrMapOvr>
-  <p:timing>
-    <p:tnLst>
-      <p:par>
-        <p:cTn id="1" dur="indefinite" restart="never" nodeType="tmRoot"/>
-      </p:par>
-    </p:tnLst>
-  </p:timing>
-</p:sld>
-</file>
-
-<file path=ppt/slides/slide19.xml><?xml version="1.0" encoding="utf-8"?>
-<p:sld xmlns:a="http://schemas.openxmlformats.org/drawingml/2006/main" xmlns:r="http://schemas.openxmlformats.org/officeDocument/2006/relationships" xmlns:p="http://schemas.openxmlformats.org/presentationml/2006/main">
-  <p:cSld>
-    <p:spTree>
-      <p:nvGrpSpPr>
-        <p:cNvPr id="1" name=""/>
-        <p:cNvGrpSpPr/>
-        <p:nvPr/>
-      </p:nvGrpSpPr>
-      <p:grpSpPr>
-        <a:xfrm>
-          <a:off x="0" y="0"/>
-          <a:ext cx="0" cy="0"/>
-          <a:chOff x="0" y="0"/>
-          <a:chExt cx="0" cy="0"/>
-        </a:xfrm>
-      </p:grpSpPr>
-      <p:sp>
-        <p:nvSpPr>
-          <p:cNvPr id="2" name="Title 1"/>
-          <p:cNvSpPr>
-            <a:spLocks noGrp="1"/>
-          </p:cNvSpPr>
-          <p:nvPr>
-            <p:ph type="title"/>
-          </p:nvPr>
-        </p:nvSpPr>
-        <p:spPr/>
-        <p:txBody>
-          <a:bodyPr/>
-          <a:lstStyle/>
-          <a:p>
-            <a:endParaRPr lang="en-US"/>
-          </a:p>
-        </p:txBody>
-      </p:sp>
-      <p:pic>
-        <p:nvPicPr>
-          <p:cNvPr id="4" name="Picture 3"/>
-          <p:cNvPicPr>
-            <a:picLocks noChangeAspect="1"/>
-          </p:cNvPicPr>
-          <p:nvPr/>
-        </p:nvPicPr>
-        <p:blipFill>
-          <a:blip r:embed="rId2"/>
-          <a:stretch>
-            <a:fillRect/>
-          </a:stretch>
-        </p:blipFill>
-        <p:spPr>
-          <a:xfrm>
-            <a:off x="1322262" y="2164299"/>
-            <a:ext cx="6470768" cy="1544083"/>
-          </a:xfrm>
-          <a:prstGeom prst="rect">
-            <a:avLst/>
-          </a:prstGeom>
-        </p:spPr>
-      </p:pic>
-      <p:sp>
-        <p:nvSpPr>
-          <p:cNvPr id="3" name="Text Placeholder 2"/>
-          <p:cNvSpPr>
-            <a:spLocks noGrp="1"/>
-          </p:cNvSpPr>
-          <p:nvPr>
-            <p:ph type="body" idx="1"/>
-          </p:nvPr>
-        </p:nvSpPr>
-        <p:spPr/>
-        <p:txBody>
-          <a:bodyPr/>
-          <a:lstStyle/>
-          <a:p>
-            <a:endParaRPr lang="en-US" dirty="0"/>
-          </a:p>
-        </p:txBody>
-      </p:sp>
-    </p:spTree>
-    <p:extLst>
-      <p:ext uri="{BB962C8B-B14F-4D97-AF65-F5344CB8AC3E}">
-        <p14:creationId xmlns:p14="http://schemas.microsoft.com/office/powerpoint/2010/main" val="3451446020"/>
-      </p:ext>
-    </p:extLst>
   </p:cSld>
   <p:clrMapOvr>
     <a:masterClrMapping/>
@@ -15700,6 +15941,105 @@
       </p:grpSpPr>
       <p:sp>
         <p:nvSpPr>
+          <p:cNvPr id="2" name="Title 1"/>
+          <p:cNvSpPr>
+            <a:spLocks noGrp="1"/>
+          </p:cNvSpPr>
+          <p:nvPr>
+            <p:ph type="title"/>
+          </p:nvPr>
+        </p:nvSpPr>
+        <p:spPr/>
+        <p:txBody>
+          <a:bodyPr/>
+          <a:lstStyle/>
+          <a:p>
+            <a:endParaRPr lang="en-US"/>
+          </a:p>
+        </p:txBody>
+      </p:sp>
+      <p:pic>
+        <p:nvPicPr>
+          <p:cNvPr id="4" name="Picture 3"/>
+          <p:cNvPicPr>
+            <a:picLocks noChangeAspect="1"/>
+          </p:cNvPicPr>
+          <p:nvPr/>
+        </p:nvPicPr>
+        <p:blipFill>
+          <a:blip r:embed="rId2"/>
+          <a:stretch>
+            <a:fillRect/>
+          </a:stretch>
+        </p:blipFill>
+        <p:spPr>
+          <a:xfrm>
+            <a:off x="1322262" y="2164299"/>
+            <a:ext cx="6470768" cy="1544083"/>
+          </a:xfrm>
+          <a:prstGeom prst="rect">
+            <a:avLst/>
+          </a:prstGeom>
+        </p:spPr>
+      </p:pic>
+      <p:sp>
+        <p:nvSpPr>
+          <p:cNvPr id="3" name="Text Placeholder 2"/>
+          <p:cNvSpPr>
+            <a:spLocks noGrp="1"/>
+          </p:cNvSpPr>
+          <p:nvPr>
+            <p:ph type="body" idx="1"/>
+          </p:nvPr>
+        </p:nvSpPr>
+        <p:spPr/>
+        <p:txBody>
+          <a:bodyPr/>
+          <a:lstStyle/>
+          <a:p>
+            <a:endParaRPr lang="en-US" dirty="0"/>
+          </a:p>
+        </p:txBody>
+      </p:sp>
+    </p:spTree>
+    <p:extLst>
+      <p:ext uri="{BB962C8B-B14F-4D97-AF65-F5344CB8AC3E}">
+        <p14:creationId xmlns:p14="http://schemas.microsoft.com/office/powerpoint/2010/main" val="3451446020"/>
+      </p:ext>
+    </p:extLst>
+  </p:cSld>
+  <p:clrMapOvr>
+    <a:masterClrMapping/>
+  </p:clrMapOvr>
+  <p:timing>
+    <p:tnLst>
+      <p:par>
+        <p:cTn id="1" dur="indefinite" restart="never" nodeType="tmRoot"/>
+      </p:par>
+    </p:tnLst>
+  </p:timing>
+</p:sld>
+</file>
+
+<file path=ppt/slides/slide21.xml><?xml version="1.0" encoding="utf-8"?>
+<p:sld xmlns:a="http://schemas.openxmlformats.org/drawingml/2006/main" xmlns:r="http://schemas.openxmlformats.org/officeDocument/2006/relationships" xmlns:p="http://schemas.openxmlformats.org/presentationml/2006/main">
+  <p:cSld>
+    <p:spTree>
+      <p:nvGrpSpPr>
+        <p:cNvPr id="1" name=""/>
+        <p:cNvGrpSpPr/>
+        <p:nvPr/>
+      </p:nvGrpSpPr>
+      <p:grpSpPr>
+        <a:xfrm>
+          <a:off x="0" y="0"/>
+          <a:ext cx="0" cy="0"/>
+          <a:chOff x="0" y="0"/>
+          <a:chExt cx="0" cy="0"/>
+        </a:xfrm>
+      </p:grpSpPr>
+      <p:sp>
+        <p:nvSpPr>
           <p:cNvPr id="2" name="Title 1">
             <a:extLst>
               <a:ext uri="{FF2B5EF4-FFF2-40B4-BE49-F238E27FC236}">
@@ -15780,7 +16120,7 @@
 </p:sld>
 </file>
 
-<file path=ppt/slides/slide21.xml><?xml version="1.0" encoding="utf-8"?>
+<file path=ppt/slides/slide22.xml><?xml version="1.0" encoding="utf-8"?>
 <p:sld xmlns:a="http://schemas.openxmlformats.org/drawingml/2006/main" xmlns:r="http://schemas.openxmlformats.org/officeDocument/2006/relationships" xmlns:p="http://schemas.openxmlformats.org/presentationml/2006/main">
   <p:cSld>
     <p:spTree>
@@ -15916,7 +16256,7 @@
 </p:sld>
 </file>
 
-<file path=ppt/slides/slide22.xml><?xml version="1.0" encoding="utf-8"?>
+<file path=ppt/slides/slide23.xml><?xml version="1.0" encoding="utf-8"?>
 <p:sld xmlns:a="http://schemas.openxmlformats.org/drawingml/2006/main" xmlns:r="http://schemas.openxmlformats.org/officeDocument/2006/relationships" xmlns:p="http://schemas.openxmlformats.org/presentationml/2006/main">
   <p:cSld>
     <p:spTree>
@@ -16018,7 +16358,7 @@
 </p:sld>
 </file>
 
-<file path=ppt/slides/slide23.xml><?xml version="1.0" encoding="utf-8"?>
+<file path=ppt/slides/slide24.xml><?xml version="1.0" encoding="utf-8"?>
 <p:sld xmlns:a="http://schemas.openxmlformats.org/drawingml/2006/main" xmlns:r="http://schemas.openxmlformats.org/officeDocument/2006/relationships" xmlns:p="http://schemas.openxmlformats.org/presentationml/2006/main">
   <p:cSld>
     <p:spTree>
@@ -16235,7 +16575,7 @@
 </p:sld>
 </file>
 
-<file path=ppt/slides/slide24.xml><?xml version="1.0" encoding="utf-8"?>
+<file path=ppt/slides/slide25.xml><?xml version="1.0" encoding="utf-8"?>
 <p:sld xmlns:a="http://schemas.openxmlformats.org/drawingml/2006/main" xmlns:r="http://schemas.openxmlformats.org/officeDocument/2006/relationships" xmlns:p="http://schemas.openxmlformats.org/presentationml/2006/main">
   <p:cSld>
     <p:spTree>
@@ -16380,7 +16720,7 @@
 </p:sld>
 </file>
 
-<file path=ppt/slides/slide25.xml><?xml version="1.0" encoding="utf-8"?>
+<file path=ppt/slides/slide26.xml><?xml version="1.0" encoding="utf-8"?>
 <p:sld xmlns:a="http://schemas.openxmlformats.org/drawingml/2006/main" xmlns:r="http://schemas.openxmlformats.org/officeDocument/2006/relationships" xmlns:p="http://schemas.openxmlformats.org/presentationml/2006/main">
   <p:cSld>
     <p:spTree>
@@ -16926,7 +17266,7 @@
 </p:sld>
 </file>
 
-<file path=ppt/slides/slide26.xml><?xml version="1.0" encoding="utf-8"?>
+<file path=ppt/slides/slide27.xml><?xml version="1.0" encoding="utf-8"?>
 <p:sld xmlns:a="http://schemas.openxmlformats.org/drawingml/2006/main" xmlns:r="http://schemas.openxmlformats.org/officeDocument/2006/relationships" xmlns:p="http://schemas.openxmlformats.org/presentationml/2006/main">
   <p:cSld>
     <p:spTree>
@@ -17027,7 +17367,7 @@
 </p:sld>
 </file>
 
-<file path=ppt/slides/slide27.xml><?xml version="1.0" encoding="utf-8"?>
+<file path=ppt/slides/slide28.xml><?xml version="1.0" encoding="utf-8"?>
 <p:sld xmlns:a="http://schemas.openxmlformats.org/drawingml/2006/main" xmlns:r="http://schemas.openxmlformats.org/officeDocument/2006/relationships" xmlns:p="http://schemas.openxmlformats.org/presentationml/2006/main">
   <p:cSld>
     <p:spTree>
@@ -17507,7 +17847,7 @@
 </p:sld>
 </file>
 
-<file path=ppt/slides/slide28.xml><?xml version="1.0" encoding="utf-8"?>
+<file path=ppt/slides/slide29.xml><?xml version="1.0" encoding="utf-8"?>
 <p:sld xmlns:a="http://schemas.openxmlformats.org/drawingml/2006/main" xmlns:r="http://schemas.openxmlformats.org/officeDocument/2006/relationships" xmlns:p="http://schemas.openxmlformats.org/presentationml/2006/main">
   <p:cSld>
     <p:spTree>
@@ -17625,568 +17965,6 @@
         <p14:creationId xmlns:p14="http://schemas.microsoft.com/office/powerpoint/2010/main" val="1347942695"/>
       </p:ext>
     </p:extLst>
-  </p:cSld>
-  <p:clrMapOvr>
-    <a:masterClrMapping/>
-  </p:clrMapOvr>
-</p:sld>
-</file>
-
-<file path=ppt/slides/slide29.xml><?xml version="1.0" encoding="utf-8"?>
-<p:sld xmlns:a="http://schemas.openxmlformats.org/drawingml/2006/main" xmlns:r="http://schemas.openxmlformats.org/officeDocument/2006/relationships" xmlns:p="http://schemas.openxmlformats.org/presentationml/2006/main">
-  <p:cSld>
-    <p:spTree>
-      <p:nvGrpSpPr>
-        <p:cNvPr id="1" name="Shape 177"/>
-        <p:cNvGrpSpPr/>
-        <p:nvPr/>
-      </p:nvGrpSpPr>
-      <p:grpSpPr>
-        <a:xfrm>
-          <a:off x="0" y="0"/>
-          <a:ext cx="0" cy="0"/>
-          <a:chOff x="0" y="0"/>
-          <a:chExt cx="0" cy="0"/>
-        </a:xfrm>
-      </p:grpSpPr>
-      <p:sp>
-        <p:nvSpPr>
-          <p:cNvPr id="178" name="Google Shape;178;p33"/>
-          <p:cNvSpPr txBox="1">
-            <a:spLocks noGrp="1"/>
-          </p:cNvSpPr>
-          <p:nvPr>
-            <p:ph type="title"/>
-          </p:nvPr>
-        </p:nvSpPr>
-        <p:spPr>
-          <a:xfrm>
-            <a:off x="311700" y="445025"/>
-            <a:ext cx="8520600" cy="572700"/>
-          </a:xfrm>
-          <a:prstGeom prst="rect">
-            <a:avLst/>
-          </a:prstGeom>
-          <a:noFill/>
-          <a:ln>
-            <a:noFill/>
-          </a:ln>
-        </p:spPr>
-        <p:txBody>
-          <a:bodyPr spcFirstLastPara="1" wrap="square" lIns="91425" tIns="91425" rIns="91425" bIns="91425" anchor="t" anchorCtr="0">
-            <a:noAutofit/>
-          </a:bodyPr>
-          <a:lstStyle/>
-          <a:p>
-            <a:pPr marL="0" marR="0" lvl="0" indent="0" algn="l" rtl="0">
-              <a:lnSpc>
-                <a:spcPct val="100000"/>
-              </a:lnSpc>
-              <a:spcBef>
-                <a:spcPts val="0"/>
-              </a:spcBef>
-              <a:spcAft>
-                <a:spcPts val="0"/>
-              </a:spcAft>
-              <a:buClr>
-                <a:schemeClr val="dk2"/>
-              </a:buClr>
-              <a:buSzPts val="2800"/>
-              <a:buFont typeface="Maven Pro"/>
-              <a:buNone/>
-            </a:pPr>
-            <a:r>
-              <a:rPr lang="en" sz="2800" b="1" i="0" u="none" strike="noStrike" cap="none">
-                <a:solidFill>
-                  <a:schemeClr val="dk2"/>
-                </a:solidFill>
-                <a:latin typeface="Maven Pro"/>
-                <a:ea typeface="Maven Pro"/>
-                <a:cs typeface="Maven Pro"/>
-                <a:sym typeface="Maven Pro"/>
-              </a:rPr>
-              <a:t>Text Tables</a:t>
-            </a:r>
-            <a:endParaRPr sz="2800" b="1" i="0" u="none" strike="noStrike" cap="none">
-              <a:solidFill>
-                <a:schemeClr val="dk2"/>
-              </a:solidFill>
-              <a:latin typeface="Maven Pro"/>
-              <a:ea typeface="Maven Pro"/>
-              <a:cs typeface="Maven Pro"/>
-              <a:sym typeface="Maven Pro"/>
-            </a:endParaRPr>
-          </a:p>
-        </p:txBody>
-      </p:sp>
-      <p:sp>
-        <p:nvSpPr>
-          <p:cNvPr id="179" name="Google Shape;179;p33"/>
-          <p:cNvSpPr txBox="1">
-            <a:spLocks noGrp="1"/>
-          </p:cNvSpPr>
-          <p:nvPr>
-            <p:ph type="body" idx="1"/>
-          </p:nvPr>
-        </p:nvSpPr>
-        <p:spPr>
-          <a:xfrm>
-            <a:off x="576425" y="1597875"/>
-            <a:ext cx="8126100" cy="3234000"/>
-          </a:xfrm>
-          <a:prstGeom prst="rect">
-            <a:avLst/>
-          </a:prstGeom>
-          <a:noFill/>
-          <a:ln>
-            <a:noFill/>
-          </a:ln>
-        </p:spPr>
-        <p:txBody>
-          <a:bodyPr spcFirstLastPara="1" wrap="square" lIns="91425" tIns="91425" rIns="91425" bIns="91425" anchor="t" anchorCtr="0">
-            <a:noAutofit/>
-          </a:bodyPr>
-          <a:lstStyle/>
-          <a:p>
-            <a:pPr marL="457200" marR="0" lvl="0" indent="-368300" algn="l" rtl="0">
-              <a:lnSpc>
-                <a:spcPct val="115000"/>
-              </a:lnSpc>
-              <a:spcBef>
-                <a:spcPts val="0"/>
-              </a:spcBef>
-              <a:spcAft>
-                <a:spcPts val="0"/>
-              </a:spcAft>
-              <a:buClr>
-                <a:schemeClr val="dk2"/>
-              </a:buClr>
-              <a:buSzPts val="2200"/>
-              <a:buFont typeface="Nunito"/>
-              <a:buChar char="●"/>
-            </a:pPr>
-            <a:r>
-              <a:rPr lang="en" sz="2200" b="0" i="0" u="none" strike="noStrike" cap="none" dirty="0">
-                <a:solidFill>
-                  <a:schemeClr val="dk2"/>
-                </a:solidFill>
-                <a:latin typeface="Nunito"/>
-                <a:ea typeface="Nunito"/>
-                <a:cs typeface="Nunito"/>
-                <a:sym typeface="Nunito"/>
-              </a:rPr>
-              <a:t>Text tables aren’t the most interesting way to visualize data but they have their time and place.</a:t>
-            </a:r>
-            <a:endParaRPr sz="2200" b="0" i="0" u="none" strike="noStrike" cap="none" dirty="0">
-              <a:solidFill>
-                <a:schemeClr val="dk2"/>
-              </a:solidFill>
-              <a:latin typeface="Nunito"/>
-              <a:ea typeface="Nunito"/>
-              <a:cs typeface="Nunito"/>
-              <a:sym typeface="Nunito"/>
-            </a:endParaRPr>
-          </a:p>
-          <a:p>
-            <a:pPr marL="457200" marR="0" lvl="0" indent="-368300" algn="l" rtl="0">
-              <a:lnSpc>
-                <a:spcPct val="115000"/>
-              </a:lnSpc>
-              <a:spcBef>
-                <a:spcPts val="0"/>
-              </a:spcBef>
-              <a:spcAft>
-                <a:spcPts val="0"/>
-              </a:spcAft>
-              <a:buClr>
-                <a:schemeClr val="dk2"/>
-              </a:buClr>
-              <a:buSzPts val="2200"/>
-              <a:buFont typeface="Nunito"/>
-              <a:buChar char="●"/>
-            </a:pPr>
-            <a:r>
-              <a:rPr lang="en" sz="2200" dirty="0">
-                <a:highlight>
-                  <a:srgbClr val="FFFF00"/>
-                </a:highlight>
-                <a:latin typeface="Nunito"/>
-                <a:ea typeface="Nunito"/>
-                <a:cs typeface="Nunito"/>
-                <a:sym typeface="Nunito"/>
-              </a:rPr>
-              <a:t>[Action]</a:t>
-            </a:r>
-            <a:r>
-              <a:rPr lang="en" sz="2200" dirty="0">
-                <a:latin typeface="Nunito"/>
-                <a:ea typeface="Nunito"/>
-                <a:cs typeface="Nunito"/>
-                <a:sym typeface="Nunito"/>
-              </a:rPr>
-              <a:t> </a:t>
-            </a:r>
-            <a:r>
-              <a:rPr lang="en" sz="2200" b="0" i="0" u="none" strike="noStrike" cap="none" dirty="0">
-                <a:solidFill>
-                  <a:schemeClr val="dk2"/>
-                </a:solidFill>
-                <a:latin typeface="Nunito"/>
-                <a:ea typeface="Nunito"/>
-                <a:cs typeface="Nunito"/>
-                <a:sym typeface="Nunito"/>
-              </a:rPr>
-              <a:t>Add </a:t>
-            </a:r>
-            <a:r>
-              <a:rPr lang="en" sz="2200" i="1" dirty="0" err="1">
-                <a:highlight>
-                  <a:srgbClr val="D9D9D9"/>
-                </a:highlight>
-                <a:latin typeface="Nunito"/>
-                <a:ea typeface="Nunito"/>
-                <a:cs typeface="Nunito"/>
-                <a:sym typeface="Nunito"/>
-              </a:rPr>
-              <a:t>P</a:t>
-            </a:r>
-            <a:r>
-              <a:rPr lang="en" sz="2200" b="0" i="1" u="none" strike="noStrike" cap="none" dirty="0" err="1">
-                <a:solidFill>
-                  <a:schemeClr val="dk2"/>
-                </a:solidFill>
-                <a:highlight>
-                  <a:srgbClr val="D9D9D9"/>
-                </a:highlight>
-                <a:latin typeface="Nunito"/>
-                <a:ea typeface="Nunito"/>
-                <a:cs typeface="Nunito"/>
-                <a:sym typeface="Nunito"/>
-              </a:rPr>
-              <a:t>class</a:t>
-            </a:r>
-            <a:r>
-              <a:rPr lang="en" sz="2200" b="0" i="0" u="none" strike="noStrike" cap="none" dirty="0">
-                <a:solidFill>
-                  <a:schemeClr val="dk2"/>
-                </a:solidFill>
-                <a:latin typeface="Nunito"/>
-                <a:ea typeface="Nunito"/>
-                <a:cs typeface="Nunito"/>
-                <a:sym typeface="Nunito"/>
-              </a:rPr>
-              <a:t> and </a:t>
-            </a:r>
-            <a:r>
-              <a:rPr lang="en" sz="2200" i="1" dirty="0">
-                <a:highlight>
-                  <a:srgbClr val="CCCCCC"/>
-                </a:highlight>
-                <a:latin typeface="Nunito"/>
-                <a:ea typeface="Nunito"/>
-                <a:cs typeface="Nunito"/>
-                <a:sym typeface="Nunito"/>
-              </a:rPr>
-              <a:t>S</a:t>
-            </a:r>
-            <a:r>
-              <a:rPr lang="en" sz="2200" b="0" i="1" u="none" strike="noStrike" cap="none" dirty="0">
-                <a:solidFill>
-                  <a:schemeClr val="dk2"/>
-                </a:solidFill>
-                <a:highlight>
-                  <a:srgbClr val="CCCCCC"/>
-                </a:highlight>
-                <a:latin typeface="Nunito"/>
-                <a:ea typeface="Nunito"/>
-                <a:cs typeface="Nunito"/>
-                <a:sym typeface="Nunito"/>
-              </a:rPr>
-              <a:t>urvived</a:t>
-            </a:r>
-            <a:r>
-              <a:rPr lang="en" sz="2200" b="0" i="0" u="none" strike="noStrike" cap="none" dirty="0">
-                <a:solidFill>
-                  <a:schemeClr val="dk2"/>
-                </a:solidFill>
-                <a:latin typeface="Nunito"/>
-                <a:ea typeface="Nunito"/>
-                <a:cs typeface="Nunito"/>
-                <a:sym typeface="Nunito"/>
-              </a:rPr>
-              <a:t> into </a:t>
-            </a:r>
-            <a:r>
-              <a:rPr lang="en" sz="2200" dirty="0">
-                <a:latin typeface="Nunito"/>
-                <a:ea typeface="Nunito"/>
-                <a:cs typeface="Nunito"/>
-                <a:sym typeface="Nunito"/>
-              </a:rPr>
-              <a:t>R</a:t>
-            </a:r>
-            <a:r>
-              <a:rPr lang="en" sz="2200" b="0" i="0" u="none" strike="noStrike" cap="none" dirty="0">
-                <a:solidFill>
-                  <a:schemeClr val="dk2"/>
-                </a:solidFill>
-                <a:latin typeface="Nunito"/>
-                <a:ea typeface="Nunito"/>
-                <a:cs typeface="Nunito"/>
-                <a:sym typeface="Nunito"/>
-              </a:rPr>
-              <a:t>ows and </a:t>
-            </a:r>
-            <a:r>
-              <a:rPr lang="en" sz="2200" dirty="0">
-                <a:latin typeface="Nunito"/>
-                <a:ea typeface="Nunito"/>
-                <a:cs typeface="Nunito"/>
-                <a:sym typeface="Nunito"/>
-              </a:rPr>
-              <a:t>C</a:t>
-            </a:r>
-            <a:r>
-              <a:rPr lang="en" sz="2200" b="0" i="0" u="none" strike="noStrike" cap="none" dirty="0">
-                <a:solidFill>
-                  <a:schemeClr val="dk2"/>
-                </a:solidFill>
-                <a:latin typeface="Nunito"/>
-                <a:ea typeface="Nunito"/>
-                <a:cs typeface="Nunito"/>
-                <a:sym typeface="Nunito"/>
-              </a:rPr>
-              <a:t>olumns</a:t>
-            </a:r>
-            <a:endParaRPr sz="2200" b="0" i="0" u="none" strike="noStrike" cap="none" dirty="0">
-              <a:solidFill>
-                <a:schemeClr val="dk2"/>
-              </a:solidFill>
-              <a:latin typeface="Nunito"/>
-              <a:ea typeface="Nunito"/>
-              <a:cs typeface="Nunito"/>
-              <a:sym typeface="Nunito"/>
-            </a:endParaRPr>
-          </a:p>
-          <a:p>
-            <a:pPr marL="457200" marR="0" lvl="0" indent="-368300" algn="l" rtl="0">
-              <a:lnSpc>
-                <a:spcPct val="115000"/>
-              </a:lnSpc>
-              <a:spcBef>
-                <a:spcPts val="0"/>
-              </a:spcBef>
-              <a:spcAft>
-                <a:spcPts val="0"/>
-              </a:spcAft>
-              <a:buClr>
-                <a:schemeClr val="dk2"/>
-              </a:buClr>
-              <a:buSzPts val="2200"/>
-              <a:buFont typeface="Nunito"/>
-              <a:buChar char="●"/>
-            </a:pPr>
-            <a:r>
-              <a:rPr lang="en" sz="2200" dirty="0">
-                <a:highlight>
-                  <a:srgbClr val="FFFF00"/>
-                </a:highlight>
-                <a:latin typeface="Nunito"/>
-                <a:ea typeface="Nunito"/>
-                <a:cs typeface="Nunito"/>
-                <a:sym typeface="Nunito"/>
-              </a:rPr>
-              <a:t>[Action]</a:t>
-            </a:r>
-            <a:r>
-              <a:rPr lang="en" sz="2200" dirty="0">
-                <a:latin typeface="Nunito"/>
-                <a:ea typeface="Nunito"/>
-                <a:cs typeface="Nunito"/>
-                <a:sym typeface="Nunito"/>
-              </a:rPr>
-              <a:t> </a:t>
-            </a:r>
-            <a:r>
-              <a:rPr lang="en" sz="2200" b="0" i="0" u="none" strike="noStrike" cap="none" dirty="0">
-                <a:solidFill>
-                  <a:schemeClr val="dk2"/>
-                </a:solidFill>
-                <a:latin typeface="Nunito"/>
-                <a:ea typeface="Nunito"/>
-                <a:cs typeface="Nunito"/>
-                <a:sym typeface="Nunito"/>
-              </a:rPr>
-              <a:t>Then add </a:t>
-            </a:r>
-            <a:r>
-              <a:rPr lang="en" sz="2200" b="0" i="1" u="none" strike="noStrike" cap="none" dirty="0">
-                <a:solidFill>
-                  <a:schemeClr val="dk2"/>
-                </a:solidFill>
-                <a:highlight>
-                  <a:srgbClr val="D9D9D9"/>
-                </a:highlight>
-                <a:latin typeface="Nunito"/>
-                <a:ea typeface="Nunito"/>
-                <a:cs typeface="Nunito"/>
-                <a:sym typeface="Nunito"/>
-              </a:rPr>
-              <a:t>Number of Records</a:t>
-            </a:r>
-            <a:r>
-              <a:rPr lang="en" sz="2200" b="0" i="0" u="none" strike="noStrike" cap="none" dirty="0">
-                <a:solidFill>
-                  <a:schemeClr val="dk2"/>
-                </a:solidFill>
-                <a:latin typeface="Nunito"/>
-                <a:ea typeface="Nunito"/>
-                <a:cs typeface="Nunito"/>
-                <a:sym typeface="Nunito"/>
-              </a:rPr>
-              <a:t> into the </a:t>
-            </a:r>
-            <a:r>
-              <a:rPr lang="en" sz="2200" b="1" i="0" u="none" strike="noStrike" cap="none" dirty="0">
-                <a:solidFill>
-                  <a:schemeClr val="dk2"/>
-                </a:solidFill>
-                <a:latin typeface="Nunito"/>
-                <a:ea typeface="Nunito"/>
-                <a:cs typeface="Nunito"/>
-                <a:sym typeface="Nunito"/>
-              </a:rPr>
-              <a:t>Text</a:t>
-            </a:r>
-            <a:r>
-              <a:rPr lang="en" sz="2200" b="0" i="0" u="none" strike="noStrike" cap="none" dirty="0">
-                <a:solidFill>
-                  <a:schemeClr val="dk2"/>
-                </a:solidFill>
-                <a:latin typeface="Nunito"/>
-                <a:ea typeface="Nunito"/>
-                <a:cs typeface="Nunito"/>
-                <a:sym typeface="Nunito"/>
-              </a:rPr>
-              <a:t> box in the </a:t>
-            </a:r>
-            <a:r>
-              <a:rPr lang="en" sz="2200" b="1" i="0" u="none" strike="noStrike" cap="none" dirty="0">
-                <a:solidFill>
-                  <a:schemeClr val="dk2"/>
-                </a:solidFill>
-                <a:latin typeface="Nunito"/>
-                <a:ea typeface="Nunito"/>
-                <a:cs typeface="Nunito"/>
-                <a:sym typeface="Nunito"/>
-              </a:rPr>
-              <a:t>Marks</a:t>
-            </a:r>
-            <a:r>
-              <a:rPr lang="en" sz="2200" b="0" i="0" u="none" strike="noStrike" cap="none" dirty="0">
-                <a:solidFill>
-                  <a:schemeClr val="dk2"/>
-                </a:solidFill>
-                <a:latin typeface="Nunito"/>
-                <a:ea typeface="Nunito"/>
-                <a:cs typeface="Nunito"/>
-                <a:sym typeface="Nunito"/>
-              </a:rPr>
-              <a:t> area.</a:t>
-            </a:r>
-            <a:endParaRPr sz="2200" b="0" i="0" u="none" strike="noStrike" cap="none" dirty="0">
-              <a:solidFill>
-                <a:schemeClr val="dk2"/>
-              </a:solidFill>
-              <a:latin typeface="Nunito"/>
-              <a:ea typeface="Nunito"/>
-              <a:cs typeface="Nunito"/>
-              <a:sym typeface="Nunito"/>
-            </a:endParaRPr>
-          </a:p>
-          <a:p>
-            <a:pPr marL="914400" marR="0" lvl="1" indent="-368300" algn="l" rtl="0">
-              <a:lnSpc>
-                <a:spcPct val="115000"/>
-              </a:lnSpc>
-              <a:spcBef>
-                <a:spcPts val="0"/>
-              </a:spcBef>
-              <a:spcAft>
-                <a:spcPts val="0"/>
-              </a:spcAft>
-              <a:buClr>
-                <a:schemeClr val="dk2"/>
-              </a:buClr>
-              <a:buSzPts val="2200"/>
-              <a:buFont typeface="Nunito"/>
-              <a:buChar char="○"/>
-            </a:pPr>
-            <a:r>
-              <a:rPr lang="en" sz="2200" b="0" i="0" u="none" strike="noStrike" cap="none" dirty="0">
-                <a:solidFill>
-                  <a:schemeClr val="dk2"/>
-                </a:solidFill>
-                <a:latin typeface="Nunito"/>
-                <a:ea typeface="Nunito"/>
-                <a:cs typeface="Nunito"/>
-                <a:sym typeface="Nunito"/>
-              </a:rPr>
-              <a:t>I’ll explain in more detail about what the Marks area is for later.</a:t>
-            </a:r>
-            <a:endParaRPr sz="2200" b="0" i="0" u="none" strike="noStrike" cap="none" dirty="0">
-              <a:solidFill>
-                <a:schemeClr val="dk2"/>
-              </a:solidFill>
-              <a:latin typeface="Nunito"/>
-              <a:ea typeface="Nunito"/>
-              <a:cs typeface="Nunito"/>
-              <a:sym typeface="Nunito"/>
-            </a:endParaRPr>
-          </a:p>
-          <a:p>
-            <a:pPr marL="457200" marR="0" lvl="0" indent="-368300" algn="l" rtl="0">
-              <a:lnSpc>
-                <a:spcPct val="115000"/>
-              </a:lnSpc>
-              <a:spcBef>
-                <a:spcPts val="0"/>
-              </a:spcBef>
-              <a:spcAft>
-                <a:spcPts val="0"/>
-              </a:spcAft>
-              <a:buClr>
-                <a:schemeClr val="dk2"/>
-              </a:buClr>
-              <a:buSzPts val="2200"/>
-              <a:buFont typeface="Nunito"/>
-              <a:buChar char="●"/>
-            </a:pPr>
-            <a:r>
-              <a:rPr lang="en" sz="2200" b="0" i="0" u="none" strike="noStrike" cap="none" dirty="0">
-                <a:solidFill>
-                  <a:schemeClr val="dk2"/>
-                </a:solidFill>
-                <a:latin typeface="Nunito"/>
-                <a:ea typeface="Nunito"/>
-                <a:cs typeface="Nunito"/>
-                <a:sym typeface="Nunito"/>
-              </a:rPr>
-              <a:t>In what class were most of the passengers that died?</a:t>
-            </a:r>
-            <a:endParaRPr sz="2200" b="0" i="0" u="none" strike="noStrike" cap="none" dirty="0">
-              <a:solidFill>
-                <a:schemeClr val="dk2"/>
-              </a:solidFill>
-              <a:latin typeface="Nunito"/>
-              <a:ea typeface="Nunito"/>
-              <a:cs typeface="Nunito"/>
-              <a:sym typeface="Nunito"/>
-            </a:endParaRPr>
-          </a:p>
-        </p:txBody>
-      </p:sp>
-    </p:spTree>
   </p:cSld>
   <p:clrMapOvr>
     <a:masterClrMapping/>
@@ -18656,6 +18434,568 @@
   <p:cSld>
     <p:spTree>
       <p:nvGrpSpPr>
+        <p:cNvPr id="1" name="Shape 177"/>
+        <p:cNvGrpSpPr/>
+        <p:nvPr/>
+      </p:nvGrpSpPr>
+      <p:grpSpPr>
+        <a:xfrm>
+          <a:off x="0" y="0"/>
+          <a:ext cx="0" cy="0"/>
+          <a:chOff x="0" y="0"/>
+          <a:chExt cx="0" cy="0"/>
+        </a:xfrm>
+      </p:grpSpPr>
+      <p:sp>
+        <p:nvSpPr>
+          <p:cNvPr id="178" name="Google Shape;178;p33"/>
+          <p:cNvSpPr txBox="1">
+            <a:spLocks noGrp="1"/>
+          </p:cNvSpPr>
+          <p:nvPr>
+            <p:ph type="title"/>
+          </p:nvPr>
+        </p:nvSpPr>
+        <p:spPr>
+          <a:xfrm>
+            <a:off x="311700" y="445025"/>
+            <a:ext cx="8520600" cy="572700"/>
+          </a:xfrm>
+          <a:prstGeom prst="rect">
+            <a:avLst/>
+          </a:prstGeom>
+          <a:noFill/>
+          <a:ln>
+            <a:noFill/>
+          </a:ln>
+        </p:spPr>
+        <p:txBody>
+          <a:bodyPr spcFirstLastPara="1" wrap="square" lIns="91425" tIns="91425" rIns="91425" bIns="91425" anchor="t" anchorCtr="0">
+            <a:noAutofit/>
+          </a:bodyPr>
+          <a:lstStyle/>
+          <a:p>
+            <a:pPr marL="0" marR="0" lvl="0" indent="0" algn="l" rtl="0">
+              <a:lnSpc>
+                <a:spcPct val="100000"/>
+              </a:lnSpc>
+              <a:spcBef>
+                <a:spcPts val="0"/>
+              </a:spcBef>
+              <a:spcAft>
+                <a:spcPts val="0"/>
+              </a:spcAft>
+              <a:buClr>
+                <a:schemeClr val="dk2"/>
+              </a:buClr>
+              <a:buSzPts val="2800"/>
+              <a:buFont typeface="Maven Pro"/>
+              <a:buNone/>
+            </a:pPr>
+            <a:r>
+              <a:rPr lang="en" sz="2800" b="1" i="0" u="none" strike="noStrike" cap="none">
+                <a:solidFill>
+                  <a:schemeClr val="dk2"/>
+                </a:solidFill>
+                <a:latin typeface="Maven Pro"/>
+                <a:ea typeface="Maven Pro"/>
+                <a:cs typeface="Maven Pro"/>
+                <a:sym typeface="Maven Pro"/>
+              </a:rPr>
+              <a:t>Text Tables</a:t>
+            </a:r>
+            <a:endParaRPr sz="2800" b="1" i="0" u="none" strike="noStrike" cap="none">
+              <a:solidFill>
+                <a:schemeClr val="dk2"/>
+              </a:solidFill>
+              <a:latin typeface="Maven Pro"/>
+              <a:ea typeface="Maven Pro"/>
+              <a:cs typeface="Maven Pro"/>
+              <a:sym typeface="Maven Pro"/>
+            </a:endParaRPr>
+          </a:p>
+        </p:txBody>
+      </p:sp>
+      <p:sp>
+        <p:nvSpPr>
+          <p:cNvPr id="179" name="Google Shape;179;p33"/>
+          <p:cNvSpPr txBox="1">
+            <a:spLocks noGrp="1"/>
+          </p:cNvSpPr>
+          <p:nvPr>
+            <p:ph type="body" idx="1"/>
+          </p:nvPr>
+        </p:nvSpPr>
+        <p:spPr>
+          <a:xfrm>
+            <a:off x="576425" y="1597875"/>
+            <a:ext cx="8126100" cy="3234000"/>
+          </a:xfrm>
+          <a:prstGeom prst="rect">
+            <a:avLst/>
+          </a:prstGeom>
+          <a:noFill/>
+          <a:ln>
+            <a:noFill/>
+          </a:ln>
+        </p:spPr>
+        <p:txBody>
+          <a:bodyPr spcFirstLastPara="1" wrap="square" lIns="91425" tIns="91425" rIns="91425" bIns="91425" anchor="t" anchorCtr="0">
+            <a:noAutofit/>
+          </a:bodyPr>
+          <a:lstStyle/>
+          <a:p>
+            <a:pPr marL="457200" marR="0" lvl="0" indent="-368300" algn="l" rtl="0">
+              <a:lnSpc>
+                <a:spcPct val="115000"/>
+              </a:lnSpc>
+              <a:spcBef>
+                <a:spcPts val="0"/>
+              </a:spcBef>
+              <a:spcAft>
+                <a:spcPts val="0"/>
+              </a:spcAft>
+              <a:buClr>
+                <a:schemeClr val="dk2"/>
+              </a:buClr>
+              <a:buSzPts val="2200"/>
+              <a:buFont typeface="Nunito"/>
+              <a:buChar char="●"/>
+            </a:pPr>
+            <a:r>
+              <a:rPr lang="en" sz="2200" b="0" i="0" u="none" strike="noStrike" cap="none" dirty="0">
+                <a:solidFill>
+                  <a:schemeClr val="dk2"/>
+                </a:solidFill>
+                <a:latin typeface="Nunito"/>
+                <a:ea typeface="Nunito"/>
+                <a:cs typeface="Nunito"/>
+                <a:sym typeface="Nunito"/>
+              </a:rPr>
+              <a:t>Text tables aren’t the most interesting way to visualize data but they have their time and place.</a:t>
+            </a:r>
+            <a:endParaRPr sz="2200" b="0" i="0" u="none" strike="noStrike" cap="none" dirty="0">
+              <a:solidFill>
+                <a:schemeClr val="dk2"/>
+              </a:solidFill>
+              <a:latin typeface="Nunito"/>
+              <a:ea typeface="Nunito"/>
+              <a:cs typeface="Nunito"/>
+              <a:sym typeface="Nunito"/>
+            </a:endParaRPr>
+          </a:p>
+          <a:p>
+            <a:pPr marL="457200" marR="0" lvl="0" indent="-368300" algn="l" rtl="0">
+              <a:lnSpc>
+                <a:spcPct val="115000"/>
+              </a:lnSpc>
+              <a:spcBef>
+                <a:spcPts val="0"/>
+              </a:spcBef>
+              <a:spcAft>
+                <a:spcPts val="0"/>
+              </a:spcAft>
+              <a:buClr>
+                <a:schemeClr val="dk2"/>
+              </a:buClr>
+              <a:buSzPts val="2200"/>
+              <a:buFont typeface="Nunito"/>
+              <a:buChar char="●"/>
+            </a:pPr>
+            <a:r>
+              <a:rPr lang="en" sz="2200" dirty="0">
+                <a:highlight>
+                  <a:srgbClr val="FFFF00"/>
+                </a:highlight>
+                <a:latin typeface="Nunito"/>
+                <a:ea typeface="Nunito"/>
+                <a:cs typeface="Nunito"/>
+                <a:sym typeface="Nunito"/>
+              </a:rPr>
+              <a:t>[Action]</a:t>
+            </a:r>
+            <a:r>
+              <a:rPr lang="en" sz="2200" dirty="0">
+                <a:latin typeface="Nunito"/>
+                <a:ea typeface="Nunito"/>
+                <a:cs typeface="Nunito"/>
+                <a:sym typeface="Nunito"/>
+              </a:rPr>
+              <a:t> </a:t>
+            </a:r>
+            <a:r>
+              <a:rPr lang="en" sz="2200" b="0" i="0" u="none" strike="noStrike" cap="none" dirty="0">
+                <a:solidFill>
+                  <a:schemeClr val="dk2"/>
+                </a:solidFill>
+                <a:latin typeface="Nunito"/>
+                <a:ea typeface="Nunito"/>
+                <a:cs typeface="Nunito"/>
+                <a:sym typeface="Nunito"/>
+              </a:rPr>
+              <a:t>Add </a:t>
+            </a:r>
+            <a:r>
+              <a:rPr lang="en" sz="2200" i="1" dirty="0" err="1">
+                <a:highlight>
+                  <a:srgbClr val="D9D9D9"/>
+                </a:highlight>
+                <a:latin typeface="Nunito"/>
+                <a:ea typeface="Nunito"/>
+                <a:cs typeface="Nunito"/>
+                <a:sym typeface="Nunito"/>
+              </a:rPr>
+              <a:t>P</a:t>
+            </a:r>
+            <a:r>
+              <a:rPr lang="en" sz="2200" b="0" i="1" u="none" strike="noStrike" cap="none" dirty="0" err="1">
+                <a:solidFill>
+                  <a:schemeClr val="dk2"/>
+                </a:solidFill>
+                <a:highlight>
+                  <a:srgbClr val="D9D9D9"/>
+                </a:highlight>
+                <a:latin typeface="Nunito"/>
+                <a:ea typeface="Nunito"/>
+                <a:cs typeface="Nunito"/>
+                <a:sym typeface="Nunito"/>
+              </a:rPr>
+              <a:t>class</a:t>
+            </a:r>
+            <a:r>
+              <a:rPr lang="en" sz="2200" b="0" i="0" u="none" strike="noStrike" cap="none" dirty="0">
+                <a:solidFill>
+                  <a:schemeClr val="dk2"/>
+                </a:solidFill>
+                <a:latin typeface="Nunito"/>
+                <a:ea typeface="Nunito"/>
+                <a:cs typeface="Nunito"/>
+                <a:sym typeface="Nunito"/>
+              </a:rPr>
+              <a:t> and </a:t>
+            </a:r>
+            <a:r>
+              <a:rPr lang="en" sz="2200" i="1" dirty="0">
+                <a:highlight>
+                  <a:srgbClr val="CCCCCC"/>
+                </a:highlight>
+                <a:latin typeface="Nunito"/>
+                <a:ea typeface="Nunito"/>
+                <a:cs typeface="Nunito"/>
+                <a:sym typeface="Nunito"/>
+              </a:rPr>
+              <a:t>S</a:t>
+            </a:r>
+            <a:r>
+              <a:rPr lang="en" sz="2200" b="0" i="1" u="none" strike="noStrike" cap="none" dirty="0">
+                <a:solidFill>
+                  <a:schemeClr val="dk2"/>
+                </a:solidFill>
+                <a:highlight>
+                  <a:srgbClr val="CCCCCC"/>
+                </a:highlight>
+                <a:latin typeface="Nunito"/>
+                <a:ea typeface="Nunito"/>
+                <a:cs typeface="Nunito"/>
+                <a:sym typeface="Nunito"/>
+              </a:rPr>
+              <a:t>urvived</a:t>
+            </a:r>
+            <a:r>
+              <a:rPr lang="en" sz="2200" b="0" i="0" u="none" strike="noStrike" cap="none" dirty="0">
+                <a:solidFill>
+                  <a:schemeClr val="dk2"/>
+                </a:solidFill>
+                <a:latin typeface="Nunito"/>
+                <a:ea typeface="Nunito"/>
+                <a:cs typeface="Nunito"/>
+                <a:sym typeface="Nunito"/>
+              </a:rPr>
+              <a:t> into </a:t>
+            </a:r>
+            <a:r>
+              <a:rPr lang="en" sz="2200" dirty="0">
+                <a:latin typeface="Nunito"/>
+                <a:ea typeface="Nunito"/>
+                <a:cs typeface="Nunito"/>
+                <a:sym typeface="Nunito"/>
+              </a:rPr>
+              <a:t>R</a:t>
+            </a:r>
+            <a:r>
+              <a:rPr lang="en" sz="2200" b="0" i="0" u="none" strike="noStrike" cap="none" dirty="0">
+                <a:solidFill>
+                  <a:schemeClr val="dk2"/>
+                </a:solidFill>
+                <a:latin typeface="Nunito"/>
+                <a:ea typeface="Nunito"/>
+                <a:cs typeface="Nunito"/>
+                <a:sym typeface="Nunito"/>
+              </a:rPr>
+              <a:t>ows and </a:t>
+            </a:r>
+            <a:r>
+              <a:rPr lang="en" sz="2200" dirty="0">
+                <a:latin typeface="Nunito"/>
+                <a:ea typeface="Nunito"/>
+                <a:cs typeface="Nunito"/>
+                <a:sym typeface="Nunito"/>
+              </a:rPr>
+              <a:t>C</a:t>
+            </a:r>
+            <a:r>
+              <a:rPr lang="en" sz="2200" b="0" i="0" u="none" strike="noStrike" cap="none" dirty="0">
+                <a:solidFill>
+                  <a:schemeClr val="dk2"/>
+                </a:solidFill>
+                <a:latin typeface="Nunito"/>
+                <a:ea typeface="Nunito"/>
+                <a:cs typeface="Nunito"/>
+                <a:sym typeface="Nunito"/>
+              </a:rPr>
+              <a:t>olumns</a:t>
+            </a:r>
+            <a:endParaRPr sz="2200" b="0" i="0" u="none" strike="noStrike" cap="none" dirty="0">
+              <a:solidFill>
+                <a:schemeClr val="dk2"/>
+              </a:solidFill>
+              <a:latin typeface="Nunito"/>
+              <a:ea typeface="Nunito"/>
+              <a:cs typeface="Nunito"/>
+              <a:sym typeface="Nunito"/>
+            </a:endParaRPr>
+          </a:p>
+          <a:p>
+            <a:pPr marL="457200" marR="0" lvl="0" indent="-368300" algn="l" rtl="0">
+              <a:lnSpc>
+                <a:spcPct val="115000"/>
+              </a:lnSpc>
+              <a:spcBef>
+                <a:spcPts val="0"/>
+              </a:spcBef>
+              <a:spcAft>
+                <a:spcPts val="0"/>
+              </a:spcAft>
+              <a:buClr>
+                <a:schemeClr val="dk2"/>
+              </a:buClr>
+              <a:buSzPts val="2200"/>
+              <a:buFont typeface="Nunito"/>
+              <a:buChar char="●"/>
+            </a:pPr>
+            <a:r>
+              <a:rPr lang="en" sz="2200" dirty="0">
+                <a:highlight>
+                  <a:srgbClr val="FFFF00"/>
+                </a:highlight>
+                <a:latin typeface="Nunito"/>
+                <a:ea typeface="Nunito"/>
+                <a:cs typeface="Nunito"/>
+                <a:sym typeface="Nunito"/>
+              </a:rPr>
+              <a:t>[Action]</a:t>
+            </a:r>
+            <a:r>
+              <a:rPr lang="en" sz="2200" dirty="0">
+                <a:latin typeface="Nunito"/>
+                <a:ea typeface="Nunito"/>
+                <a:cs typeface="Nunito"/>
+                <a:sym typeface="Nunito"/>
+              </a:rPr>
+              <a:t> </a:t>
+            </a:r>
+            <a:r>
+              <a:rPr lang="en" sz="2200" b="0" i="0" u="none" strike="noStrike" cap="none" dirty="0">
+                <a:solidFill>
+                  <a:schemeClr val="dk2"/>
+                </a:solidFill>
+                <a:latin typeface="Nunito"/>
+                <a:ea typeface="Nunito"/>
+                <a:cs typeface="Nunito"/>
+                <a:sym typeface="Nunito"/>
+              </a:rPr>
+              <a:t>Then add </a:t>
+            </a:r>
+            <a:r>
+              <a:rPr lang="en" sz="2200" b="0" i="1" u="none" strike="noStrike" cap="none" dirty="0">
+                <a:solidFill>
+                  <a:schemeClr val="dk2"/>
+                </a:solidFill>
+                <a:highlight>
+                  <a:srgbClr val="D9D9D9"/>
+                </a:highlight>
+                <a:latin typeface="Nunito"/>
+                <a:ea typeface="Nunito"/>
+                <a:cs typeface="Nunito"/>
+                <a:sym typeface="Nunito"/>
+              </a:rPr>
+              <a:t>Number of Records</a:t>
+            </a:r>
+            <a:r>
+              <a:rPr lang="en" sz="2200" b="0" i="0" u="none" strike="noStrike" cap="none" dirty="0">
+                <a:solidFill>
+                  <a:schemeClr val="dk2"/>
+                </a:solidFill>
+                <a:latin typeface="Nunito"/>
+                <a:ea typeface="Nunito"/>
+                <a:cs typeface="Nunito"/>
+                <a:sym typeface="Nunito"/>
+              </a:rPr>
+              <a:t> into the </a:t>
+            </a:r>
+            <a:r>
+              <a:rPr lang="en" sz="2200" b="1" i="0" u="none" strike="noStrike" cap="none" dirty="0">
+                <a:solidFill>
+                  <a:schemeClr val="dk2"/>
+                </a:solidFill>
+                <a:latin typeface="Nunito"/>
+                <a:ea typeface="Nunito"/>
+                <a:cs typeface="Nunito"/>
+                <a:sym typeface="Nunito"/>
+              </a:rPr>
+              <a:t>Text</a:t>
+            </a:r>
+            <a:r>
+              <a:rPr lang="en" sz="2200" b="0" i="0" u="none" strike="noStrike" cap="none" dirty="0">
+                <a:solidFill>
+                  <a:schemeClr val="dk2"/>
+                </a:solidFill>
+                <a:latin typeface="Nunito"/>
+                <a:ea typeface="Nunito"/>
+                <a:cs typeface="Nunito"/>
+                <a:sym typeface="Nunito"/>
+              </a:rPr>
+              <a:t> box in the </a:t>
+            </a:r>
+            <a:r>
+              <a:rPr lang="en" sz="2200" b="1" i="0" u="none" strike="noStrike" cap="none" dirty="0">
+                <a:solidFill>
+                  <a:schemeClr val="dk2"/>
+                </a:solidFill>
+                <a:latin typeface="Nunito"/>
+                <a:ea typeface="Nunito"/>
+                <a:cs typeface="Nunito"/>
+                <a:sym typeface="Nunito"/>
+              </a:rPr>
+              <a:t>Marks</a:t>
+            </a:r>
+            <a:r>
+              <a:rPr lang="en" sz="2200" b="0" i="0" u="none" strike="noStrike" cap="none" dirty="0">
+                <a:solidFill>
+                  <a:schemeClr val="dk2"/>
+                </a:solidFill>
+                <a:latin typeface="Nunito"/>
+                <a:ea typeface="Nunito"/>
+                <a:cs typeface="Nunito"/>
+                <a:sym typeface="Nunito"/>
+              </a:rPr>
+              <a:t> area.</a:t>
+            </a:r>
+            <a:endParaRPr sz="2200" b="0" i="0" u="none" strike="noStrike" cap="none" dirty="0">
+              <a:solidFill>
+                <a:schemeClr val="dk2"/>
+              </a:solidFill>
+              <a:latin typeface="Nunito"/>
+              <a:ea typeface="Nunito"/>
+              <a:cs typeface="Nunito"/>
+              <a:sym typeface="Nunito"/>
+            </a:endParaRPr>
+          </a:p>
+          <a:p>
+            <a:pPr marL="914400" marR="0" lvl="1" indent="-368300" algn="l" rtl="0">
+              <a:lnSpc>
+                <a:spcPct val="115000"/>
+              </a:lnSpc>
+              <a:spcBef>
+                <a:spcPts val="0"/>
+              </a:spcBef>
+              <a:spcAft>
+                <a:spcPts val="0"/>
+              </a:spcAft>
+              <a:buClr>
+                <a:schemeClr val="dk2"/>
+              </a:buClr>
+              <a:buSzPts val="2200"/>
+              <a:buFont typeface="Nunito"/>
+              <a:buChar char="○"/>
+            </a:pPr>
+            <a:r>
+              <a:rPr lang="en" sz="2200" b="0" i="0" u="none" strike="noStrike" cap="none" dirty="0">
+                <a:solidFill>
+                  <a:schemeClr val="dk2"/>
+                </a:solidFill>
+                <a:latin typeface="Nunito"/>
+                <a:ea typeface="Nunito"/>
+                <a:cs typeface="Nunito"/>
+                <a:sym typeface="Nunito"/>
+              </a:rPr>
+              <a:t>I’ll explain in more detail about what the Marks area is for later.</a:t>
+            </a:r>
+            <a:endParaRPr sz="2200" b="0" i="0" u="none" strike="noStrike" cap="none" dirty="0">
+              <a:solidFill>
+                <a:schemeClr val="dk2"/>
+              </a:solidFill>
+              <a:latin typeface="Nunito"/>
+              <a:ea typeface="Nunito"/>
+              <a:cs typeface="Nunito"/>
+              <a:sym typeface="Nunito"/>
+            </a:endParaRPr>
+          </a:p>
+          <a:p>
+            <a:pPr marL="457200" marR="0" lvl="0" indent="-368300" algn="l" rtl="0">
+              <a:lnSpc>
+                <a:spcPct val="115000"/>
+              </a:lnSpc>
+              <a:spcBef>
+                <a:spcPts val="0"/>
+              </a:spcBef>
+              <a:spcAft>
+                <a:spcPts val="0"/>
+              </a:spcAft>
+              <a:buClr>
+                <a:schemeClr val="dk2"/>
+              </a:buClr>
+              <a:buSzPts val="2200"/>
+              <a:buFont typeface="Nunito"/>
+              <a:buChar char="●"/>
+            </a:pPr>
+            <a:r>
+              <a:rPr lang="en" sz="2200" b="0" i="0" u="none" strike="noStrike" cap="none" dirty="0">
+                <a:solidFill>
+                  <a:schemeClr val="dk2"/>
+                </a:solidFill>
+                <a:latin typeface="Nunito"/>
+                <a:ea typeface="Nunito"/>
+                <a:cs typeface="Nunito"/>
+                <a:sym typeface="Nunito"/>
+              </a:rPr>
+              <a:t>In what class were most of the passengers that died?</a:t>
+            </a:r>
+            <a:endParaRPr sz="2200" b="0" i="0" u="none" strike="noStrike" cap="none" dirty="0">
+              <a:solidFill>
+                <a:schemeClr val="dk2"/>
+              </a:solidFill>
+              <a:latin typeface="Nunito"/>
+              <a:ea typeface="Nunito"/>
+              <a:cs typeface="Nunito"/>
+              <a:sym typeface="Nunito"/>
+            </a:endParaRPr>
+          </a:p>
+        </p:txBody>
+      </p:sp>
+    </p:spTree>
+  </p:cSld>
+  <p:clrMapOvr>
+    <a:masterClrMapping/>
+  </p:clrMapOvr>
+</p:sld>
+</file>
+
+<file path=ppt/slides/slide31.xml><?xml version="1.0" encoding="utf-8"?>
+<p:sld xmlns:a="http://schemas.openxmlformats.org/drawingml/2006/main" xmlns:r="http://schemas.openxmlformats.org/officeDocument/2006/relationships" xmlns:p="http://schemas.openxmlformats.org/presentationml/2006/main">
+  <p:cSld>
+    <p:spTree>
+      <p:nvGrpSpPr>
         <p:cNvPr id="1" name=""/>
         <p:cNvGrpSpPr/>
         <p:nvPr/>
@@ -18786,7 +19126,7 @@
 </p:sld>
 </file>
 
-<file path=ppt/slides/slide31.xml><?xml version="1.0" encoding="utf-8"?>
+<file path=ppt/slides/slide32.xml><?xml version="1.0" encoding="utf-8"?>
 <p:sld xmlns:a="http://schemas.openxmlformats.org/drawingml/2006/main" xmlns:r="http://schemas.openxmlformats.org/officeDocument/2006/relationships" xmlns:p="http://schemas.openxmlformats.org/presentationml/2006/main">
   <p:cSld>
     <p:spTree>
@@ -19360,7 +19700,7 @@
 </p:sld>
 </file>
 
-<file path=ppt/slides/slide32.xml><?xml version="1.0" encoding="utf-8"?>
+<file path=ppt/slides/slide33.xml><?xml version="1.0" encoding="utf-8"?>
 <p:sld xmlns:a="http://schemas.openxmlformats.org/drawingml/2006/main" xmlns:r="http://schemas.openxmlformats.org/officeDocument/2006/relationships" xmlns:p="http://schemas.openxmlformats.org/presentationml/2006/main">
   <p:cSld>
     <p:spTree>
@@ -19455,7 +19795,7 @@
 </p:sld>
 </file>
 
-<file path=ppt/slides/slide33.xml><?xml version="1.0" encoding="utf-8"?>
+<file path=ppt/slides/slide34.xml><?xml version="1.0" encoding="utf-8"?>
 <p:sld xmlns:a="http://schemas.openxmlformats.org/drawingml/2006/main" xmlns:r="http://schemas.openxmlformats.org/officeDocument/2006/relationships" xmlns:p="http://schemas.openxmlformats.org/presentationml/2006/main">
   <p:cSld>
     <p:spTree>
@@ -20106,7 +20446,7 @@
 </p:sld>
 </file>
 
-<file path=ppt/slides/slide34.xml><?xml version="1.0" encoding="utf-8"?>
+<file path=ppt/slides/slide35.xml><?xml version="1.0" encoding="utf-8"?>
 <p:sld xmlns:a="http://schemas.openxmlformats.org/drawingml/2006/main" xmlns:r="http://schemas.openxmlformats.org/officeDocument/2006/relationships" xmlns:p="http://schemas.openxmlformats.org/presentationml/2006/main">
   <p:cSld>
     <p:spTree>
@@ -20431,7 +20771,7 @@
 </p:sld>
 </file>
 
-<file path=ppt/slides/slide35.xml><?xml version="1.0" encoding="utf-8"?>
+<file path=ppt/slides/slide36.xml><?xml version="1.0" encoding="utf-8"?>
 <p:sld xmlns:a="http://schemas.openxmlformats.org/drawingml/2006/main" xmlns:r="http://schemas.openxmlformats.org/officeDocument/2006/relationships" xmlns:p="http://schemas.openxmlformats.org/presentationml/2006/main">
   <p:cSld>
     <p:spTree>
@@ -21253,7 +21593,7 @@
 </p:sld>
 </file>
 
-<file path=ppt/slides/slide36.xml><?xml version="1.0" encoding="utf-8"?>
+<file path=ppt/slides/slide37.xml><?xml version="1.0" encoding="utf-8"?>
 <p:sld xmlns:a="http://schemas.openxmlformats.org/drawingml/2006/main" xmlns:r="http://schemas.openxmlformats.org/officeDocument/2006/relationships" xmlns:p="http://schemas.openxmlformats.org/presentationml/2006/main">
   <p:cSld>
     <p:spTree>
@@ -21348,7 +21688,7 @@
 </p:sld>
 </file>
 
-<file path=ppt/slides/slide37.xml><?xml version="1.0" encoding="utf-8"?>
+<file path=ppt/slides/slide38.xml><?xml version="1.0" encoding="utf-8"?>
 <p:sld xmlns:a="http://schemas.openxmlformats.org/drawingml/2006/main" xmlns:r="http://schemas.openxmlformats.org/officeDocument/2006/relationships" xmlns:p="http://schemas.openxmlformats.org/presentationml/2006/main">
   <p:cSld>
     <p:spTree>
@@ -21844,7 +22184,7 @@
 </p:sld>
 </file>
 
-<file path=ppt/slides/slide38.xml><?xml version="1.0" encoding="utf-8"?>
+<file path=ppt/slides/slide39.xml><?xml version="1.0" encoding="utf-8"?>
 <p:sld xmlns:a="http://schemas.openxmlformats.org/drawingml/2006/main" xmlns:r="http://schemas.openxmlformats.org/officeDocument/2006/relationships" xmlns:p="http://schemas.openxmlformats.org/presentationml/2006/main">
   <p:cSld>
     <p:spTree>
@@ -22441,1130 +22781,6 @@
             <a:endParaRPr sz="1600" b="0" i="0" u="none" strike="noStrike" cap="none" dirty="0">
               <a:solidFill>
                 <a:schemeClr val="dk2"/>
-              </a:solidFill>
-              <a:latin typeface="Nunito"/>
-              <a:ea typeface="Nunito"/>
-              <a:cs typeface="Nunito"/>
-              <a:sym typeface="Nunito"/>
-            </a:endParaRPr>
-          </a:p>
-        </p:txBody>
-      </p:sp>
-    </p:spTree>
-  </p:cSld>
-  <p:clrMapOvr>
-    <a:masterClrMapping/>
-  </p:clrMapOvr>
-</p:sld>
-</file>
-
-<file path=ppt/slides/slide39.xml><?xml version="1.0" encoding="utf-8"?>
-<p:sld xmlns:a="http://schemas.openxmlformats.org/drawingml/2006/main" xmlns:r="http://schemas.openxmlformats.org/officeDocument/2006/relationships" xmlns:p="http://schemas.openxmlformats.org/presentationml/2006/main">
-  <p:cSld>
-    <p:spTree>
-      <p:nvGrpSpPr>
-        <p:cNvPr id="1" name="Shape 229"/>
-        <p:cNvGrpSpPr/>
-        <p:nvPr/>
-      </p:nvGrpSpPr>
-      <p:grpSpPr>
-        <a:xfrm>
-          <a:off x="0" y="0"/>
-          <a:ext cx="0" cy="0"/>
-          <a:chOff x="0" y="0"/>
-          <a:chExt cx="0" cy="0"/>
-        </a:xfrm>
-      </p:grpSpPr>
-      <p:sp>
-        <p:nvSpPr>
-          <p:cNvPr id="230" name="Google Shape;230;p42"/>
-          <p:cNvSpPr txBox="1">
-            <a:spLocks noGrp="1"/>
-          </p:cNvSpPr>
-          <p:nvPr>
-            <p:ph type="title"/>
-          </p:nvPr>
-        </p:nvSpPr>
-        <p:spPr>
-          <a:xfrm>
-            <a:off x="311700" y="445025"/>
-            <a:ext cx="8520600" cy="572700"/>
-          </a:xfrm>
-          <a:prstGeom prst="rect">
-            <a:avLst/>
-          </a:prstGeom>
-          <a:noFill/>
-          <a:ln>
-            <a:noFill/>
-          </a:ln>
-        </p:spPr>
-        <p:txBody>
-          <a:bodyPr spcFirstLastPara="1" wrap="square" lIns="91425" tIns="91425" rIns="91425" bIns="91425" anchor="t" anchorCtr="0">
-            <a:noAutofit/>
-          </a:bodyPr>
-          <a:lstStyle/>
-          <a:p>
-            <a:pPr marL="0" marR="0" lvl="0" indent="0" algn="l" rtl="0">
-              <a:lnSpc>
-                <a:spcPct val="100000"/>
-              </a:lnSpc>
-              <a:spcBef>
-                <a:spcPts val="0"/>
-              </a:spcBef>
-              <a:spcAft>
-                <a:spcPts val="0"/>
-              </a:spcAft>
-              <a:buClr>
-                <a:schemeClr val="dk2"/>
-              </a:buClr>
-              <a:buSzPts val="2800"/>
-              <a:buFont typeface="Maven Pro"/>
-              <a:buNone/>
-            </a:pPr>
-            <a:r>
-              <a:rPr lang="en" sz="2800" b="1" i="0" u="none" strike="noStrike" cap="none">
-                <a:solidFill>
-                  <a:schemeClr val="dk2"/>
-                </a:solidFill>
-                <a:latin typeface="Maven Pro"/>
-                <a:ea typeface="Maven Pro"/>
-                <a:cs typeface="Maven Pro"/>
-                <a:sym typeface="Maven Pro"/>
-              </a:rPr>
-              <a:t>Calculations (continued)</a:t>
-            </a:r>
-            <a:endParaRPr sz="2800" b="1" i="0" u="none" strike="noStrike" cap="none">
-              <a:solidFill>
-                <a:schemeClr val="dk2"/>
-              </a:solidFill>
-              <a:latin typeface="Maven Pro"/>
-              <a:ea typeface="Maven Pro"/>
-              <a:cs typeface="Maven Pro"/>
-              <a:sym typeface="Maven Pro"/>
-            </a:endParaRPr>
-          </a:p>
-        </p:txBody>
-      </p:sp>
-      <p:sp>
-        <p:nvSpPr>
-          <p:cNvPr id="231" name="Google Shape;231;p42"/>
-          <p:cNvSpPr txBox="1">
-            <a:spLocks noGrp="1"/>
-          </p:cNvSpPr>
-          <p:nvPr>
-            <p:ph type="body" idx="1"/>
-          </p:nvPr>
-        </p:nvSpPr>
-        <p:spPr>
-          <a:xfrm>
-            <a:off x="398700" y="1143250"/>
-            <a:ext cx="8346600" cy="3789000"/>
-          </a:xfrm>
-          <a:prstGeom prst="rect">
-            <a:avLst/>
-          </a:prstGeom>
-          <a:noFill/>
-          <a:ln>
-            <a:noFill/>
-          </a:ln>
-        </p:spPr>
-        <p:txBody>
-          <a:bodyPr spcFirstLastPara="1" wrap="square" lIns="91425" tIns="91425" rIns="91425" bIns="91425" anchor="t" anchorCtr="0">
-            <a:noAutofit/>
-          </a:bodyPr>
-          <a:lstStyle/>
-          <a:p>
-            <a:pPr marL="457200" marR="0" lvl="0" indent="-330200" algn="l" rtl="0">
-              <a:lnSpc>
-                <a:spcPct val="115000"/>
-              </a:lnSpc>
-              <a:spcBef>
-                <a:spcPts val="0"/>
-              </a:spcBef>
-              <a:spcAft>
-                <a:spcPts val="0"/>
-              </a:spcAft>
-              <a:buClr>
-                <a:srgbClr val="000000"/>
-              </a:buClr>
-              <a:buSzPts val="1600"/>
-              <a:buFont typeface="Nunito"/>
-              <a:buChar char="●"/>
-            </a:pPr>
-            <a:r>
-              <a:rPr lang="en" sz="1600" dirty="0">
-                <a:solidFill>
-                  <a:srgbClr val="000000"/>
-                </a:solidFill>
-                <a:highlight>
-                  <a:srgbClr val="FFFF00"/>
-                </a:highlight>
-                <a:latin typeface="Nunito"/>
-                <a:ea typeface="Nunito"/>
-                <a:cs typeface="Nunito"/>
-                <a:sym typeface="Nunito"/>
-              </a:rPr>
-              <a:t>[Action]</a:t>
-            </a:r>
-            <a:r>
-              <a:rPr lang="en" sz="1600" dirty="0">
-                <a:solidFill>
-                  <a:srgbClr val="000000"/>
-                </a:solidFill>
-                <a:latin typeface="Nunito"/>
-                <a:ea typeface="Nunito"/>
-                <a:cs typeface="Nunito"/>
-                <a:sym typeface="Nunito"/>
-              </a:rPr>
-              <a:t> </a:t>
-            </a:r>
-            <a:r>
-              <a:rPr lang="en" sz="1600" b="0" i="0" u="none" strike="noStrike" cap="none" dirty="0">
-                <a:solidFill>
-                  <a:srgbClr val="000000"/>
-                </a:solidFill>
-                <a:latin typeface="Nunito"/>
-                <a:ea typeface="Nunito"/>
-                <a:cs typeface="Nunito"/>
-                <a:sym typeface="Nunito"/>
-              </a:rPr>
-              <a:t>Add a new sheet</a:t>
-            </a:r>
-            <a:endParaRPr sz="1600" b="0" i="0" u="none" strike="noStrike" cap="none" dirty="0">
-              <a:solidFill>
-                <a:srgbClr val="000000"/>
-              </a:solidFill>
-              <a:latin typeface="Nunito"/>
-              <a:ea typeface="Nunito"/>
-              <a:cs typeface="Nunito"/>
-              <a:sym typeface="Nunito"/>
-            </a:endParaRPr>
-          </a:p>
-          <a:p>
-            <a:pPr marL="914400" marR="0" lvl="1" indent="-330200" algn="l" rtl="0">
-              <a:lnSpc>
-                <a:spcPct val="115000"/>
-              </a:lnSpc>
-              <a:spcBef>
-                <a:spcPts val="0"/>
-              </a:spcBef>
-              <a:spcAft>
-                <a:spcPts val="0"/>
-              </a:spcAft>
-              <a:buClr>
-                <a:srgbClr val="000000"/>
-              </a:buClr>
-              <a:buSzPts val="1600"/>
-              <a:buFont typeface="Nunito"/>
-              <a:buChar char="○"/>
-            </a:pPr>
-            <a:r>
-              <a:rPr lang="en" sz="1600" dirty="0">
-                <a:solidFill>
-                  <a:srgbClr val="000000"/>
-                </a:solidFill>
-                <a:highlight>
-                  <a:srgbClr val="FFFF00"/>
-                </a:highlight>
-                <a:latin typeface="Nunito"/>
-                <a:ea typeface="Nunito"/>
-                <a:cs typeface="Nunito"/>
-                <a:sym typeface="Nunito"/>
-              </a:rPr>
-              <a:t>[Action]</a:t>
-            </a:r>
-            <a:r>
-              <a:rPr lang="en" sz="1600" dirty="0">
-                <a:solidFill>
-                  <a:srgbClr val="000000"/>
-                </a:solidFill>
-                <a:latin typeface="Nunito"/>
-                <a:ea typeface="Nunito"/>
-                <a:cs typeface="Nunito"/>
-                <a:sym typeface="Nunito"/>
-              </a:rPr>
-              <a:t> </a:t>
-            </a:r>
-            <a:r>
-              <a:rPr lang="en" sz="1600" b="0" i="0" u="none" strike="noStrike" cap="none" dirty="0">
-                <a:solidFill>
-                  <a:srgbClr val="000000"/>
-                </a:solidFill>
-                <a:latin typeface="Nunito"/>
-                <a:ea typeface="Nunito"/>
-                <a:cs typeface="Nunito"/>
-                <a:sym typeface="Nunito"/>
-              </a:rPr>
-              <a:t>Add </a:t>
-            </a:r>
-            <a:r>
-              <a:rPr lang="en" sz="1600" b="0" i="1" u="none" strike="noStrike" cap="none" dirty="0">
-                <a:solidFill>
-                  <a:srgbClr val="000000"/>
-                </a:solidFill>
-                <a:latin typeface="Nunito"/>
-                <a:ea typeface="Nunito"/>
-                <a:cs typeface="Nunito"/>
-                <a:sym typeface="Nunito"/>
-              </a:rPr>
-              <a:t>Ticket Class</a:t>
-            </a:r>
-            <a:r>
-              <a:rPr lang="en" sz="1600" b="0" i="0" u="none" strike="noStrike" cap="none" dirty="0">
-                <a:solidFill>
-                  <a:srgbClr val="000000"/>
-                </a:solidFill>
-                <a:latin typeface="Nunito"/>
-                <a:ea typeface="Nunito"/>
-                <a:cs typeface="Nunito"/>
-                <a:sym typeface="Nunito"/>
-              </a:rPr>
-              <a:t> and </a:t>
-            </a:r>
-            <a:r>
-              <a:rPr lang="en" sz="1600" b="0" i="1" u="none" strike="noStrike" cap="none" dirty="0">
-                <a:solidFill>
-                  <a:srgbClr val="000000"/>
-                </a:solidFill>
-                <a:latin typeface="Nunito"/>
-                <a:ea typeface="Nunito"/>
-                <a:cs typeface="Nunito"/>
-                <a:sym typeface="Nunito"/>
-              </a:rPr>
-              <a:t>Age</a:t>
-            </a:r>
-            <a:r>
-              <a:rPr lang="en" sz="1600" b="0" i="0" u="none" strike="noStrike" cap="none" dirty="0">
-                <a:solidFill>
-                  <a:srgbClr val="000000"/>
-                </a:solidFill>
-                <a:latin typeface="Nunito"/>
-                <a:ea typeface="Nunito"/>
-                <a:cs typeface="Nunito"/>
-                <a:sym typeface="Nunito"/>
-              </a:rPr>
-              <a:t> to </a:t>
-            </a:r>
-            <a:r>
-              <a:rPr lang="en" sz="1600" dirty="0">
-                <a:solidFill>
-                  <a:srgbClr val="000000"/>
-                </a:solidFill>
-                <a:latin typeface="Nunito"/>
-                <a:ea typeface="Nunito"/>
-                <a:cs typeface="Nunito"/>
-                <a:sym typeface="Nunito"/>
-              </a:rPr>
-              <a:t>C</a:t>
-            </a:r>
-            <a:r>
-              <a:rPr lang="en" sz="1600" b="0" i="0" u="none" strike="noStrike" cap="none" dirty="0">
-                <a:solidFill>
-                  <a:srgbClr val="000000"/>
-                </a:solidFill>
-                <a:latin typeface="Nunito"/>
-                <a:ea typeface="Nunito"/>
-                <a:cs typeface="Nunito"/>
-                <a:sym typeface="Nunito"/>
-              </a:rPr>
-              <a:t>olumns and </a:t>
-            </a:r>
-            <a:r>
-              <a:rPr lang="en" sz="1600" dirty="0">
-                <a:solidFill>
-                  <a:srgbClr val="000000"/>
-                </a:solidFill>
-                <a:latin typeface="Nunito"/>
-                <a:ea typeface="Nunito"/>
-                <a:cs typeface="Nunito"/>
-                <a:sym typeface="Nunito"/>
-              </a:rPr>
-              <a:t>R</a:t>
-            </a:r>
-            <a:r>
-              <a:rPr lang="en" sz="1600" b="0" i="0" u="none" strike="noStrike" cap="none" dirty="0">
-                <a:solidFill>
-                  <a:srgbClr val="000000"/>
-                </a:solidFill>
-                <a:latin typeface="Nunito"/>
-                <a:ea typeface="Nunito"/>
-                <a:cs typeface="Nunito"/>
-                <a:sym typeface="Nunito"/>
-              </a:rPr>
-              <a:t>ows self</a:t>
-            </a:r>
-            <a:endParaRPr sz="1600" b="0" i="0" u="none" strike="noStrike" cap="none" dirty="0">
-              <a:solidFill>
-                <a:srgbClr val="000000"/>
-              </a:solidFill>
-              <a:latin typeface="Nunito"/>
-              <a:ea typeface="Nunito"/>
-              <a:cs typeface="Nunito"/>
-              <a:sym typeface="Nunito"/>
-            </a:endParaRPr>
-          </a:p>
-          <a:p>
-            <a:pPr marL="914400" marR="0" lvl="1" indent="-330200" algn="l" rtl="0">
-              <a:lnSpc>
-                <a:spcPct val="115000"/>
-              </a:lnSpc>
-              <a:spcBef>
-                <a:spcPts val="0"/>
-              </a:spcBef>
-              <a:spcAft>
-                <a:spcPts val="0"/>
-              </a:spcAft>
-              <a:buClr>
-                <a:srgbClr val="000000"/>
-              </a:buClr>
-              <a:buSzPts val="1600"/>
-              <a:buFont typeface="Nunito"/>
-              <a:buChar char="○"/>
-            </a:pPr>
-            <a:r>
-              <a:rPr lang="en" sz="1600" b="0" i="0" u="none" strike="noStrike" cap="none" dirty="0">
-                <a:solidFill>
-                  <a:srgbClr val="000000"/>
-                </a:solidFill>
-                <a:latin typeface="Nunito"/>
-                <a:ea typeface="Nunito"/>
-                <a:cs typeface="Nunito"/>
-                <a:sym typeface="Nunito"/>
-              </a:rPr>
-              <a:t>This chart doesn’t tell us much with the sum of all the ages so we will change it to average</a:t>
-            </a:r>
-            <a:endParaRPr sz="1600" b="0" i="0" u="none" strike="noStrike" cap="none" dirty="0">
-              <a:solidFill>
-                <a:srgbClr val="000000"/>
-              </a:solidFill>
-              <a:latin typeface="Nunito"/>
-              <a:ea typeface="Nunito"/>
-              <a:cs typeface="Nunito"/>
-              <a:sym typeface="Nunito"/>
-            </a:endParaRPr>
-          </a:p>
-          <a:p>
-            <a:pPr marL="914400" marR="0" lvl="1" indent="-330200" algn="l" rtl="0">
-              <a:lnSpc>
-                <a:spcPct val="115000"/>
-              </a:lnSpc>
-              <a:spcBef>
-                <a:spcPts val="0"/>
-              </a:spcBef>
-              <a:spcAft>
-                <a:spcPts val="0"/>
-              </a:spcAft>
-              <a:buClr>
-                <a:srgbClr val="000000"/>
-              </a:buClr>
-              <a:buSzPts val="1600"/>
-              <a:buFont typeface="Arial"/>
-              <a:buChar char="○"/>
-            </a:pPr>
-            <a:r>
-              <a:rPr lang="en" sz="1600" dirty="0">
-                <a:solidFill>
-                  <a:srgbClr val="000000"/>
-                </a:solidFill>
-                <a:highlight>
-                  <a:srgbClr val="FFFF00"/>
-                </a:highlight>
-                <a:latin typeface="Nunito"/>
-                <a:ea typeface="Nunito"/>
-                <a:cs typeface="Nunito"/>
-                <a:sym typeface="Nunito"/>
-              </a:rPr>
-              <a:t>[Action]</a:t>
-            </a:r>
-            <a:r>
-              <a:rPr lang="en" sz="1600" b="1" dirty="0">
-                <a:solidFill>
-                  <a:srgbClr val="000000"/>
-                </a:solidFill>
-                <a:latin typeface="Nunito"/>
-                <a:ea typeface="Nunito"/>
-                <a:cs typeface="Nunito"/>
-                <a:sym typeface="Nunito"/>
-              </a:rPr>
-              <a:t> </a:t>
-            </a:r>
-            <a:r>
-              <a:rPr lang="en" sz="1600" b="1" i="0" u="none" strike="noStrike" cap="none" dirty="0">
-                <a:solidFill>
-                  <a:srgbClr val="000000"/>
-                </a:solidFill>
-                <a:latin typeface="Nunito"/>
-                <a:ea typeface="Nunito"/>
-                <a:cs typeface="Nunito"/>
-                <a:sym typeface="Nunito"/>
-              </a:rPr>
-              <a:t>Right Click</a:t>
-            </a:r>
-            <a:r>
-              <a:rPr lang="en" sz="1600" b="0" i="0" u="none" strike="noStrike" cap="none" dirty="0">
-                <a:solidFill>
-                  <a:srgbClr val="000000"/>
-                </a:solidFill>
-                <a:latin typeface="Nunito"/>
-                <a:ea typeface="Nunito"/>
-                <a:cs typeface="Nunito"/>
-                <a:sym typeface="Nunito"/>
-              </a:rPr>
-              <a:t> </a:t>
-            </a:r>
-            <a:r>
-              <a:rPr lang="en" sz="1600" i="1" dirty="0">
-                <a:solidFill>
-                  <a:srgbClr val="000000"/>
-                </a:solidFill>
-                <a:highlight>
-                  <a:srgbClr val="D9D9D9"/>
-                </a:highlight>
-                <a:latin typeface="Nunito"/>
-                <a:ea typeface="Nunito"/>
-                <a:cs typeface="Nunito"/>
-                <a:sym typeface="Nunito"/>
-              </a:rPr>
-              <a:t>A</a:t>
-            </a:r>
-            <a:r>
-              <a:rPr lang="en" sz="1600" b="0" i="1" u="none" strike="noStrike" cap="none" dirty="0">
-                <a:solidFill>
-                  <a:srgbClr val="000000"/>
-                </a:solidFill>
-                <a:highlight>
-                  <a:srgbClr val="D9D9D9"/>
-                </a:highlight>
-                <a:latin typeface="Nunito"/>
-                <a:ea typeface="Nunito"/>
-                <a:cs typeface="Nunito"/>
-                <a:sym typeface="Nunito"/>
-              </a:rPr>
-              <a:t>ge</a:t>
-            </a:r>
-            <a:r>
-              <a:rPr lang="en" sz="1600" b="0" i="0" u="none" strike="noStrike" cap="none" dirty="0">
-                <a:solidFill>
-                  <a:srgbClr val="000000"/>
-                </a:solidFill>
-                <a:latin typeface="Nunito"/>
-                <a:ea typeface="Nunito"/>
-                <a:cs typeface="Nunito"/>
-                <a:sym typeface="Nunito"/>
-              </a:rPr>
-              <a:t> &gt; </a:t>
-            </a:r>
-            <a:r>
-              <a:rPr lang="en" sz="1600" b="1" i="0" u="none" strike="noStrike" cap="none" dirty="0">
-                <a:solidFill>
-                  <a:srgbClr val="000000"/>
-                </a:solidFill>
-                <a:latin typeface="Nunito"/>
-                <a:ea typeface="Nunito"/>
-                <a:cs typeface="Nunito"/>
-                <a:sym typeface="Nunito"/>
-              </a:rPr>
-              <a:t>Measure (SUM) &gt; Average</a:t>
-            </a:r>
-            <a:endParaRPr sz="1600" b="1" i="0" u="none" strike="noStrike" cap="none" dirty="0">
-              <a:solidFill>
-                <a:srgbClr val="000000"/>
-              </a:solidFill>
-              <a:latin typeface="Nunito"/>
-              <a:ea typeface="Nunito"/>
-              <a:cs typeface="Nunito"/>
-              <a:sym typeface="Nunito"/>
-            </a:endParaRPr>
-          </a:p>
-          <a:p>
-            <a:pPr marL="457200" marR="0" lvl="0" indent="-330200" algn="l" rtl="0">
-              <a:lnSpc>
-                <a:spcPct val="115000"/>
-              </a:lnSpc>
-              <a:spcBef>
-                <a:spcPts val="0"/>
-              </a:spcBef>
-              <a:spcAft>
-                <a:spcPts val="0"/>
-              </a:spcAft>
-              <a:buClr>
-                <a:srgbClr val="000000"/>
-              </a:buClr>
-              <a:buSzPts val="1600"/>
-              <a:buFont typeface="Nunito"/>
-              <a:buChar char="●"/>
-            </a:pPr>
-            <a:r>
-              <a:rPr lang="en" sz="1600" b="0" i="0" u="none" strike="noStrike" cap="none" dirty="0">
-                <a:solidFill>
-                  <a:srgbClr val="000000"/>
-                </a:solidFill>
-                <a:latin typeface="Nunito"/>
-                <a:ea typeface="Nunito"/>
-                <a:cs typeface="Nunito"/>
-                <a:sym typeface="Nunito"/>
-              </a:rPr>
-              <a:t>Is there a relationship between age and ticket class?</a:t>
-            </a:r>
-            <a:endParaRPr sz="1600" b="0" i="0" u="none" strike="noStrike" cap="none" dirty="0">
-              <a:solidFill>
-                <a:srgbClr val="000000"/>
-              </a:solidFill>
-              <a:latin typeface="Nunito"/>
-              <a:ea typeface="Nunito"/>
-              <a:cs typeface="Nunito"/>
-              <a:sym typeface="Nunito"/>
-            </a:endParaRPr>
-          </a:p>
-          <a:p>
-            <a:pPr marL="457200" marR="0" lvl="0" indent="-330200" algn="l" rtl="0">
-              <a:lnSpc>
-                <a:spcPct val="115000"/>
-              </a:lnSpc>
-              <a:spcBef>
-                <a:spcPts val="0"/>
-              </a:spcBef>
-              <a:spcAft>
-                <a:spcPts val="0"/>
-              </a:spcAft>
-              <a:buClr>
-                <a:srgbClr val="000000"/>
-              </a:buClr>
-              <a:buSzPts val="1600"/>
-              <a:buFont typeface="Nunito"/>
-              <a:buChar char="●"/>
-            </a:pPr>
-            <a:r>
-              <a:rPr lang="en" sz="1600" b="0" i="0" u="none" strike="noStrike" cap="none" dirty="0">
-                <a:solidFill>
-                  <a:srgbClr val="000000"/>
-                </a:solidFill>
-                <a:latin typeface="Nunito"/>
-                <a:ea typeface="Nunito"/>
-                <a:cs typeface="Nunito"/>
-                <a:sym typeface="Nunito"/>
-              </a:rPr>
-              <a:t>Tableau also allows us to create </a:t>
-            </a:r>
-            <a:r>
-              <a:rPr lang="en" sz="1600" b="0" i="0" u="sng" strike="noStrike" cap="none" dirty="0">
-                <a:solidFill>
-                  <a:srgbClr val="000000"/>
-                </a:solidFill>
-                <a:latin typeface="Nunito"/>
-                <a:ea typeface="Nunito"/>
-                <a:cs typeface="Nunito"/>
-                <a:sym typeface="Nunito"/>
-              </a:rPr>
-              <a:t>our own variables</a:t>
-            </a:r>
-            <a:r>
-              <a:rPr lang="en" sz="1600" b="0" i="0" u="none" strike="noStrike" cap="none" dirty="0">
-                <a:solidFill>
-                  <a:srgbClr val="000000"/>
-                </a:solidFill>
-                <a:latin typeface="Nunito"/>
-                <a:ea typeface="Nunito"/>
-                <a:cs typeface="Nunito"/>
-                <a:sym typeface="Nunito"/>
-              </a:rPr>
-              <a:t>.</a:t>
-            </a:r>
-            <a:endParaRPr sz="1600" b="0" i="0" u="none" strike="noStrike" cap="none" dirty="0">
-              <a:solidFill>
-                <a:srgbClr val="000000"/>
-              </a:solidFill>
-              <a:latin typeface="Nunito"/>
-              <a:ea typeface="Nunito"/>
-              <a:cs typeface="Nunito"/>
-              <a:sym typeface="Nunito"/>
-            </a:endParaRPr>
-          </a:p>
-          <a:p>
-            <a:pPr marL="914400" marR="0" lvl="1" indent="-330200" algn="l" rtl="0">
-              <a:lnSpc>
-                <a:spcPct val="115000"/>
-              </a:lnSpc>
-              <a:spcBef>
-                <a:spcPts val="0"/>
-              </a:spcBef>
-              <a:spcAft>
-                <a:spcPts val="0"/>
-              </a:spcAft>
-              <a:buClr>
-                <a:srgbClr val="000000"/>
-              </a:buClr>
-              <a:buSzPts val="1600"/>
-              <a:buFont typeface="Nunito"/>
-              <a:buChar char="○"/>
-            </a:pPr>
-            <a:r>
-              <a:rPr lang="en" sz="1600" b="0" i="0" u="none" strike="noStrike" cap="none" dirty="0">
-                <a:solidFill>
-                  <a:srgbClr val="000000"/>
-                </a:solidFill>
-                <a:latin typeface="Nunito"/>
-                <a:ea typeface="Nunito"/>
-                <a:cs typeface="Nunito"/>
-                <a:sym typeface="Nunito"/>
-              </a:rPr>
-              <a:t>Let’s create a variable to represent the size of a passengers family.</a:t>
-            </a:r>
-            <a:endParaRPr sz="1600" b="0" i="0" u="none" strike="noStrike" cap="none" dirty="0">
-              <a:solidFill>
-                <a:srgbClr val="000000"/>
-              </a:solidFill>
-              <a:latin typeface="Nunito"/>
-              <a:ea typeface="Nunito"/>
-              <a:cs typeface="Nunito"/>
-              <a:sym typeface="Nunito"/>
-            </a:endParaRPr>
-          </a:p>
-          <a:p>
-            <a:pPr marL="914400" marR="0" lvl="1" indent="-330200" algn="l" rtl="0">
-              <a:lnSpc>
-                <a:spcPct val="115000"/>
-              </a:lnSpc>
-              <a:spcBef>
-                <a:spcPts val="0"/>
-              </a:spcBef>
-              <a:spcAft>
-                <a:spcPts val="0"/>
-              </a:spcAft>
-              <a:buClr>
-                <a:srgbClr val="000000"/>
-              </a:buClr>
-              <a:buSzPts val="1600"/>
-              <a:buFont typeface="Nunito"/>
-              <a:buChar char="○"/>
-            </a:pPr>
-            <a:r>
-              <a:rPr lang="en" sz="1600" dirty="0">
-                <a:solidFill>
-                  <a:srgbClr val="000000"/>
-                </a:solidFill>
-                <a:highlight>
-                  <a:srgbClr val="FFFF00"/>
-                </a:highlight>
-                <a:latin typeface="Nunito"/>
-                <a:ea typeface="Nunito"/>
-                <a:cs typeface="Nunito"/>
-                <a:sym typeface="Nunito"/>
-              </a:rPr>
-              <a:t>[Action]</a:t>
-            </a:r>
-            <a:r>
-              <a:rPr lang="en" sz="1600" b="1" dirty="0">
-                <a:solidFill>
-                  <a:srgbClr val="000000"/>
-                </a:solidFill>
-                <a:latin typeface="Nunito"/>
-                <a:ea typeface="Nunito"/>
-                <a:cs typeface="Nunito"/>
-                <a:sym typeface="Nunito"/>
-              </a:rPr>
-              <a:t> </a:t>
-            </a:r>
-            <a:r>
-              <a:rPr lang="en" sz="1600" b="1" i="0" u="none" strike="noStrike" cap="none" dirty="0">
-                <a:solidFill>
-                  <a:srgbClr val="000000"/>
-                </a:solidFill>
-                <a:latin typeface="Nunito"/>
-                <a:ea typeface="Nunito"/>
-                <a:cs typeface="Nunito"/>
-                <a:sym typeface="Nunito"/>
-              </a:rPr>
-              <a:t>Right Click </a:t>
-            </a:r>
-            <a:r>
-              <a:rPr lang="en" sz="1600" b="0" i="0" u="none" strike="noStrike" cap="none" dirty="0">
-                <a:solidFill>
-                  <a:srgbClr val="000000"/>
-                </a:solidFill>
-                <a:latin typeface="Nunito"/>
-                <a:ea typeface="Nunito"/>
-                <a:cs typeface="Nunito"/>
-                <a:sym typeface="Nunito"/>
-              </a:rPr>
-              <a:t>in the Measures area </a:t>
-            </a:r>
-            <a:r>
-              <a:rPr lang="en" sz="1600" b="1" i="0" u="none" strike="noStrike" cap="none" dirty="0">
-                <a:solidFill>
-                  <a:srgbClr val="000000"/>
-                </a:solidFill>
-                <a:latin typeface="Nunito"/>
-                <a:ea typeface="Nunito"/>
-                <a:cs typeface="Nunito"/>
-                <a:sym typeface="Nunito"/>
-              </a:rPr>
-              <a:t>&gt; Create Calculated Field…</a:t>
-            </a:r>
-            <a:endParaRPr sz="1600" b="0" i="0" u="none" strike="noStrike" cap="none" dirty="0">
-              <a:solidFill>
-                <a:srgbClr val="000000"/>
-              </a:solidFill>
-              <a:latin typeface="Nunito"/>
-              <a:ea typeface="Nunito"/>
-              <a:cs typeface="Nunito"/>
-              <a:sym typeface="Nunito"/>
-            </a:endParaRPr>
-          </a:p>
-          <a:p>
-            <a:pPr marL="914400" marR="0" lvl="1" indent="-330200" algn="l" rtl="0">
-              <a:lnSpc>
-                <a:spcPct val="115000"/>
-              </a:lnSpc>
-              <a:spcBef>
-                <a:spcPts val="0"/>
-              </a:spcBef>
-              <a:spcAft>
-                <a:spcPts val="0"/>
-              </a:spcAft>
-              <a:buClr>
-                <a:srgbClr val="000000"/>
-              </a:buClr>
-              <a:buSzPts val="1600"/>
-              <a:buFont typeface="Nunito"/>
-              <a:buChar char="○"/>
-            </a:pPr>
-            <a:r>
-              <a:rPr lang="en" sz="1600" dirty="0">
-                <a:solidFill>
-                  <a:schemeClr val="dk1"/>
-                </a:solidFill>
-                <a:highlight>
-                  <a:srgbClr val="FFFF00"/>
-                </a:highlight>
-                <a:latin typeface="Nunito"/>
-                <a:ea typeface="Nunito"/>
-                <a:cs typeface="Nunito"/>
-                <a:sym typeface="Nunito"/>
-              </a:rPr>
-              <a:t>[Action]</a:t>
-            </a:r>
-            <a:r>
-              <a:rPr lang="en" sz="1600" dirty="0">
-                <a:solidFill>
-                  <a:schemeClr val="dk1"/>
-                </a:solidFill>
-                <a:latin typeface="Nunito"/>
-                <a:ea typeface="Nunito"/>
-                <a:cs typeface="Nunito"/>
-                <a:sym typeface="Nunito"/>
-              </a:rPr>
-              <a:t> </a:t>
-            </a:r>
-            <a:r>
-              <a:rPr lang="en" sz="1600" b="0" i="0" u="none" strike="noStrike" cap="none" dirty="0">
-                <a:solidFill>
-                  <a:srgbClr val="000000"/>
-                </a:solidFill>
-                <a:latin typeface="Nunito"/>
-                <a:ea typeface="Nunito"/>
-                <a:cs typeface="Nunito"/>
-                <a:sym typeface="Nunito"/>
-              </a:rPr>
-              <a:t>Name the field </a:t>
-            </a:r>
-            <a:r>
-              <a:rPr lang="en" sz="1600" b="0" i="1" u="none" strike="noStrike" cap="none" dirty="0">
-                <a:solidFill>
-                  <a:srgbClr val="000000"/>
-                </a:solidFill>
-                <a:latin typeface="Nunito"/>
-                <a:ea typeface="Nunito"/>
-                <a:cs typeface="Nunito"/>
-                <a:sym typeface="Nunito"/>
-              </a:rPr>
-              <a:t>Family Size</a:t>
-            </a:r>
-            <a:endParaRPr sz="1600" b="0" i="0" u="none" strike="noStrike" cap="none" dirty="0">
-              <a:solidFill>
-                <a:srgbClr val="000000"/>
-              </a:solidFill>
-              <a:latin typeface="Nunito"/>
-              <a:ea typeface="Nunito"/>
-              <a:cs typeface="Nunito"/>
-              <a:sym typeface="Nunito"/>
-            </a:endParaRPr>
-          </a:p>
-          <a:p>
-            <a:pPr marL="914400" marR="0" lvl="1" indent="-330200" algn="l" rtl="0">
-              <a:lnSpc>
-                <a:spcPct val="115000"/>
-              </a:lnSpc>
-              <a:spcBef>
-                <a:spcPts val="0"/>
-              </a:spcBef>
-              <a:spcAft>
-                <a:spcPts val="0"/>
-              </a:spcAft>
-              <a:buClr>
-                <a:srgbClr val="000000"/>
-              </a:buClr>
-              <a:buSzPts val="1600"/>
-              <a:buFont typeface="Nunito"/>
-              <a:buChar char="○"/>
-            </a:pPr>
-            <a:r>
-              <a:rPr lang="en" sz="1600" dirty="0">
-                <a:solidFill>
-                  <a:schemeClr val="dk1"/>
-                </a:solidFill>
-                <a:highlight>
-                  <a:srgbClr val="FFFF00"/>
-                </a:highlight>
-                <a:latin typeface="Nunito"/>
-                <a:ea typeface="Nunito"/>
-                <a:cs typeface="Nunito"/>
-                <a:sym typeface="Nunito"/>
-              </a:rPr>
-              <a:t>[Action]</a:t>
-            </a:r>
-            <a:r>
-              <a:rPr lang="en" sz="1600" dirty="0">
-                <a:solidFill>
-                  <a:schemeClr val="dk1"/>
-                </a:solidFill>
-                <a:latin typeface="Nunito"/>
-                <a:ea typeface="Nunito"/>
-                <a:cs typeface="Nunito"/>
-                <a:sym typeface="Nunito"/>
-              </a:rPr>
-              <a:t> </a:t>
-            </a:r>
-            <a:r>
-              <a:rPr lang="en" sz="1600" dirty="0">
-                <a:solidFill>
-                  <a:srgbClr val="000000"/>
-                </a:solidFill>
-                <a:latin typeface="Nunito"/>
-                <a:ea typeface="Nunito"/>
-                <a:cs typeface="Nunito"/>
-                <a:sym typeface="Nunito"/>
-              </a:rPr>
-              <a:t>In the body, type </a:t>
-            </a:r>
-            <a:r>
-              <a:rPr lang="en" sz="1600" b="0" i="0" u="none" strike="noStrike" cap="none" dirty="0">
-                <a:solidFill>
-                  <a:srgbClr val="000000"/>
-                </a:solidFill>
-                <a:latin typeface="Courier New"/>
-                <a:ea typeface="Courier New"/>
-                <a:cs typeface="Courier New"/>
-                <a:sym typeface="Courier New"/>
-              </a:rPr>
-              <a:t>1 + </a:t>
-            </a:r>
-            <a:r>
-              <a:rPr lang="en" sz="1600" b="0" i="0" u="none" strike="noStrike" cap="none" dirty="0">
-                <a:solidFill>
-                  <a:srgbClr val="FF9900"/>
-                </a:solidFill>
-                <a:latin typeface="Courier New"/>
-                <a:ea typeface="Courier New"/>
-                <a:cs typeface="Courier New"/>
-                <a:sym typeface="Courier New"/>
-              </a:rPr>
-              <a:t>[Parch]</a:t>
-            </a:r>
-            <a:r>
-              <a:rPr lang="en" sz="1600" b="0" i="0" u="none" strike="noStrike" cap="none" dirty="0">
-                <a:solidFill>
-                  <a:srgbClr val="000000"/>
-                </a:solidFill>
-                <a:latin typeface="Courier New"/>
-                <a:ea typeface="Courier New"/>
-                <a:cs typeface="Courier New"/>
-                <a:sym typeface="Courier New"/>
-              </a:rPr>
-              <a:t> + </a:t>
-            </a:r>
-            <a:r>
-              <a:rPr lang="en" sz="1600" b="0" i="0" u="none" strike="noStrike" cap="none" dirty="0">
-                <a:solidFill>
-                  <a:srgbClr val="FF9900"/>
-                </a:solidFill>
-                <a:latin typeface="Courier New"/>
-                <a:ea typeface="Courier New"/>
-                <a:cs typeface="Courier New"/>
-                <a:sym typeface="Courier New"/>
-              </a:rPr>
-              <a:t>[Sib </a:t>
-            </a:r>
-            <a:r>
-              <a:rPr lang="en" sz="1600" b="0" i="0" u="none" strike="noStrike" cap="none" dirty="0" err="1">
-                <a:solidFill>
-                  <a:srgbClr val="FF9900"/>
-                </a:solidFill>
-                <a:latin typeface="Courier New"/>
-                <a:ea typeface="Courier New"/>
-                <a:cs typeface="Courier New"/>
-                <a:sym typeface="Courier New"/>
-              </a:rPr>
-              <a:t>Sp</a:t>
-            </a:r>
-            <a:r>
-              <a:rPr lang="en" sz="1600" b="0" i="0" u="none" strike="noStrike" cap="none" dirty="0">
-                <a:solidFill>
-                  <a:srgbClr val="FF9900"/>
-                </a:solidFill>
-                <a:latin typeface="Courier New"/>
-                <a:ea typeface="Courier New"/>
-                <a:cs typeface="Courier New"/>
-                <a:sym typeface="Courier New"/>
-              </a:rPr>
-              <a:t>] </a:t>
-            </a:r>
-            <a:r>
-              <a:rPr lang="en" sz="1600" i="0" u="none" strike="noStrike" cap="none" dirty="0">
-                <a:solidFill>
-                  <a:srgbClr val="000000"/>
-                </a:solidFill>
-                <a:latin typeface="Nunito"/>
-                <a:ea typeface="Nunito"/>
-                <a:cs typeface="Nunito"/>
-                <a:sym typeface="Nunito"/>
-              </a:rPr>
-              <a:t>(notice Tablea</a:t>
-            </a:r>
-            <a:r>
-              <a:rPr lang="en" sz="1600" dirty="0">
-                <a:solidFill>
-                  <a:srgbClr val="000000"/>
-                </a:solidFill>
-                <a:latin typeface="Nunito"/>
-                <a:ea typeface="Nunito"/>
-                <a:cs typeface="Nunito"/>
-                <a:sym typeface="Nunito"/>
-              </a:rPr>
-              <a:t>u offers autocomplete)</a:t>
-            </a:r>
-            <a:r>
-              <a:rPr lang="en" sz="1600" i="0" u="none" strike="noStrike" cap="none" dirty="0">
-                <a:solidFill>
-                  <a:srgbClr val="000000"/>
-                </a:solidFill>
-                <a:latin typeface="Nunito"/>
-                <a:ea typeface="Nunito"/>
-                <a:cs typeface="Nunito"/>
-                <a:sym typeface="Nunito"/>
-              </a:rPr>
-              <a:t> </a:t>
-            </a:r>
-            <a:endParaRPr sz="1600" i="0" u="none" strike="noStrike" cap="none" dirty="0">
-              <a:solidFill>
-                <a:srgbClr val="000000"/>
-              </a:solidFill>
-              <a:latin typeface="Nunito"/>
-              <a:ea typeface="Nunito"/>
-              <a:cs typeface="Nunito"/>
-              <a:sym typeface="Nunito"/>
-            </a:endParaRPr>
-          </a:p>
-          <a:p>
-            <a:pPr marL="914400" marR="0" lvl="1" indent="-330200" algn="l" rtl="0">
-              <a:lnSpc>
-                <a:spcPct val="115000"/>
-              </a:lnSpc>
-              <a:spcBef>
-                <a:spcPts val="0"/>
-              </a:spcBef>
-              <a:spcAft>
-                <a:spcPts val="0"/>
-              </a:spcAft>
-              <a:buClr>
-                <a:srgbClr val="000000"/>
-              </a:buClr>
-              <a:buSzPts val="1600"/>
-              <a:buFont typeface="Nunito"/>
-              <a:buChar char="○"/>
-            </a:pPr>
-            <a:r>
-              <a:rPr lang="en" sz="1600" dirty="0">
-                <a:solidFill>
-                  <a:schemeClr val="dk1"/>
-                </a:solidFill>
-                <a:highlight>
-                  <a:srgbClr val="FFFF00"/>
-                </a:highlight>
-                <a:latin typeface="Nunito"/>
-                <a:ea typeface="Nunito"/>
-                <a:cs typeface="Nunito"/>
-                <a:sym typeface="Nunito"/>
-              </a:rPr>
-              <a:t>[Action]</a:t>
-            </a:r>
-            <a:r>
-              <a:rPr lang="en" sz="1600" dirty="0">
-                <a:solidFill>
-                  <a:schemeClr val="dk1"/>
-                </a:solidFill>
-                <a:latin typeface="Nunito"/>
-                <a:ea typeface="Nunito"/>
-                <a:cs typeface="Nunito"/>
-                <a:sym typeface="Nunito"/>
-              </a:rPr>
-              <a:t> </a:t>
-            </a:r>
-            <a:r>
-              <a:rPr lang="en" sz="1600" b="0" i="0" u="none" strike="noStrike" cap="none" dirty="0">
-                <a:solidFill>
-                  <a:srgbClr val="000000"/>
-                </a:solidFill>
-                <a:latin typeface="Nunito"/>
-                <a:ea typeface="Nunito"/>
-                <a:cs typeface="Nunito"/>
-                <a:sym typeface="Nunito"/>
-              </a:rPr>
-              <a:t>On a new sheet visualize this in a histogram.</a:t>
-            </a:r>
-            <a:endParaRPr sz="1600" b="0" i="0" u="none" strike="noStrike" cap="none" dirty="0">
-              <a:solidFill>
-                <a:srgbClr val="000000"/>
-              </a:solidFill>
-              <a:latin typeface="Nunito"/>
-              <a:ea typeface="Nunito"/>
-              <a:cs typeface="Nunito"/>
-              <a:sym typeface="Nunito"/>
-            </a:endParaRPr>
-          </a:p>
-          <a:p>
-            <a:pPr marL="457200" marR="0" lvl="0" indent="-330200" algn="l" rtl="0">
-              <a:lnSpc>
-                <a:spcPct val="115000"/>
-              </a:lnSpc>
-              <a:spcBef>
-                <a:spcPts val="0"/>
-              </a:spcBef>
-              <a:spcAft>
-                <a:spcPts val="0"/>
-              </a:spcAft>
-              <a:buClr>
-                <a:srgbClr val="000000"/>
-              </a:buClr>
-              <a:buSzPts val="1600"/>
-              <a:buFont typeface="Nunito"/>
-              <a:buChar char="●"/>
-            </a:pPr>
-            <a:r>
-              <a:rPr lang="en" sz="1600" b="0" i="0" u="none" strike="noStrike" cap="none" dirty="0">
-                <a:solidFill>
-                  <a:srgbClr val="000000"/>
-                </a:solidFill>
-                <a:latin typeface="Nunito"/>
-                <a:ea typeface="Nunito"/>
-                <a:cs typeface="Nunito"/>
-                <a:sym typeface="Nunito"/>
-              </a:rPr>
-              <a:t>What does this distribution of family size mean?</a:t>
-            </a:r>
-            <a:endParaRPr sz="1600" b="0" i="0" u="none" strike="noStrike" cap="none" dirty="0">
-              <a:solidFill>
-                <a:srgbClr val="000000"/>
               </a:solidFill>
               <a:latin typeface="Nunito"/>
               <a:ea typeface="Nunito"/>
@@ -23692,7 +22908,7 @@
   <p:cSld>
     <p:spTree>
       <p:nvGrpSpPr>
-        <p:cNvPr id="1" name="Shape 235"/>
+        <p:cNvPr id="1" name="Shape 229"/>
         <p:cNvGrpSpPr/>
         <p:nvPr/>
       </p:nvGrpSpPr>
@@ -23706,7 +22922,7 @@
       </p:grpSpPr>
       <p:sp>
         <p:nvSpPr>
-          <p:cNvPr id="236" name="Google Shape;236;p43"/>
+          <p:cNvPr id="230" name="Google Shape;230;p42"/>
           <p:cNvSpPr txBox="1">
             <a:spLocks noGrp="1"/>
           </p:cNvSpPr>
@@ -23760,7 +22976,7 @@
                 <a:cs typeface="Maven Pro"/>
                 <a:sym typeface="Maven Pro"/>
               </a:rPr>
-              <a:t>Analytics</a:t>
+              <a:t>Calculations (continued)</a:t>
             </a:r>
             <a:endParaRPr sz="2800" b="1" i="0" u="none" strike="noStrike" cap="none">
               <a:solidFill>
@@ -23776,7 +22992,7 @@
       </p:sp>
       <p:sp>
         <p:nvSpPr>
-          <p:cNvPr id="237" name="Google Shape;237;p43"/>
+          <p:cNvPr id="231" name="Google Shape;231;p42"/>
           <p:cNvSpPr txBox="1">
             <a:spLocks noGrp="1"/>
           </p:cNvSpPr>
@@ -23786,8 +23002,8 @@
         </p:nvSpPr>
         <p:spPr>
           <a:xfrm>
-            <a:off x="639350" y="1533225"/>
-            <a:ext cx="7856700" cy="2541600"/>
+            <a:off x="398700" y="1143250"/>
+            <a:ext cx="8346600" cy="3789000"/>
           </a:xfrm>
           <a:prstGeom prst="rect">
             <a:avLst/>
@@ -23803,7 +23019,7 @@
           </a:bodyPr>
           <a:lstStyle/>
           <a:p>
-            <a:pPr marL="457200" marR="0" lvl="0" indent="-368300" algn="l" rtl="0">
+            <a:pPr marL="457200" marR="0" lvl="0" indent="-330200" algn="l" rtl="0">
               <a:lnSpc>
                 <a:spcPct val="115000"/>
               </a:lnSpc>
@@ -23816,25 +23032,52 @@
               <a:buClr>
                 <a:srgbClr val="000000"/>
               </a:buClr>
-              <a:buSzPts val="2200"/>
+              <a:buSzPts val="1600"/>
               <a:buFont typeface="Nunito"/>
               <a:buChar char="●"/>
             </a:pPr>
             <a:r>
-              <a:rPr lang="en" sz="2200" b="0" i="0" u="none" strike="noStrike" cap="none">
-                <a:solidFill>
-                  <a:srgbClr val="333333"/>
-                </a:solidFill>
-                <a:latin typeface="Nunito"/>
-                <a:ea typeface="Nunito"/>
-                <a:cs typeface="Nunito"/>
-                <a:sym typeface="Nunito"/>
-              </a:rPr>
-              <a:t>The Analytics pane provides quick and easy access to common analytic features in Tableau.</a:t>
-            </a:r>
-            <a:endParaRPr sz="2200" b="0" i="0" u="none" strike="noStrike" cap="none">
+              <a:rPr lang="en" sz="1600" dirty="0">
+                <a:solidFill>
+                  <a:srgbClr val="000000"/>
+                </a:solidFill>
+                <a:highlight>
+                  <a:srgbClr val="FFFF00"/>
+                </a:highlight>
+                <a:latin typeface="Nunito"/>
+                <a:ea typeface="Nunito"/>
+                <a:cs typeface="Nunito"/>
+                <a:sym typeface="Nunito"/>
+              </a:rPr>
+              <a:t>[Action]</a:t>
+            </a:r>
+            <a:r>
+              <a:rPr lang="en" sz="1600" dirty="0">
+                <a:solidFill>
+                  <a:srgbClr val="000000"/>
+                </a:solidFill>
+                <a:latin typeface="Nunito"/>
+                <a:ea typeface="Nunito"/>
+                <a:cs typeface="Nunito"/>
+                <a:sym typeface="Nunito"/>
+              </a:rPr>
+              <a:t> </a:t>
+            </a:r>
+            <a:r>
+              <a:rPr lang="en" sz="1600" b="0" i="0" u="none" strike="noStrike" cap="none" dirty="0">
+                <a:solidFill>
+                  <a:srgbClr val="000000"/>
+                </a:solidFill>
+                <a:latin typeface="Nunito"/>
+                <a:ea typeface="Nunito"/>
+                <a:cs typeface="Nunito"/>
+                <a:sym typeface="Nunito"/>
+              </a:rPr>
+              <a:t>Add a new sheet</a:t>
+            </a:r>
+            <a:endParaRPr sz="1600" b="0" i="0" u="none" strike="noStrike" cap="none" dirty="0">
               <a:solidFill>
-                <a:srgbClr val="333333"/>
+                <a:srgbClr val="000000"/>
               </a:solidFill>
               <a:latin typeface="Nunito"/>
               <a:ea typeface="Nunito"/>
@@ -23843,7 +23086,7 @@
             </a:endParaRPr>
           </a:p>
           <a:p>
-            <a:pPr marL="914400" marR="0" lvl="1" indent="-368300" algn="l" rtl="0">
+            <a:pPr marL="914400" marR="0" lvl="1" indent="-330200" algn="l" rtl="0">
               <a:lnSpc>
                 <a:spcPct val="115000"/>
               </a:lnSpc>
@@ -23854,27 +23097,150 @@
                 <a:spcPts val="0"/>
               </a:spcAft>
               <a:buClr>
-                <a:srgbClr val="333333"/>
+                <a:srgbClr val="000000"/>
               </a:buClr>
-              <a:buSzPts val="2200"/>
+              <a:buSzPts val="1600"/>
               <a:buFont typeface="Nunito"/>
               <a:buChar char="○"/>
             </a:pPr>
             <a:r>
-              <a:rPr lang="en" sz="2200" b="0" i="0" u="none" strike="noStrike" cap="none">
-                <a:solidFill>
-                  <a:srgbClr val="333333"/>
-                </a:solidFill>
-                <a:latin typeface="Nunito"/>
-                <a:ea typeface="Nunito"/>
-                <a:cs typeface="Nunito"/>
-                <a:sym typeface="Nunito"/>
-              </a:rPr>
-              <a:t>You can use this pane to add average lines, trend lines, totals and more.</a:t>
-            </a:r>
-            <a:endParaRPr sz="2200" b="0" i="0" u="none" strike="noStrike" cap="none">
+              <a:rPr lang="en" sz="1600" dirty="0">
+                <a:solidFill>
+                  <a:srgbClr val="000000"/>
+                </a:solidFill>
+                <a:highlight>
+                  <a:srgbClr val="FFFF00"/>
+                </a:highlight>
+                <a:latin typeface="Nunito"/>
+                <a:ea typeface="Nunito"/>
+                <a:cs typeface="Nunito"/>
+                <a:sym typeface="Nunito"/>
+              </a:rPr>
+              <a:t>[Action]</a:t>
+            </a:r>
+            <a:r>
+              <a:rPr lang="en" sz="1600" dirty="0">
+                <a:solidFill>
+                  <a:srgbClr val="000000"/>
+                </a:solidFill>
+                <a:latin typeface="Nunito"/>
+                <a:ea typeface="Nunito"/>
+                <a:cs typeface="Nunito"/>
+                <a:sym typeface="Nunito"/>
+              </a:rPr>
+              <a:t> </a:t>
+            </a:r>
+            <a:r>
+              <a:rPr lang="en" sz="1600" b="0" i="0" u="none" strike="noStrike" cap="none" dirty="0">
+                <a:solidFill>
+                  <a:srgbClr val="000000"/>
+                </a:solidFill>
+                <a:latin typeface="Nunito"/>
+                <a:ea typeface="Nunito"/>
+                <a:cs typeface="Nunito"/>
+                <a:sym typeface="Nunito"/>
+              </a:rPr>
+              <a:t>Add </a:t>
+            </a:r>
+            <a:r>
+              <a:rPr lang="en" sz="1600" b="0" i="1" u="none" strike="noStrike" cap="none" dirty="0">
+                <a:solidFill>
+                  <a:srgbClr val="000000"/>
+                </a:solidFill>
+                <a:latin typeface="Nunito"/>
+                <a:ea typeface="Nunito"/>
+                <a:cs typeface="Nunito"/>
+                <a:sym typeface="Nunito"/>
+              </a:rPr>
+              <a:t>Ticket Class</a:t>
+            </a:r>
+            <a:r>
+              <a:rPr lang="en" sz="1600" b="0" i="0" u="none" strike="noStrike" cap="none" dirty="0">
+                <a:solidFill>
+                  <a:srgbClr val="000000"/>
+                </a:solidFill>
+                <a:latin typeface="Nunito"/>
+                <a:ea typeface="Nunito"/>
+                <a:cs typeface="Nunito"/>
+                <a:sym typeface="Nunito"/>
+              </a:rPr>
+              <a:t> and </a:t>
+            </a:r>
+            <a:r>
+              <a:rPr lang="en" sz="1600" b="0" i="1" u="none" strike="noStrike" cap="none" dirty="0">
+                <a:solidFill>
+                  <a:srgbClr val="000000"/>
+                </a:solidFill>
+                <a:latin typeface="Nunito"/>
+                <a:ea typeface="Nunito"/>
+                <a:cs typeface="Nunito"/>
+                <a:sym typeface="Nunito"/>
+              </a:rPr>
+              <a:t>Age</a:t>
+            </a:r>
+            <a:r>
+              <a:rPr lang="en" sz="1600" b="0" i="0" u="none" strike="noStrike" cap="none" dirty="0">
+                <a:solidFill>
+                  <a:srgbClr val="000000"/>
+                </a:solidFill>
+                <a:latin typeface="Nunito"/>
+                <a:ea typeface="Nunito"/>
+                <a:cs typeface="Nunito"/>
+                <a:sym typeface="Nunito"/>
+              </a:rPr>
+              <a:t> to </a:t>
+            </a:r>
+            <a:r>
+              <a:rPr lang="en" sz="1600" dirty="0">
+                <a:solidFill>
+                  <a:srgbClr val="000000"/>
+                </a:solidFill>
+                <a:latin typeface="Nunito"/>
+                <a:ea typeface="Nunito"/>
+                <a:cs typeface="Nunito"/>
+                <a:sym typeface="Nunito"/>
+              </a:rPr>
+              <a:t>C</a:t>
+            </a:r>
+            <a:r>
+              <a:rPr lang="en" sz="1600" b="0" i="0" u="none" strike="noStrike" cap="none" dirty="0">
+                <a:solidFill>
+                  <a:srgbClr val="000000"/>
+                </a:solidFill>
+                <a:latin typeface="Nunito"/>
+                <a:ea typeface="Nunito"/>
+                <a:cs typeface="Nunito"/>
+                <a:sym typeface="Nunito"/>
+              </a:rPr>
+              <a:t>olumns and </a:t>
+            </a:r>
+            <a:r>
+              <a:rPr lang="en" sz="1600" dirty="0">
+                <a:solidFill>
+                  <a:srgbClr val="000000"/>
+                </a:solidFill>
+                <a:latin typeface="Nunito"/>
+                <a:ea typeface="Nunito"/>
+                <a:cs typeface="Nunito"/>
+                <a:sym typeface="Nunito"/>
+              </a:rPr>
+              <a:t>R</a:t>
+            </a:r>
+            <a:r>
+              <a:rPr lang="en" sz="1600" b="0" i="0" u="none" strike="noStrike" cap="none" dirty="0">
+                <a:solidFill>
+                  <a:srgbClr val="000000"/>
+                </a:solidFill>
+                <a:latin typeface="Nunito"/>
+                <a:ea typeface="Nunito"/>
+                <a:cs typeface="Nunito"/>
+                <a:sym typeface="Nunito"/>
+              </a:rPr>
+              <a:t>ows self</a:t>
+            </a:r>
+            <a:endParaRPr sz="1600" b="0" i="0" u="none" strike="noStrike" cap="none" dirty="0">
               <a:solidFill>
-                <a:srgbClr val="333333"/>
+                <a:srgbClr val="000000"/>
               </a:solidFill>
               <a:latin typeface="Nunito"/>
               <a:ea typeface="Nunito"/>
@@ -23883,7 +23249,7 @@
             </a:endParaRPr>
           </a:p>
           <a:p>
-            <a:pPr marL="914400" marR="0" lvl="1" indent="-368300" algn="l" rtl="0">
+            <a:pPr marL="914400" marR="0" lvl="1" indent="-330200" algn="l" rtl="0">
               <a:lnSpc>
                 <a:spcPct val="115000"/>
               </a:lnSpc>
@@ -23894,78 +23260,27 @@
                 <a:spcPts val="0"/>
               </a:spcAft>
               <a:buClr>
-                <a:srgbClr val="333333"/>
+                <a:srgbClr val="000000"/>
               </a:buClr>
-              <a:buSzPts val="2200"/>
+              <a:buSzPts val="1600"/>
               <a:buFont typeface="Nunito"/>
               <a:buChar char="○"/>
             </a:pPr>
             <a:r>
-              <a:rPr lang="en" sz="2200">
-                <a:solidFill>
-                  <a:srgbClr val="333333"/>
-                </a:solidFill>
-                <a:highlight>
-                  <a:srgbClr val="FFFF00"/>
-                </a:highlight>
-                <a:latin typeface="Nunito"/>
-                <a:ea typeface="Nunito"/>
-                <a:cs typeface="Nunito"/>
-                <a:sym typeface="Nunito"/>
-              </a:rPr>
-              <a:t>[Action]</a:t>
-            </a:r>
-            <a:r>
-              <a:rPr lang="en" sz="2200">
-                <a:solidFill>
-                  <a:srgbClr val="333333"/>
-                </a:solidFill>
-                <a:latin typeface="Nunito"/>
-                <a:ea typeface="Nunito"/>
-                <a:cs typeface="Nunito"/>
-                <a:sym typeface="Nunito"/>
-              </a:rPr>
-              <a:t> </a:t>
-            </a:r>
-            <a:r>
-              <a:rPr lang="en" sz="2200" b="0" i="0" u="none" strike="noStrike" cap="none">
-                <a:solidFill>
-                  <a:srgbClr val="333333"/>
-                </a:solidFill>
-                <a:latin typeface="Nunito"/>
-                <a:ea typeface="Nunito"/>
-                <a:cs typeface="Nunito"/>
-                <a:sym typeface="Nunito"/>
-              </a:rPr>
-              <a:t>Try adding a</a:t>
-            </a:r>
-            <a:r>
-              <a:rPr lang="en" sz="2200">
-                <a:solidFill>
-                  <a:srgbClr val="333333"/>
-                </a:solidFill>
-                <a:latin typeface="Nunito"/>
-                <a:ea typeface="Nunito"/>
-                <a:cs typeface="Nunito"/>
-                <a:sym typeface="Nunito"/>
-              </a:rPr>
-              <a:t>n average</a:t>
-            </a:r>
-            <a:r>
-              <a:rPr lang="en" sz="2200" b="0" i="0" u="none" strike="noStrike" cap="none">
-                <a:solidFill>
-                  <a:srgbClr val="333333"/>
-                </a:solidFill>
-                <a:latin typeface="Nunito"/>
-                <a:ea typeface="Nunito"/>
-                <a:cs typeface="Nunito"/>
-                <a:sym typeface="Nunito"/>
-              </a:rPr>
-              <a:t> line to your scatter plot</a:t>
-            </a:r>
-            <a:endParaRPr sz="2200">
+              <a:rPr lang="en" sz="1600" b="0" i="0" u="none" strike="noStrike" cap="none" dirty="0">
+                <a:solidFill>
+                  <a:srgbClr val="000000"/>
+                </a:solidFill>
+                <a:latin typeface="Nunito"/>
+                <a:ea typeface="Nunito"/>
+                <a:cs typeface="Nunito"/>
+                <a:sym typeface="Nunito"/>
+              </a:rPr>
+              <a:t>This chart doesn’t tell us much with the sum of all the ages so we will change it to average</a:t>
+            </a:r>
+            <a:endParaRPr sz="1600" b="0" i="0" u="none" strike="noStrike" cap="none" dirty="0">
               <a:solidFill>
-                <a:srgbClr val="333333"/>
+                <a:srgbClr val="000000"/>
               </a:solidFill>
               <a:latin typeface="Nunito"/>
               <a:ea typeface="Nunito"/>
@@ -23974,7 +23289,7 @@
             </a:endParaRPr>
           </a:p>
           <a:p>
-            <a:pPr marL="914400" marR="0" lvl="1" indent="-368300" algn="l" rtl="0">
+            <a:pPr marL="914400" marR="0" lvl="1" indent="-330200" algn="l" rtl="0">
               <a:lnSpc>
                 <a:spcPct val="115000"/>
               </a:lnSpc>
@@ -23985,16 +23300,293 @@
                 <a:spcPts val="0"/>
               </a:spcAft>
               <a:buClr>
-                <a:srgbClr val="333333"/>
+                <a:srgbClr val="000000"/>
               </a:buClr>
-              <a:buSzPts val="2200"/>
+              <a:buSzPts val="1600"/>
+              <a:buFont typeface="Arial"/>
+              <a:buChar char="○"/>
+            </a:pPr>
+            <a:r>
+              <a:rPr lang="en" sz="1600" dirty="0">
+                <a:solidFill>
+                  <a:srgbClr val="000000"/>
+                </a:solidFill>
+                <a:highlight>
+                  <a:srgbClr val="FFFF00"/>
+                </a:highlight>
+                <a:latin typeface="Nunito"/>
+                <a:ea typeface="Nunito"/>
+                <a:cs typeface="Nunito"/>
+                <a:sym typeface="Nunito"/>
+              </a:rPr>
+              <a:t>[Action]</a:t>
+            </a:r>
+            <a:r>
+              <a:rPr lang="en" sz="1600" b="1" dirty="0">
+                <a:solidFill>
+                  <a:srgbClr val="000000"/>
+                </a:solidFill>
+                <a:latin typeface="Nunito"/>
+                <a:ea typeface="Nunito"/>
+                <a:cs typeface="Nunito"/>
+                <a:sym typeface="Nunito"/>
+              </a:rPr>
+              <a:t> </a:t>
+            </a:r>
+            <a:r>
+              <a:rPr lang="en" sz="1600" b="1" i="0" u="none" strike="noStrike" cap="none" dirty="0">
+                <a:solidFill>
+                  <a:srgbClr val="000000"/>
+                </a:solidFill>
+                <a:latin typeface="Nunito"/>
+                <a:ea typeface="Nunito"/>
+                <a:cs typeface="Nunito"/>
+                <a:sym typeface="Nunito"/>
+              </a:rPr>
+              <a:t>Right Click</a:t>
+            </a:r>
+            <a:r>
+              <a:rPr lang="en" sz="1600" b="0" i="0" u="none" strike="noStrike" cap="none" dirty="0">
+                <a:solidFill>
+                  <a:srgbClr val="000000"/>
+                </a:solidFill>
+                <a:latin typeface="Nunito"/>
+                <a:ea typeface="Nunito"/>
+                <a:cs typeface="Nunito"/>
+                <a:sym typeface="Nunito"/>
+              </a:rPr>
+              <a:t> </a:t>
+            </a:r>
+            <a:r>
+              <a:rPr lang="en" sz="1600" i="1" dirty="0">
+                <a:solidFill>
+                  <a:srgbClr val="000000"/>
+                </a:solidFill>
+                <a:highlight>
+                  <a:srgbClr val="D9D9D9"/>
+                </a:highlight>
+                <a:latin typeface="Nunito"/>
+                <a:ea typeface="Nunito"/>
+                <a:cs typeface="Nunito"/>
+                <a:sym typeface="Nunito"/>
+              </a:rPr>
+              <a:t>A</a:t>
+            </a:r>
+            <a:r>
+              <a:rPr lang="en" sz="1600" b="0" i="1" u="none" strike="noStrike" cap="none" dirty="0">
+                <a:solidFill>
+                  <a:srgbClr val="000000"/>
+                </a:solidFill>
+                <a:highlight>
+                  <a:srgbClr val="D9D9D9"/>
+                </a:highlight>
+                <a:latin typeface="Nunito"/>
+                <a:ea typeface="Nunito"/>
+                <a:cs typeface="Nunito"/>
+                <a:sym typeface="Nunito"/>
+              </a:rPr>
+              <a:t>ge</a:t>
+            </a:r>
+            <a:r>
+              <a:rPr lang="en" sz="1600" b="0" i="0" u="none" strike="noStrike" cap="none" dirty="0">
+                <a:solidFill>
+                  <a:srgbClr val="000000"/>
+                </a:solidFill>
+                <a:latin typeface="Nunito"/>
+                <a:ea typeface="Nunito"/>
+                <a:cs typeface="Nunito"/>
+                <a:sym typeface="Nunito"/>
+              </a:rPr>
+              <a:t> &gt; </a:t>
+            </a:r>
+            <a:r>
+              <a:rPr lang="en" sz="1600" b="1" i="0" u="none" strike="noStrike" cap="none" dirty="0">
+                <a:solidFill>
+                  <a:srgbClr val="000000"/>
+                </a:solidFill>
+                <a:latin typeface="Nunito"/>
+                <a:ea typeface="Nunito"/>
+                <a:cs typeface="Nunito"/>
+                <a:sym typeface="Nunito"/>
+              </a:rPr>
+              <a:t>Measure (SUM) &gt; Average</a:t>
+            </a:r>
+            <a:endParaRPr sz="1600" b="1" i="0" u="none" strike="noStrike" cap="none" dirty="0">
+              <a:solidFill>
+                <a:srgbClr val="000000"/>
+              </a:solidFill>
+              <a:latin typeface="Nunito"/>
+              <a:ea typeface="Nunito"/>
+              <a:cs typeface="Nunito"/>
+              <a:sym typeface="Nunito"/>
+            </a:endParaRPr>
+          </a:p>
+          <a:p>
+            <a:pPr marL="457200" marR="0" lvl="0" indent="-330200" algn="l" rtl="0">
+              <a:lnSpc>
+                <a:spcPct val="115000"/>
+              </a:lnSpc>
+              <a:spcBef>
+                <a:spcPts val="0"/>
+              </a:spcBef>
+              <a:spcAft>
+                <a:spcPts val="0"/>
+              </a:spcAft>
+              <a:buClr>
+                <a:srgbClr val="000000"/>
+              </a:buClr>
+              <a:buSzPts val="1600"/>
+              <a:buFont typeface="Nunito"/>
+              <a:buChar char="●"/>
+            </a:pPr>
+            <a:r>
+              <a:rPr lang="en" sz="1600" b="0" i="0" u="none" strike="noStrike" cap="none" dirty="0">
+                <a:solidFill>
+                  <a:srgbClr val="000000"/>
+                </a:solidFill>
+                <a:latin typeface="Nunito"/>
+                <a:ea typeface="Nunito"/>
+                <a:cs typeface="Nunito"/>
+                <a:sym typeface="Nunito"/>
+              </a:rPr>
+              <a:t>Is there a relationship between age and ticket class?</a:t>
+            </a:r>
+            <a:endParaRPr sz="1600" b="0" i="0" u="none" strike="noStrike" cap="none" dirty="0">
+              <a:solidFill>
+                <a:srgbClr val="000000"/>
+              </a:solidFill>
+              <a:latin typeface="Nunito"/>
+              <a:ea typeface="Nunito"/>
+              <a:cs typeface="Nunito"/>
+              <a:sym typeface="Nunito"/>
+            </a:endParaRPr>
+          </a:p>
+          <a:p>
+            <a:pPr marL="457200" marR="0" lvl="0" indent="-330200" algn="l" rtl="0">
+              <a:lnSpc>
+                <a:spcPct val="115000"/>
+              </a:lnSpc>
+              <a:spcBef>
+                <a:spcPts val="0"/>
+              </a:spcBef>
+              <a:spcAft>
+                <a:spcPts val="0"/>
+              </a:spcAft>
+              <a:buClr>
+                <a:srgbClr val="000000"/>
+              </a:buClr>
+              <a:buSzPts val="1600"/>
+              <a:buFont typeface="Nunito"/>
+              <a:buChar char="●"/>
+            </a:pPr>
+            <a:r>
+              <a:rPr lang="en" sz="1600" b="0" i="0" u="none" strike="noStrike" cap="none" dirty="0">
+                <a:solidFill>
+                  <a:srgbClr val="000000"/>
+                </a:solidFill>
+                <a:latin typeface="Nunito"/>
+                <a:ea typeface="Nunito"/>
+                <a:cs typeface="Nunito"/>
+                <a:sym typeface="Nunito"/>
+              </a:rPr>
+              <a:t>Tableau also allows us to create </a:t>
+            </a:r>
+            <a:r>
+              <a:rPr lang="en" sz="1600" b="0" i="0" u="sng" strike="noStrike" cap="none" dirty="0">
+                <a:solidFill>
+                  <a:srgbClr val="000000"/>
+                </a:solidFill>
+                <a:latin typeface="Nunito"/>
+                <a:ea typeface="Nunito"/>
+                <a:cs typeface="Nunito"/>
+                <a:sym typeface="Nunito"/>
+              </a:rPr>
+              <a:t>our own variables</a:t>
+            </a:r>
+            <a:r>
+              <a:rPr lang="en" sz="1600" b="0" i="0" u="none" strike="noStrike" cap="none" dirty="0">
+                <a:solidFill>
+                  <a:srgbClr val="000000"/>
+                </a:solidFill>
+                <a:latin typeface="Nunito"/>
+                <a:ea typeface="Nunito"/>
+                <a:cs typeface="Nunito"/>
+                <a:sym typeface="Nunito"/>
+              </a:rPr>
+              <a:t>.</a:t>
+            </a:r>
+            <a:endParaRPr sz="1600" b="0" i="0" u="none" strike="noStrike" cap="none" dirty="0">
+              <a:solidFill>
+                <a:srgbClr val="000000"/>
+              </a:solidFill>
+              <a:latin typeface="Nunito"/>
+              <a:ea typeface="Nunito"/>
+              <a:cs typeface="Nunito"/>
+              <a:sym typeface="Nunito"/>
+            </a:endParaRPr>
+          </a:p>
+          <a:p>
+            <a:pPr marL="914400" marR="0" lvl="1" indent="-330200" algn="l" rtl="0">
+              <a:lnSpc>
+                <a:spcPct val="115000"/>
+              </a:lnSpc>
+              <a:spcBef>
+                <a:spcPts val="0"/>
+              </a:spcBef>
+              <a:spcAft>
+                <a:spcPts val="0"/>
+              </a:spcAft>
+              <a:buClr>
+                <a:srgbClr val="000000"/>
+              </a:buClr>
+              <a:buSzPts val="1600"/>
               <a:buFont typeface="Nunito"/>
               <a:buChar char="○"/>
             </a:pPr>
             <a:r>
-              <a:rPr lang="en" sz="2200">
-                <a:solidFill>
-                  <a:srgbClr val="333333"/>
+              <a:rPr lang="en" sz="1600" b="0" i="0" u="none" strike="noStrike" cap="none" dirty="0">
+                <a:solidFill>
+                  <a:srgbClr val="000000"/>
+                </a:solidFill>
+                <a:latin typeface="Nunito"/>
+                <a:ea typeface="Nunito"/>
+                <a:cs typeface="Nunito"/>
+                <a:sym typeface="Nunito"/>
+              </a:rPr>
+              <a:t>Let’s create a variable to represent the size of a passengers family.</a:t>
+            </a:r>
+            <a:endParaRPr sz="1600" b="0" i="0" u="none" strike="noStrike" cap="none" dirty="0">
+              <a:solidFill>
+                <a:srgbClr val="000000"/>
+              </a:solidFill>
+              <a:latin typeface="Nunito"/>
+              <a:ea typeface="Nunito"/>
+              <a:cs typeface="Nunito"/>
+              <a:sym typeface="Nunito"/>
+            </a:endParaRPr>
+          </a:p>
+          <a:p>
+            <a:pPr marL="914400" marR="0" lvl="1" indent="-330200" algn="l" rtl="0">
+              <a:lnSpc>
+                <a:spcPct val="115000"/>
+              </a:lnSpc>
+              <a:spcBef>
+                <a:spcPts val="0"/>
+              </a:spcBef>
+              <a:spcAft>
+                <a:spcPts val="0"/>
+              </a:spcAft>
+              <a:buClr>
+                <a:srgbClr val="000000"/>
+              </a:buClr>
+              <a:buSzPts val="1600"/>
+              <a:buFont typeface="Nunito"/>
+              <a:buChar char="○"/>
+            </a:pPr>
+            <a:r>
+              <a:rPr lang="en" sz="1600" dirty="0">
+                <a:solidFill>
+                  <a:srgbClr val="000000"/>
                 </a:solidFill>
                 <a:highlight>
                   <a:srgbClr val="FFFF00"/>
@@ -24007,32 +23599,417 @@
               <a:t>[Action]</a:t>
             </a:r>
             <a:r>
-              <a:rPr lang="en" sz="2200">
-                <a:solidFill>
-                  <a:srgbClr val="333333"/>
-                </a:solidFill>
-                <a:latin typeface="Nunito"/>
-                <a:ea typeface="Nunito"/>
-                <a:cs typeface="Nunito"/>
-                <a:sym typeface="Nunito"/>
-              </a:rPr>
-              <a:t> Try adding </a:t>
-            </a:r>
-            <a:r>
-              <a:rPr lang="en" sz="2200" b="0" i="0" u="none" strike="noStrike" cap="none">
-                <a:solidFill>
-                  <a:srgbClr val="333333"/>
-                </a:solidFill>
-                <a:latin typeface="Nunito"/>
-                <a:ea typeface="Nunito"/>
-                <a:cs typeface="Nunito"/>
-                <a:sym typeface="Nunito"/>
-              </a:rPr>
-              <a:t>totals to your text table.</a:t>
-            </a:r>
-            <a:endParaRPr sz="2200" b="0" i="0" u="none" strike="noStrike" cap="none">
+              <a:rPr lang="en" sz="1600" b="1" dirty="0">
+                <a:solidFill>
+                  <a:srgbClr val="000000"/>
+                </a:solidFill>
+                <a:latin typeface="Nunito"/>
+                <a:ea typeface="Nunito"/>
+                <a:cs typeface="Nunito"/>
+                <a:sym typeface="Nunito"/>
+              </a:rPr>
+              <a:t> </a:t>
+            </a:r>
+            <a:r>
+              <a:rPr lang="en" sz="1600" b="1" i="0" u="none" strike="noStrike" cap="none" dirty="0">
+                <a:solidFill>
+                  <a:srgbClr val="000000"/>
+                </a:solidFill>
+                <a:latin typeface="Nunito"/>
+                <a:ea typeface="Nunito"/>
+                <a:cs typeface="Nunito"/>
+                <a:sym typeface="Nunito"/>
+              </a:rPr>
+              <a:t>Right Click </a:t>
+            </a:r>
+            <a:r>
+              <a:rPr lang="en" sz="1600" b="0" i="0" u="none" strike="noStrike" cap="none" dirty="0">
+                <a:solidFill>
+                  <a:srgbClr val="000000"/>
+                </a:solidFill>
+                <a:latin typeface="Nunito"/>
+                <a:ea typeface="Nunito"/>
+                <a:cs typeface="Nunito"/>
+                <a:sym typeface="Nunito"/>
+              </a:rPr>
+              <a:t>in the Measures area </a:t>
+            </a:r>
+            <a:r>
+              <a:rPr lang="en" sz="1600" b="1" i="0" u="none" strike="noStrike" cap="none" dirty="0">
+                <a:solidFill>
+                  <a:srgbClr val="000000"/>
+                </a:solidFill>
+                <a:latin typeface="Nunito"/>
+                <a:ea typeface="Nunito"/>
+                <a:cs typeface="Nunito"/>
+                <a:sym typeface="Nunito"/>
+              </a:rPr>
+              <a:t>&gt; Create Calculated Field…</a:t>
+            </a:r>
+            <a:endParaRPr sz="1600" b="0" i="0" u="none" strike="noStrike" cap="none" dirty="0">
               <a:solidFill>
-                <a:schemeClr val="dk2"/>
+                <a:srgbClr val="000000"/>
+              </a:solidFill>
+              <a:latin typeface="Nunito"/>
+              <a:ea typeface="Nunito"/>
+              <a:cs typeface="Nunito"/>
+              <a:sym typeface="Nunito"/>
+            </a:endParaRPr>
+          </a:p>
+          <a:p>
+            <a:pPr marL="914400" marR="0" lvl="1" indent="-330200" algn="l" rtl="0">
+              <a:lnSpc>
+                <a:spcPct val="115000"/>
+              </a:lnSpc>
+              <a:spcBef>
+                <a:spcPts val="0"/>
+              </a:spcBef>
+              <a:spcAft>
+                <a:spcPts val="0"/>
+              </a:spcAft>
+              <a:buClr>
+                <a:srgbClr val="000000"/>
+              </a:buClr>
+              <a:buSzPts val="1600"/>
+              <a:buFont typeface="Nunito"/>
+              <a:buChar char="○"/>
+            </a:pPr>
+            <a:r>
+              <a:rPr lang="en" sz="1600" dirty="0">
+                <a:solidFill>
+                  <a:schemeClr val="dk1"/>
+                </a:solidFill>
+                <a:highlight>
+                  <a:srgbClr val="FFFF00"/>
+                </a:highlight>
+                <a:latin typeface="Nunito"/>
+                <a:ea typeface="Nunito"/>
+                <a:cs typeface="Nunito"/>
+                <a:sym typeface="Nunito"/>
+              </a:rPr>
+              <a:t>[Action]</a:t>
+            </a:r>
+            <a:r>
+              <a:rPr lang="en" sz="1600" dirty="0">
+                <a:solidFill>
+                  <a:schemeClr val="dk1"/>
+                </a:solidFill>
+                <a:latin typeface="Nunito"/>
+                <a:ea typeface="Nunito"/>
+                <a:cs typeface="Nunito"/>
+                <a:sym typeface="Nunito"/>
+              </a:rPr>
+              <a:t> </a:t>
+            </a:r>
+            <a:r>
+              <a:rPr lang="en" sz="1600" b="0" i="0" u="none" strike="noStrike" cap="none" dirty="0">
+                <a:solidFill>
+                  <a:srgbClr val="000000"/>
+                </a:solidFill>
+                <a:latin typeface="Nunito"/>
+                <a:ea typeface="Nunito"/>
+                <a:cs typeface="Nunito"/>
+                <a:sym typeface="Nunito"/>
+              </a:rPr>
+              <a:t>Name the field </a:t>
+            </a:r>
+            <a:r>
+              <a:rPr lang="en" sz="1600" b="0" i="1" u="none" strike="noStrike" cap="none" dirty="0">
+                <a:solidFill>
+                  <a:srgbClr val="000000"/>
+                </a:solidFill>
+                <a:latin typeface="Nunito"/>
+                <a:ea typeface="Nunito"/>
+                <a:cs typeface="Nunito"/>
+                <a:sym typeface="Nunito"/>
+              </a:rPr>
+              <a:t>Family Size</a:t>
+            </a:r>
+            <a:endParaRPr sz="1600" b="0" i="0" u="none" strike="noStrike" cap="none" dirty="0">
+              <a:solidFill>
+                <a:srgbClr val="000000"/>
+              </a:solidFill>
+              <a:latin typeface="Nunito"/>
+              <a:ea typeface="Nunito"/>
+              <a:cs typeface="Nunito"/>
+              <a:sym typeface="Nunito"/>
+            </a:endParaRPr>
+          </a:p>
+          <a:p>
+            <a:pPr marL="914400" marR="0" lvl="1" indent="-330200" algn="l" rtl="0">
+              <a:lnSpc>
+                <a:spcPct val="115000"/>
+              </a:lnSpc>
+              <a:spcBef>
+                <a:spcPts val="0"/>
+              </a:spcBef>
+              <a:spcAft>
+                <a:spcPts val="0"/>
+              </a:spcAft>
+              <a:buClr>
+                <a:srgbClr val="000000"/>
+              </a:buClr>
+              <a:buSzPts val="1600"/>
+              <a:buFont typeface="Nunito"/>
+              <a:buChar char="○"/>
+            </a:pPr>
+            <a:r>
+              <a:rPr lang="en" sz="1600" dirty="0">
+                <a:solidFill>
+                  <a:schemeClr val="dk1"/>
+                </a:solidFill>
+                <a:highlight>
+                  <a:srgbClr val="FFFF00"/>
+                </a:highlight>
+                <a:latin typeface="Nunito"/>
+                <a:ea typeface="Nunito"/>
+                <a:cs typeface="Nunito"/>
+                <a:sym typeface="Nunito"/>
+              </a:rPr>
+              <a:t>[Action]</a:t>
+            </a:r>
+            <a:r>
+              <a:rPr lang="en" sz="1600" dirty="0">
+                <a:solidFill>
+                  <a:schemeClr val="dk1"/>
+                </a:solidFill>
+                <a:latin typeface="Nunito"/>
+                <a:ea typeface="Nunito"/>
+                <a:cs typeface="Nunito"/>
+                <a:sym typeface="Nunito"/>
+              </a:rPr>
+              <a:t> </a:t>
+            </a:r>
+            <a:r>
+              <a:rPr lang="en" sz="1600" dirty="0">
+                <a:solidFill>
+                  <a:srgbClr val="000000"/>
+                </a:solidFill>
+                <a:latin typeface="Nunito"/>
+                <a:ea typeface="Nunito"/>
+                <a:cs typeface="Nunito"/>
+                <a:sym typeface="Nunito"/>
+              </a:rPr>
+              <a:t>In the body, type </a:t>
+            </a:r>
+            <a:r>
+              <a:rPr lang="en" sz="1600" b="0" i="0" u="none" strike="noStrike" cap="none" dirty="0">
+                <a:solidFill>
+                  <a:srgbClr val="000000"/>
+                </a:solidFill>
+                <a:latin typeface="Courier New"/>
+                <a:ea typeface="Courier New"/>
+                <a:cs typeface="Courier New"/>
+                <a:sym typeface="Courier New"/>
+              </a:rPr>
+              <a:t>1 + </a:t>
+            </a:r>
+            <a:r>
+              <a:rPr lang="en" sz="1600" b="0" i="0" u="none" strike="noStrike" cap="none" dirty="0">
+                <a:solidFill>
+                  <a:srgbClr val="FF9900"/>
+                </a:solidFill>
+                <a:latin typeface="Courier New"/>
+                <a:ea typeface="Courier New"/>
+                <a:cs typeface="Courier New"/>
+                <a:sym typeface="Courier New"/>
+              </a:rPr>
+              <a:t>[Parch]</a:t>
+            </a:r>
+            <a:r>
+              <a:rPr lang="en" sz="1600" b="0" i="0" u="none" strike="noStrike" cap="none" dirty="0">
+                <a:solidFill>
+                  <a:srgbClr val="000000"/>
+                </a:solidFill>
+                <a:latin typeface="Courier New"/>
+                <a:ea typeface="Courier New"/>
+                <a:cs typeface="Courier New"/>
+                <a:sym typeface="Courier New"/>
+              </a:rPr>
+              <a:t> + </a:t>
+            </a:r>
+            <a:r>
+              <a:rPr lang="en" sz="1600" b="0" i="0" u="none" strike="noStrike" cap="none" dirty="0">
+                <a:solidFill>
+                  <a:srgbClr val="FF9900"/>
+                </a:solidFill>
+                <a:latin typeface="Courier New"/>
+                <a:ea typeface="Courier New"/>
+                <a:cs typeface="Courier New"/>
+                <a:sym typeface="Courier New"/>
+              </a:rPr>
+              <a:t>[Sib </a:t>
+            </a:r>
+            <a:r>
+              <a:rPr lang="en" sz="1600" b="0" i="0" u="none" strike="noStrike" cap="none" dirty="0" err="1">
+                <a:solidFill>
+                  <a:srgbClr val="FF9900"/>
+                </a:solidFill>
+                <a:latin typeface="Courier New"/>
+                <a:ea typeface="Courier New"/>
+                <a:cs typeface="Courier New"/>
+                <a:sym typeface="Courier New"/>
+              </a:rPr>
+              <a:t>Sp</a:t>
+            </a:r>
+            <a:r>
+              <a:rPr lang="en" sz="1600" b="0" i="0" u="none" strike="noStrike" cap="none" dirty="0">
+                <a:solidFill>
+                  <a:srgbClr val="FF9900"/>
+                </a:solidFill>
+                <a:latin typeface="Courier New"/>
+                <a:ea typeface="Courier New"/>
+                <a:cs typeface="Courier New"/>
+                <a:sym typeface="Courier New"/>
+              </a:rPr>
+              <a:t>] </a:t>
+            </a:r>
+            <a:r>
+              <a:rPr lang="en" sz="1600" i="0" u="none" strike="noStrike" cap="none" dirty="0">
+                <a:solidFill>
+                  <a:srgbClr val="000000"/>
+                </a:solidFill>
+                <a:latin typeface="Nunito"/>
+                <a:ea typeface="Nunito"/>
+                <a:cs typeface="Nunito"/>
+                <a:sym typeface="Nunito"/>
+              </a:rPr>
+              <a:t>(notice Tablea</a:t>
+            </a:r>
+            <a:r>
+              <a:rPr lang="en" sz="1600" dirty="0">
+                <a:solidFill>
+                  <a:srgbClr val="000000"/>
+                </a:solidFill>
+                <a:latin typeface="Nunito"/>
+                <a:ea typeface="Nunito"/>
+                <a:cs typeface="Nunito"/>
+                <a:sym typeface="Nunito"/>
+              </a:rPr>
+              <a:t>u offers autocomplete)</a:t>
+            </a:r>
+            <a:r>
+              <a:rPr lang="en" sz="1600" i="0" u="none" strike="noStrike" cap="none" dirty="0">
+                <a:solidFill>
+                  <a:srgbClr val="000000"/>
+                </a:solidFill>
+                <a:latin typeface="Nunito"/>
+                <a:ea typeface="Nunito"/>
+                <a:cs typeface="Nunito"/>
+                <a:sym typeface="Nunito"/>
+              </a:rPr>
+              <a:t> </a:t>
+            </a:r>
+            <a:endParaRPr sz="1600" i="0" u="none" strike="noStrike" cap="none" dirty="0">
+              <a:solidFill>
+                <a:srgbClr val="000000"/>
+              </a:solidFill>
+              <a:latin typeface="Nunito"/>
+              <a:ea typeface="Nunito"/>
+              <a:cs typeface="Nunito"/>
+              <a:sym typeface="Nunito"/>
+            </a:endParaRPr>
+          </a:p>
+          <a:p>
+            <a:pPr marL="914400" marR="0" lvl="1" indent="-330200" algn="l" rtl="0">
+              <a:lnSpc>
+                <a:spcPct val="115000"/>
+              </a:lnSpc>
+              <a:spcBef>
+                <a:spcPts val="0"/>
+              </a:spcBef>
+              <a:spcAft>
+                <a:spcPts val="0"/>
+              </a:spcAft>
+              <a:buClr>
+                <a:srgbClr val="000000"/>
+              </a:buClr>
+              <a:buSzPts val="1600"/>
+              <a:buFont typeface="Nunito"/>
+              <a:buChar char="○"/>
+            </a:pPr>
+            <a:r>
+              <a:rPr lang="en" sz="1600" dirty="0">
+                <a:solidFill>
+                  <a:schemeClr val="dk1"/>
+                </a:solidFill>
+                <a:highlight>
+                  <a:srgbClr val="FFFF00"/>
+                </a:highlight>
+                <a:latin typeface="Nunito"/>
+                <a:ea typeface="Nunito"/>
+                <a:cs typeface="Nunito"/>
+                <a:sym typeface="Nunito"/>
+              </a:rPr>
+              <a:t>[Action]</a:t>
+            </a:r>
+            <a:r>
+              <a:rPr lang="en" sz="1600" dirty="0">
+                <a:solidFill>
+                  <a:schemeClr val="dk1"/>
+                </a:solidFill>
+                <a:latin typeface="Nunito"/>
+                <a:ea typeface="Nunito"/>
+                <a:cs typeface="Nunito"/>
+                <a:sym typeface="Nunito"/>
+              </a:rPr>
+              <a:t> </a:t>
+            </a:r>
+            <a:r>
+              <a:rPr lang="en" sz="1600" b="0" i="0" u="none" strike="noStrike" cap="none" dirty="0">
+                <a:solidFill>
+                  <a:srgbClr val="000000"/>
+                </a:solidFill>
+                <a:latin typeface="Nunito"/>
+                <a:ea typeface="Nunito"/>
+                <a:cs typeface="Nunito"/>
+                <a:sym typeface="Nunito"/>
+              </a:rPr>
+              <a:t>On a new sheet visualize this in a histogram.</a:t>
+            </a:r>
+            <a:endParaRPr sz="1600" b="0" i="0" u="none" strike="noStrike" cap="none" dirty="0">
+              <a:solidFill>
+                <a:srgbClr val="000000"/>
+              </a:solidFill>
+              <a:latin typeface="Nunito"/>
+              <a:ea typeface="Nunito"/>
+              <a:cs typeface="Nunito"/>
+              <a:sym typeface="Nunito"/>
+            </a:endParaRPr>
+          </a:p>
+          <a:p>
+            <a:pPr marL="457200" marR="0" lvl="0" indent="-330200" algn="l" rtl="0">
+              <a:lnSpc>
+                <a:spcPct val="115000"/>
+              </a:lnSpc>
+              <a:spcBef>
+                <a:spcPts val="0"/>
+              </a:spcBef>
+              <a:spcAft>
+                <a:spcPts val="0"/>
+              </a:spcAft>
+              <a:buClr>
+                <a:srgbClr val="000000"/>
+              </a:buClr>
+              <a:buSzPts val="1600"/>
+              <a:buFont typeface="Nunito"/>
+              <a:buChar char="●"/>
+            </a:pPr>
+            <a:r>
+              <a:rPr lang="en" sz="1600" b="0" i="0" u="none" strike="noStrike" cap="none" dirty="0">
+                <a:solidFill>
+                  <a:srgbClr val="000000"/>
+                </a:solidFill>
+                <a:latin typeface="Nunito"/>
+                <a:ea typeface="Nunito"/>
+                <a:cs typeface="Nunito"/>
+                <a:sym typeface="Nunito"/>
+              </a:rPr>
+              <a:t>What does this distribution of family size mean?</a:t>
+            </a:r>
+            <a:endParaRPr sz="1600" b="0" i="0" u="none" strike="noStrike" cap="none" dirty="0">
+              <a:solidFill>
+                <a:srgbClr val="000000"/>
               </a:solidFill>
               <a:latin typeface="Nunito"/>
               <a:ea typeface="Nunito"/>
@@ -24114,7 +24091,7 @@
               <a:buNone/>
             </a:pPr>
             <a:r>
-              <a:rPr lang="en" sz="2800" b="1" i="0" u="none" strike="noStrike" cap="none" dirty="0" smtClean="0">
+              <a:rPr lang="en" sz="2800" b="1" i="0" u="none" strike="noStrike" cap="none">
                 <a:solidFill>
                   <a:schemeClr val="dk2"/>
                 </a:solidFill>
@@ -24123,9 +24100,9 @@
                 <a:cs typeface="Maven Pro"/>
                 <a:sym typeface="Maven Pro"/>
               </a:rPr>
-              <a:t>Dimensions Export</a:t>
-            </a:r>
-            <a:endParaRPr sz="2800" b="1" i="0" u="none" strike="noStrike" cap="none" dirty="0">
+              <a:t>Analytics</a:t>
+            </a:r>
+            <a:endParaRPr sz="2800" b="1" i="0" u="none" strike="noStrike" cap="none">
               <a:solidFill>
                 <a:schemeClr val="dk2"/>
               </a:solidFill>
@@ -24184,6 +24161,369 @@
               <a:buChar char="●"/>
             </a:pPr>
             <a:r>
+              <a:rPr lang="en" sz="2200" b="0" i="0" u="none" strike="noStrike" cap="none">
+                <a:solidFill>
+                  <a:srgbClr val="333333"/>
+                </a:solidFill>
+                <a:latin typeface="Nunito"/>
+                <a:ea typeface="Nunito"/>
+                <a:cs typeface="Nunito"/>
+                <a:sym typeface="Nunito"/>
+              </a:rPr>
+              <a:t>The Analytics pane provides quick and easy access to common analytic features in Tableau.</a:t>
+            </a:r>
+            <a:endParaRPr sz="2200" b="0" i="0" u="none" strike="noStrike" cap="none">
+              <a:solidFill>
+                <a:srgbClr val="333333"/>
+              </a:solidFill>
+              <a:latin typeface="Nunito"/>
+              <a:ea typeface="Nunito"/>
+              <a:cs typeface="Nunito"/>
+              <a:sym typeface="Nunito"/>
+            </a:endParaRPr>
+          </a:p>
+          <a:p>
+            <a:pPr marL="914400" marR="0" lvl="1" indent="-368300" algn="l" rtl="0">
+              <a:lnSpc>
+                <a:spcPct val="115000"/>
+              </a:lnSpc>
+              <a:spcBef>
+                <a:spcPts val="0"/>
+              </a:spcBef>
+              <a:spcAft>
+                <a:spcPts val="0"/>
+              </a:spcAft>
+              <a:buClr>
+                <a:srgbClr val="333333"/>
+              </a:buClr>
+              <a:buSzPts val="2200"/>
+              <a:buFont typeface="Nunito"/>
+              <a:buChar char="○"/>
+            </a:pPr>
+            <a:r>
+              <a:rPr lang="en" sz="2200" b="0" i="0" u="none" strike="noStrike" cap="none">
+                <a:solidFill>
+                  <a:srgbClr val="333333"/>
+                </a:solidFill>
+                <a:latin typeface="Nunito"/>
+                <a:ea typeface="Nunito"/>
+                <a:cs typeface="Nunito"/>
+                <a:sym typeface="Nunito"/>
+              </a:rPr>
+              <a:t>You can use this pane to add average lines, trend lines, totals and more.</a:t>
+            </a:r>
+            <a:endParaRPr sz="2200" b="0" i="0" u="none" strike="noStrike" cap="none">
+              <a:solidFill>
+                <a:srgbClr val="333333"/>
+              </a:solidFill>
+              <a:latin typeface="Nunito"/>
+              <a:ea typeface="Nunito"/>
+              <a:cs typeface="Nunito"/>
+              <a:sym typeface="Nunito"/>
+            </a:endParaRPr>
+          </a:p>
+          <a:p>
+            <a:pPr marL="914400" marR="0" lvl="1" indent="-368300" algn="l" rtl="0">
+              <a:lnSpc>
+                <a:spcPct val="115000"/>
+              </a:lnSpc>
+              <a:spcBef>
+                <a:spcPts val="0"/>
+              </a:spcBef>
+              <a:spcAft>
+                <a:spcPts val="0"/>
+              </a:spcAft>
+              <a:buClr>
+                <a:srgbClr val="333333"/>
+              </a:buClr>
+              <a:buSzPts val="2200"/>
+              <a:buFont typeface="Nunito"/>
+              <a:buChar char="○"/>
+            </a:pPr>
+            <a:r>
+              <a:rPr lang="en" sz="2200">
+                <a:solidFill>
+                  <a:srgbClr val="333333"/>
+                </a:solidFill>
+                <a:highlight>
+                  <a:srgbClr val="FFFF00"/>
+                </a:highlight>
+                <a:latin typeface="Nunito"/>
+                <a:ea typeface="Nunito"/>
+                <a:cs typeface="Nunito"/>
+                <a:sym typeface="Nunito"/>
+              </a:rPr>
+              <a:t>[Action]</a:t>
+            </a:r>
+            <a:r>
+              <a:rPr lang="en" sz="2200">
+                <a:solidFill>
+                  <a:srgbClr val="333333"/>
+                </a:solidFill>
+                <a:latin typeface="Nunito"/>
+                <a:ea typeface="Nunito"/>
+                <a:cs typeface="Nunito"/>
+                <a:sym typeface="Nunito"/>
+              </a:rPr>
+              <a:t> </a:t>
+            </a:r>
+            <a:r>
+              <a:rPr lang="en" sz="2200" b="0" i="0" u="none" strike="noStrike" cap="none">
+                <a:solidFill>
+                  <a:srgbClr val="333333"/>
+                </a:solidFill>
+                <a:latin typeface="Nunito"/>
+                <a:ea typeface="Nunito"/>
+                <a:cs typeface="Nunito"/>
+                <a:sym typeface="Nunito"/>
+              </a:rPr>
+              <a:t>Try adding a</a:t>
+            </a:r>
+            <a:r>
+              <a:rPr lang="en" sz="2200">
+                <a:solidFill>
+                  <a:srgbClr val="333333"/>
+                </a:solidFill>
+                <a:latin typeface="Nunito"/>
+                <a:ea typeface="Nunito"/>
+                <a:cs typeface="Nunito"/>
+                <a:sym typeface="Nunito"/>
+              </a:rPr>
+              <a:t>n average</a:t>
+            </a:r>
+            <a:r>
+              <a:rPr lang="en" sz="2200" b="0" i="0" u="none" strike="noStrike" cap="none">
+                <a:solidFill>
+                  <a:srgbClr val="333333"/>
+                </a:solidFill>
+                <a:latin typeface="Nunito"/>
+                <a:ea typeface="Nunito"/>
+                <a:cs typeface="Nunito"/>
+                <a:sym typeface="Nunito"/>
+              </a:rPr>
+              <a:t> line to your scatter plot</a:t>
+            </a:r>
+            <a:endParaRPr sz="2200">
+              <a:solidFill>
+                <a:srgbClr val="333333"/>
+              </a:solidFill>
+              <a:latin typeface="Nunito"/>
+              <a:ea typeface="Nunito"/>
+              <a:cs typeface="Nunito"/>
+              <a:sym typeface="Nunito"/>
+            </a:endParaRPr>
+          </a:p>
+          <a:p>
+            <a:pPr marL="914400" marR="0" lvl="1" indent="-368300" algn="l" rtl="0">
+              <a:lnSpc>
+                <a:spcPct val="115000"/>
+              </a:lnSpc>
+              <a:spcBef>
+                <a:spcPts val="0"/>
+              </a:spcBef>
+              <a:spcAft>
+                <a:spcPts val="0"/>
+              </a:spcAft>
+              <a:buClr>
+                <a:srgbClr val="333333"/>
+              </a:buClr>
+              <a:buSzPts val="2200"/>
+              <a:buFont typeface="Nunito"/>
+              <a:buChar char="○"/>
+            </a:pPr>
+            <a:r>
+              <a:rPr lang="en" sz="2200">
+                <a:solidFill>
+                  <a:srgbClr val="333333"/>
+                </a:solidFill>
+                <a:highlight>
+                  <a:srgbClr val="FFFF00"/>
+                </a:highlight>
+                <a:latin typeface="Nunito"/>
+                <a:ea typeface="Nunito"/>
+                <a:cs typeface="Nunito"/>
+                <a:sym typeface="Nunito"/>
+              </a:rPr>
+              <a:t>[Action]</a:t>
+            </a:r>
+            <a:r>
+              <a:rPr lang="en" sz="2200">
+                <a:solidFill>
+                  <a:srgbClr val="333333"/>
+                </a:solidFill>
+                <a:latin typeface="Nunito"/>
+                <a:ea typeface="Nunito"/>
+                <a:cs typeface="Nunito"/>
+                <a:sym typeface="Nunito"/>
+              </a:rPr>
+              <a:t> Try adding </a:t>
+            </a:r>
+            <a:r>
+              <a:rPr lang="en" sz="2200" b="0" i="0" u="none" strike="noStrike" cap="none">
+                <a:solidFill>
+                  <a:srgbClr val="333333"/>
+                </a:solidFill>
+                <a:latin typeface="Nunito"/>
+                <a:ea typeface="Nunito"/>
+                <a:cs typeface="Nunito"/>
+                <a:sym typeface="Nunito"/>
+              </a:rPr>
+              <a:t>totals to your text table.</a:t>
+            </a:r>
+            <a:endParaRPr sz="2200" b="0" i="0" u="none" strike="noStrike" cap="none">
+              <a:solidFill>
+                <a:schemeClr val="dk2"/>
+              </a:solidFill>
+              <a:latin typeface="Nunito"/>
+              <a:ea typeface="Nunito"/>
+              <a:cs typeface="Nunito"/>
+              <a:sym typeface="Nunito"/>
+            </a:endParaRPr>
+          </a:p>
+        </p:txBody>
+      </p:sp>
+    </p:spTree>
+  </p:cSld>
+  <p:clrMapOvr>
+    <a:masterClrMapping/>
+  </p:clrMapOvr>
+</p:sld>
+</file>
+
+<file path=ppt/slides/slide42.xml><?xml version="1.0" encoding="utf-8"?>
+<p:sld xmlns:a="http://schemas.openxmlformats.org/drawingml/2006/main" xmlns:r="http://schemas.openxmlformats.org/officeDocument/2006/relationships" xmlns:p="http://schemas.openxmlformats.org/presentationml/2006/main">
+  <p:cSld>
+    <p:spTree>
+      <p:nvGrpSpPr>
+        <p:cNvPr id="1" name="Shape 235"/>
+        <p:cNvGrpSpPr/>
+        <p:nvPr/>
+      </p:nvGrpSpPr>
+      <p:grpSpPr>
+        <a:xfrm>
+          <a:off x="0" y="0"/>
+          <a:ext cx="0" cy="0"/>
+          <a:chOff x="0" y="0"/>
+          <a:chExt cx="0" cy="0"/>
+        </a:xfrm>
+      </p:grpSpPr>
+      <p:sp>
+        <p:nvSpPr>
+          <p:cNvPr id="236" name="Google Shape;236;p43"/>
+          <p:cNvSpPr txBox="1">
+            <a:spLocks noGrp="1"/>
+          </p:cNvSpPr>
+          <p:nvPr>
+            <p:ph type="title"/>
+          </p:nvPr>
+        </p:nvSpPr>
+        <p:spPr>
+          <a:xfrm>
+            <a:off x="311700" y="445025"/>
+            <a:ext cx="8520600" cy="572700"/>
+          </a:xfrm>
+          <a:prstGeom prst="rect">
+            <a:avLst/>
+          </a:prstGeom>
+          <a:noFill/>
+          <a:ln>
+            <a:noFill/>
+          </a:ln>
+        </p:spPr>
+        <p:txBody>
+          <a:bodyPr spcFirstLastPara="1" wrap="square" lIns="91425" tIns="91425" rIns="91425" bIns="91425" anchor="t" anchorCtr="0">
+            <a:noAutofit/>
+          </a:bodyPr>
+          <a:lstStyle/>
+          <a:p>
+            <a:pPr marL="0" marR="0" lvl="0" indent="0" algn="l" rtl="0">
+              <a:lnSpc>
+                <a:spcPct val="100000"/>
+              </a:lnSpc>
+              <a:spcBef>
+                <a:spcPts val="0"/>
+              </a:spcBef>
+              <a:spcAft>
+                <a:spcPts val="0"/>
+              </a:spcAft>
+              <a:buClr>
+                <a:schemeClr val="dk2"/>
+              </a:buClr>
+              <a:buSzPts val="2800"/>
+              <a:buFont typeface="Maven Pro"/>
+              <a:buNone/>
+            </a:pPr>
+            <a:r>
+              <a:rPr lang="en" sz="2800" b="1" i="0" u="none" strike="noStrike" cap="none" dirty="0" smtClean="0">
+                <a:solidFill>
+                  <a:schemeClr val="dk2"/>
+                </a:solidFill>
+                <a:latin typeface="Maven Pro"/>
+                <a:ea typeface="Maven Pro"/>
+                <a:cs typeface="Maven Pro"/>
+                <a:sym typeface="Maven Pro"/>
+              </a:rPr>
+              <a:t>Dimensions Export</a:t>
+            </a:r>
+            <a:endParaRPr sz="2800" b="1" i="0" u="none" strike="noStrike" cap="none" dirty="0">
+              <a:solidFill>
+                <a:schemeClr val="dk2"/>
+              </a:solidFill>
+              <a:latin typeface="Maven Pro"/>
+              <a:ea typeface="Maven Pro"/>
+              <a:cs typeface="Maven Pro"/>
+              <a:sym typeface="Maven Pro"/>
+            </a:endParaRPr>
+          </a:p>
+        </p:txBody>
+      </p:sp>
+      <p:sp>
+        <p:nvSpPr>
+          <p:cNvPr id="237" name="Google Shape;237;p43"/>
+          <p:cNvSpPr txBox="1">
+            <a:spLocks noGrp="1"/>
+          </p:cNvSpPr>
+          <p:nvPr>
+            <p:ph type="body" idx="1"/>
+          </p:nvPr>
+        </p:nvSpPr>
+        <p:spPr>
+          <a:xfrm>
+            <a:off x="639350" y="1533225"/>
+            <a:ext cx="7856700" cy="2541600"/>
+          </a:xfrm>
+          <a:prstGeom prst="rect">
+            <a:avLst/>
+          </a:prstGeom>
+          <a:noFill/>
+          <a:ln>
+            <a:noFill/>
+          </a:ln>
+        </p:spPr>
+        <p:txBody>
+          <a:bodyPr spcFirstLastPara="1" wrap="square" lIns="91425" tIns="91425" rIns="91425" bIns="91425" anchor="t" anchorCtr="0">
+            <a:noAutofit/>
+          </a:bodyPr>
+          <a:lstStyle/>
+          <a:p>
+            <a:pPr marL="457200" marR="0" lvl="0" indent="-368300" algn="l" rtl="0">
+              <a:lnSpc>
+                <a:spcPct val="115000"/>
+              </a:lnSpc>
+              <a:spcBef>
+                <a:spcPts val="0"/>
+              </a:spcBef>
+              <a:spcAft>
+                <a:spcPts val="0"/>
+              </a:spcAft>
+              <a:buClr>
+                <a:srgbClr val="000000"/>
+              </a:buClr>
+              <a:buSzPts val="2200"/>
+              <a:buFont typeface="Nunito"/>
+              <a:buChar char="●"/>
+            </a:pPr>
+            <a:r>
               <a:rPr lang="en-US" sz="2200" dirty="0" smtClean="0">
                 <a:solidFill>
                   <a:srgbClr val="333333"/>
@@ -24406,7 +24746,7 @@
 </p:sld>
 </file>
 
-<file path=ppt/slides/slide42.xml><?xml version="1.0" encoding="utf-8"?>
+<file path=ppt/slides/slide43.xml><?xml version="1.0" encoding="utf-8"?>
 <p:sld xmlns:a="http://schemas.openxmlformats.org/drawingml/2006/main" xmlns:r="http://schemas.openxmlformats.org/officeDocument/2006/relationships" xmlns:p="http://schemas.openxmlformats.org/presentationml/2006/main">
   <p:cSld>
     <p:spTree>
@@ -24501,7 +24841,7 @@
 </p:sld>
 </file>
 
-<file path=ppt/slides/slide43.xml><?xml version="1.0" encoding="utf-8"?>
+<file path=ppt/slides/slide44.xml><?xml version="1.0" encoding="utf-8"?>
 <p:sld xmlns:a="http://schemas.openxmlformats.org/drawingml/2006/main" xmlns:r="http://schemas.openxmlformats.org/officeDocument/2006/relationships" xmlns:p="http://schemas.openxmlformats.org/presentationml/2006/main">
   <p:cSld>
     <p:spTree>
@@ -24902,7 +25242,7 @@
 </p:sld>
 </file>
 
-<file path=ppt/slides/slide44.xml><?xml version="1.0" encoding="utf-8"?>
+<file path=ppt/slides/slide45.xml><?xml version="1.0" encoding="utf-8"?>
 <p:sld xmlns:a="http://schemas.openxmlformats.org/drawingml/2006/main" xmlns:r="http://schemas.openxmlformats.org/officeDocument/2006/relationships" xmlns:p="http://schemas.openxmlformats.org/presentationml/2006/main">
   <p:cSld>
     <p:spTree>
@@ -25145,7 +25485,7 @@
 </p:sld>
 </file>
 
-<file path=ppt/slides/slide45.xml><?xml version="1.0" encoding="utf-8"?>
+<file path=ppt/slides/slide46.xml><?xml version="1.0" encoding="utf-8"?>
 <p:sld xmlns:a="http://schemas.openxmlformats.org/drawingml/2006/main" xmlns:r="http://schemas.openxmlformats.org/officeDocument/2006/relationships" xmlns:p="http://schemas.openxmlformats.org/presentationml/2006/main" show="0">
   <p:cSld>
     <p:spTree>
@@ -25248,7 +25588,7 @@
 </p:sld>
 </file>
 
-<file path=ppt/slides/slide46.xml><?xml version="1.0" encoding="utf-8"?>
+<file path=ppt/slides/slide47.xml><?xml version="1.0" encoding="utf-8"?>
 <p:sld xmlns:a="http://schemas.openxmlformats.org/drawingml/2006/main" xmlns:r="http://schemas.openxmlformats.org/officeDocument/2006/relationships" xmlns:p="http://schemas.openxmlformats.org/presentationml/2006/main" show="0">
   <p:cSld>
     <p:spTree>
@@ -25729,7 +26069,7 @@
 </p:sld>
 </file>
 
-<file path=ppt/slides/slide47.xml><?xml version="1.0" encoding="utf-8"?>
+<file path=ppt/slides/slide48.xml><?xml version="1.0" encoding="utf-8"?>
 <p:sld xmlns:a="http://schemas.openxmlformats.org/drawingml/2006/main" xmlns:r="http://schemas.openxmlformats.org/officeDocument/2006/relationships" xmlns:p="http://schemas.openxmlformats.org/presentationml/2006/main" show="0">
   <p:cSld>
     <p:spTree>
@@ -26243,7 +26583,7 @@
 </p:sld>
 </file>
 
-<file path=ppt/slides/slide48.xml><?xml version="1.0" encoding="utf-8"?>
+<file path=ppt/slides/slide49.xml><?xml version="1.0" encoding="utf-8"?>
 <p:sld xmlns:a="http://schemas.openxmlformats.org/drawingml/2006/main" xmlns:r="http://schemas.openxmlformats.org/officeDocument/2006/relationships" xmlns:p="http://schemas.openxmlformats.org/presentationml/2006/main">
   <p:cSld>
     <p:spTree>
@@ -26326,411 +26666,6 @@
               <a:ea typeface="Maven Pro"/>
               <a:cs typeface="Maven Pro"/>
               <a:sym typeface="Maven Pro"/>
-            </a:endParaRPr>
-          </a:p>
-        </p:txBody>
-      </p:sp>
-    </p:spTree>
-  </p:cSld>
-  <p:clrMapOvr>
-    <a:masterClrMapping/>
-  </p:clrMapOvr>
-</p:sld>
-</file>
-
-<file path=ppt/slides/slide49.xml><?xml version="1.0" encoding="utf-8"?>
-<p:sld xmlns:a="http://schemas.openxmlformats.org/drawingml/2006/main" xmlns:r="http://schemas.openxmlformats.org/officeDocument/2006/relationships" xmlns:p="http://schemas.openxmlformats.org/presentationml/2006/main">
-  <p:cSld>
-    <p:spTree>
-      <p:nvGrpSpPr>
-        <p:cNvPr id="1" name="Shape 280"/>
-        <p:cNvGrpSpPr/>
-        <p:nvPr/>
-      </p:nvGrpSpPr>
-      <p:grpSpPr>
-        <a:xfrm>
-          <a:off x="0" y="0"/>
-          <a:ext cx="0" cy="0"/>
-          <a:chOff x="0" y="0"/>
-          <a:chExt cx="0" cy="0"/>
-        </a:xfrm>
-      </p:grpSpPr>
-      <p:sp>
-        <p:nvSpPr>
-          <p:cNvPr id="281" name="Google Shape;281;p51"/>
-          <p:cNvSpPr txBox="1">
-            <a:spLocks noGrp="1"/>
-          </p:cNvSpPr>
-          <p:nvPr>
-            <p:ph type="title"/>
-          </p:nvPr>
-        </p:nvSpPr>
-        <p:spPr>
-          <a:xfrm>
-            <a:off x="311700" y="445025"/>
-            <a:ext cx="8520600" cy="572700"/>
-          </a:xfrm>
-          <a:prstGeom prst="rect">
-            <a:avLst/>
-          </a:prstGeom>
-          <a:noFill/>
-          <a:ln>
-            <a:noFill/>
-          </a:ln>
-        </p:spPr>
-        <p:txBody>
-          <a:bodyPr spcFirstLastPara="1" wrap="square" lIns="91425" tIns="91425" rIns="91425" bIns="91425" anchor="t" anchorCtr="0">
-            <a:noAutofit/>
-          </a:bodyPr>
-          <a:lstStyle/>
-          <a:p>
-            <a:pPr marL="0" marR="0" lvl="0" indent="0" algn="l" rtl="0">
-              <a:lnSpc>
-                <a:spcPct val="100000"/>
-              </a:lnSpc>
-              <a:spcBef>
-                <a:spcPts val="0"/>
-              </a:spcBef>
-              <a:spcAft>
-                <a:spcPts val="0"/>
-              </a:spcAft>
-              <a:buClr>
-                <a:schemeClr val="dk2"/>
-              </a:buClr>
-              <a:buSzPts val="2800"/>
-              <a:buFont typeface="Maven Pro"/>
-              <a:buNone/>
-            </a:pPr>
-            <a:r>
-              <a:rPr lang="en" sz="2800" b="1" i="0" u="none" strike="noStrike" cap="none">
-                <a:solidFill>
-                  <a:schemeClr val="dk2"/>
-                </a:solidFill>
-                <a:latin typeface="Maven Pro"/>
-                <a:ea typeface="Maven Pro"/>
-                <a:cs typeface="Maven Pro"/>
-                <a:sym typeface="Maven Pro"/>
-              </a:rPr>
-              <a:t>Further Learning: Topics</a:t>
-            </a:r>
-            <a:endParaRPr sz="2800" b="1" i="0" u="none" strike="noStrike" cap="none">
-              <a:solidFill>
-                <a:schemeClr val="dk2"/>
-              </a:solidFill>
-              <a:latin typeface="Maven Pro"/>
-              <a:ea typeface="Maven Pro"/>
-              <a:cs typeface="Maven Pro"/>
-              <a:sym typeface="Maven Pro"/>
-            </a:endParaRPr>
-          </a:p>
-        </p:txBody>
-      </p:sp>
-      <p:sp>
-        <p:nvSpPr>
-          <p:cNvPr id="282" name="Google Shape;282;p51"/>
-          <p:cNvSpPr txBox="1">
-            <a:spLocks noGrp="1"/>
-          </p:cNvSpPr>
-          <p:nvPr>
-            <p:ph type="body" idx="1"/>
-          </p:nvPr>
-        </p:nvSpPr>
-        <p:spPr>
-          <a:xfrm>
-            <a:off x="607150" y="1676550"/>
-            <a:ext cx="8170500" cy="3025800"/>
-          </a:xfrm>
-          <a:prstGeom prst="rect">
-            <a:avLst/>
-          </a:prstGeom>
-          <a:noFill/>
-          <a:ln>
-            <a:noFill/>
-          </a:ln>
-        </p:spPr>
-        <p:txBody>
-          <a:bodyPr spcFirstLastPara="1" wrap="square" lIns="91425" tIns="91425" rIns="91425" bIns="91425" anchor="t" anchorCtr="0">
-            <a:noAutofit/>
-          </a:bodyPr>
-          <a:lstStyle/>
-          <a:p>
-            <a:pPr marL="457200" marR="0" lvl="0" indent="-355600" algn="l" rtl="0">
-              <a:lnSpc>
-                <a:spcPct val="115000"/>
-              </a:lnSpc>
-              <a:spcBef>
-                <a:spcPts val="0"/>
-              </a:spcBef>
-              <a:spcAft>
-                <a:spcPts val="0"/>
-              </a:spcAft>
-              <a:buClr>
-                <a:schemeClr val="dk2"/>
-              </a:buClr>
-              <a:buSzPts val="2000"/>
-              <a:buFont typeface="Nunito"/>
-              <a:buChar char="●"/>
-            </a:pPr>
-            <a:r>
-              <a:rPr lang="en" sz="2000" b="0" i="0" u="none" strike="noStrike" cap="none">
-                <a:solidFill>
-                  <a:schemeClr val="dk2"/>
-                </a:solidFill>
-                <a:latin typeface="Nunito"/>
-                <a:ea typeface="Nunito"/>
-                <a:cs typeface="Nunito"/>
-                <a:sym typeface="Nunito"/>
-              </a:rPr>
-              <a:t>Formatting</a:t>
-            </a:r>
-            <a:endParaRPr sz="2000" b="0" i="0" u="none" strike="noStrike" cap="none">
-              <a:solidFill>
-                <a:schemeClr val="dk2"/>
-              </a:solidFill>
-              <a:latin typeface="Nunito"/>
-              <a:ea typeface="Nunito"/>
-              <a:cs typeface="Nunito"/>
-              <a:sym typeface="Nunito"/>
-            </a:endParaRPr>
-          </a:p>
-          <a:p>
-            <a:pPr marL="457200" marR="0" lvl="0" indent="-355600" algn="l" rtl="0">
-              <a:lnSpc>
-                <a:spcPct val="115000"/>
-              </a:lnSpc>
-              <a:spcBef>
-                <a:spcPts val="0"/>
-              </a:spcBef>
-              <a:spcAft>
-                <a:spcPts val="0"/>
-              </a:spcAft>
-              <a:buClr>
-                <a:schemeClr val="dk2"/>
-              </a:buClr>
-              <a:buSzPts val="2000"/>
-              <a:buFont typeface="Nunito"/>
-              <a:buChar char="●"/>
-            </a:pPr>
-            <a:r>
-              <a:rPr lang="en" sz="2000" b="0" i="0" u="none" strike="noStrike" cap="none">
-                <a:solidFill>
-                  <a:schemeClr val="dk2"/>
-                </a:solidFill>
-                <a:latin typeface="Nunito"/>
-                <a:ea typeface="Nunito"/>
-                <a:cs typeface="Nunito"/>
-                <a:sym typeface="Nunito"/>
-              </a:rPr>
-              <a:t>Data Cleaning</a:t>
-            </a:r>
-            <a:endParaRPr sz="2000" b="0" i="0" u="none" strike="noStrike" cap="none">
-              <a:solidFill>
-                <a:schemeClr val="dk2"/>
-              </a:solidFill>
-              <a:latin typeface="Nunito"/>
-              <a:ea typeface="Nunito"/>
-              <a:cs typeface="Nunito"/>
-              <a:sym typeface="Nunito"/>
-            </a:endParaRPr>
-          </a:p>
-          <a:p>
-            <a:pPr marL="457200" marR="0" lvl="0" indent="-355600" algn="l" rtl="0">
-              <a:lnSpc>
-                <a:spcPct val="115000"/>
-              </a:lnSpc>
-              <a:spcBef>
-                <a:spcPts val="0"/>
-              </a:spcBef>
-              <a:spcAft>
-                <a:spcPts val="0"/>
-              </a:spcAft>
-              <a:buClr>
-                <a:schemeClr val="dk2"/>
-              </a:buClr>
-              <a:buSzPts val="2000"/>
-              <a:buFont typeface="Nunito"/>
-              <a:buChar char="●"/>
-            </a:pPr>
-            <a:r>
-              <a:rPr lang="en" sz="2000" b="0" i="0" u="none" strike="noStrike" cap="none">
-                <a:solidFill>
-                  <a:schemeClr val="dk2"/>
-                </a:solidFill>
-                <a:latin typeface="Nunito"/>
-                <a:ea typeface="Nunito"/>
-                <a:cs typeface="Nunito"/>
-                <a:sym typeface="Nunito"/>
-              </a:rPr>
-              <a:t>Advanced Calculations and Expressions</a:t>
-            </a:r>
-            <a:endParaRPr sz="2000" b="0" i="0" u="none" strike="noStrike" cap="none">
-              <a:solidFill>
-                <a:schemeClr val="dk2"/>
-              </a:solidFill>
-              <a:latin typeface="Nunito"/>
-              <a:ea typeface="Nunito"/>
-              <a:cs typeface="Nunito"/>
-              <a:sym typeface="Nunito"/>
-            </a:endParaRPr>
-          </a:p>
-          <a:p>
-            <a:pPr marL="457200" marR="0" lvl="0" indent="-355600" algn="l" rtl="0">
-              <a:lnSpc>
-                <a:spcPct val="115000"/>
-              </a:lnSpc>
-              <a:spcBef>
-                <a:spcPts val="0"/>
-              </a:spcBef>
-              <a:spcAft>
-                <a:spcPts val="0"/>
-              </a:spcAft>
-              <a:buClr>
-                <a:schemeClr val="dk2"/>
-              </a:buClr>
-              <a:buSzPts val="2000"/>
-              <a:buFont typeface="Nunito"/>
-              <a:buChar char="●"/>
-            </a:pPr>
-            <a:r>
-              <a:rPr lang="en" sz="2000" b="0" i="0" u="none" strike="noStrike" cap="none">
-                <a:solidFill>
-                  <a:schemeClr val="dk2"/>
-                </a:solidFill>
-                <a:latin typeface="Nunito"/>
-                <a:ea typeface="Nunito"/>
-                <a:cs typeface="Nunito"/>
-                <a:sym typeface="Nunito"/>
-              </a:rPr>
-              <a:t>Advanced Chart Types</a:t>
-            </a:r>
-            <a:endParaRPr sz="2000" b="0" i="0" u="none" strike="noStrike" cap="none">
-              <a:solidFill>
-                <a:schemeClr val="dk2"/>
-              </a:solidFill>
-              <a:latin typeface="Nunito"/>
-              <a:ea typeface="Nunito"/>
-              <a:cs typeface="Nunito"/>
-              <a:sym typeface="Nunito"/>
-            </a:endParaRPr>
-          </a:p>
-          <a:p>
-            <a:pPr marL="457200" marR="0" lvl="0" indent="-355600" algn="l" rtl="0">
-              <a:lnSpc>
-                <a:spcPct val="115000"/>
-              </a:lnSpc>
-              <a:spcBef>
-                <a:spcPts val="0"/>
-              </a:spcBef>
-              <a:spcAft>
-                <a:spcPts val="0"/>
-              </a:spcAft>
-              <a:buClr>
-                <a:schemeClr val="dk2"/>
-              </a:buClr>
-              <a:buSzPts val="2000"/>
-              <a:buFont typeface="Nunito"/>
-              <a:buChar char="●"/>
-            </a:pPr>
-            <a:r>
-              <a:rPr lang="en" sz="2000" b="0" i="0" u="none" strike="noStrike" cap="none">
-                <a:solidFill>
-                  <a:schemeClr val="dk2"/>
-                </a:solidFill>
-                <a:latin typeface="Nunito"/>
-                <a:ea typeface="Nunito"/>
-                <a:cs typeface="Nunito"/>
-                <a:sym typeface="Nunito"/>
-              </a:rPr>
-              <a:t>R Integration</a:t>
-            </a:r>
-            <a:endParaRPr sz="2000" b="0" i="0" u="none" strike="noStrike" cap="none">
-              <a:solidFill>
-                <a:schemeClr val="dk2"/>
-              </a:solidFill>
-              <a:latin typeface="Nunito"/>
-              <a:ea typeface="Nunito"/>
-              <a:cs typeface="Nunito"/>
-              <a:sym typeface="Nunito"/>
-            </a:endParaRPr>
-          </a:p>
-          <a:p>
-            <a:pPr marL="457200" marR="0" lvl="0" indent="-355600" algn="l" rtl="0">
-              <a:lnSpc>
-                <a:spcPct val="115000"/>
-              </a:lnSpc>
-              <a:spcBef>
-                <a:spcPts val="0"/>
-              </a:spcBef>
-              <a:spcAft>
-                <a:spcPts val="0"/>
-              </a:spcAft>
-              <a:buClr>
-                <a:schemeClr val="dk2"/>
-              </a:buClr>
-              <a:buSzPts val="2000"/>
-              <a:buFont typeface="Nunito"/>
-              <a:buChar char="●"/>
-            </a:pPr>
-            <a:r>
-              <a:rPr lang="en" sz="2000" b="0" i="0" u="none" strike="noStrike" cap="none">
-                <a:solidFill>
-                  <a:schemeClr val="dk2"/>
-                </a:solidFill>
-                <a:latin typeface="Nunito"/>
-                <a:ea typeface="Nunito"/>
-                <a:cs typeface="Nunito"/>
-                <a:sym typeface="Nunito"/>
-              </a:rPr>
-              <a:t>Geospatial Analysis</a:t>
-            </a:r>
-            <a:endParaRPr sz="2000" b="0" i="0" u="none" strike="noStrike" cap="none">
-              <a:solidFill>
-                <a:schemeClr val="dk2"/>
-              </a:solidFill>
-              <a:latin typeface="Nunito"/>
-              <a:ea typeface="Nunito"/>
-              <a:cs typeface="Nunito"/>
-              <a:sym typeface="Nunito"/>
-            </a:endParaRPr>
-          </a:p>
-          <a:p>
-            <a:pPr marL="457200" marR="0" lvl="0" indent="-355600" algn="l" rtl="0">
-              <a:lnSpc>
-                <a:spcPct val="115000"/>
-              </a:lnSpc>
-              <a:spcBef>
-                <a:spcPts val="0"/>
-              </a:spcBef>
-              <a:spcAft>
-                <a:spcPts val="0"/>
-              </a:spcAft>
-              <a:buClr>
-                <a:schemeClr val="dk2"/>
-              </a:buClr>
-              <a:buSzPts val="2000"/>
-              <a:buFont typeface="Nunito"/>
-              <a:buChar char="●"/>
-            </a:pPr>
-            <a:r>
-              <a:rPr lang="en" sz="2000" b="0" i="0" u="none" strike="noStrike" cap="none">
-                <a:solidFill>
-                  <a:schemeClr val="dk2"/>
-                </a:solidFill>
-                <a:latin typeface="Nunito"/>
-                <a:ea typeface="Nunito"/>
-                <a:cs typeface="Nunito"/>
-                <a:sym typeface="Nunito"/>
-              </a:rPr>
-              <a:t>Forecasting / Trend Lines / Regression</a:t>
-            </a:r>
-            <a:endParaRPr sz="2000" b="0" i="0" u="none" strike="noStrike" cap="none">
-              <a:solidFill>
-                <a:schemeClr val="dk2"/>
-              </a:solidFill>
-              <a:latin typeface="Nunito"/>
-              <a:ea typeface="Nunito"/>
-              <a:cs typeface="Nunito"/>
-              <a:sym typeface="Nunito"/>
             </a:endParaRPr>
           </a:p>
         </p:txBody>
@@ -26810,6 +26745,411 @@
   <p:cSld>
     <p:spTree>
       <p:nvGrpSpPr>
+        <p:cNvPr id="1" name="Shape 280"/>
+        <p:cNvGrpSpPr/>
+        <p:nvPr/>
+      </p:nvGrpSpPr>
+      <p:grpSpPr>
+        <a:xfrm>
+          <a:off x="0" y="0"/>
+          <a:ext cx="0" cy="0"/>
+          <a:chOff x="0" y="0"/>
+          <a:chExt cx="0" cy="0"/>
+        </a:xfrm>
+      </p:grpSpPr>
+      <p:sp>
+        <p:nvSpPr>
+          <p:cNvPr id="281" name="Google Shape;281;p51"/>
+          <p:cNvSpPr txBox="1">
+            <a:spLocks noGrp="1"/>
+          </p:cNvSpPr>
+          <p:nvPr>
+            <p:ph type="title"/>
+          </p:nvPr>
+        </p:nvSpPr>
+        <p:spPr>
+          <a:xfrm>
+            <a:off x="311700" y="445025"/>
+            <a:ext cx="8520600" cy="572700"/>
+          </a:xfrm>
+          <a:prstGeom prst="rect">
+            <a:avLst/>
+          </a:prstGeom>
+          <a:noFill/>
+          <a:ln>
+            <a:noFill/>
+          </a:ln>
+        </p:spPr>
+        <p:txBody>
+          <a:bodyPr spcFirstLastPara="1" wrap="square" lIns="91425" tIns="91425" rIns="91425" bIns="91425" anchor="t" anchorCtr="0">
+            <a:noAutofit/>
+          </a:bodyPr>
+          <a:lstStyle/>
+          <a:p>
+            <a:pPr marL="0" marR="0" lvl="0" indent="0" algn="l" rtl="0">
+              <a:lnSpc>
+                <a:spcPct val="100000"/>
+              </a:lnSpc>
+              <a:spcBef>
+                <a:spcPts val="0"/>
+              </a:spcBef>
+              <a:spcAft>
+                <a:spcPts val="0"/>
+              </a:spcAft>
+              <a:buClr>
+                <a:schemeClr val="dk2"/>
+              </a:buClr>
+              <a:buSzPts val="2800"/>
+              <a:buFont typeface="Maven Pro"/>
+              <a:buNone/>
+            </a:pPr>
+            <a:r>
+              <a:rPr lang="en" sz="2800" b="1" i="0" u="none" strike="noStrike" cap="none">
+                <a:solidFill>
+                  <a:schemeClr val="dk2"/>
+                </a:solidFill>
+                <a:latin typeface="Maven Pro"/>
+                <a:ea typeface="Maven Pro"/>
+                <a:cs typeface="Maven Pro"/>
+                <a:sym typeface="Maven Pro"/>
+              </a:rPr>
+              <a:t>Further Learning: Topics</a:t>
+            </a:r>
+            <a:endParaRPr sz="2800" b="1" i="0" u="none" strike="noStrike" cap="none">
+              <a:solidFill>
+                <a:schemeClr val="dk2"/>
+              </a:solidFill>
+              <a:latin typeface="Maven Pro"/>
+              <a:ea typeface="Maven Pro"/>
+              <a:cs typeface="Maven Pro"/>
+              <a:sym typeface="Maven Pro"/>
+            </a:endParaRPr>
+          </a:p>
+        </p:txBody>
+      </p:sp>
+      <p:sp>
+        <p:nvSpPr>
+          <p:cNvPr id="282" name="Google Shape;282;p51"/>
+          <p:cNvSpPr txBox="1">
+            <a:spLocks noGrp="1"/>
+          </p:cNvSpPr>
+          <p:nvPr>
+            <p:ph type="body" idx="1"/>
+          </p:nvPr>
+        </p:nvSpPr>
+        <p:spPr>
+          <a:xfrm>
+            <a:off x="607150" y="1676550"/>
+            <a:ext cx="8170500" cy="3025800"/>
+          </a:xfrm>
+          <a:prstGeom prst="rect">
+            <a:avLst/>
+          </a:prstGeom>
+          <a:noFill/>
+          <a:ln>
+            <a:noFill/>
+          </a:ln>
+        </p:spPr>
+        <p:txBody>
+          <a:bodyPr spcFirstLastPara="1" wrap="square" lIns="91425" tIns="91425" rIns="91425" bIns="91425" anchor="t" anchorCtr="0">
+            <a:noAutofit/>
+          </a:bodyPr>
+          <a:lstStyle/>
+          <a:p>
+            <a:pPr marL="457200" marR="0" lvl="0" indent="-355600" algn="l" rtl="0">
+              <a:lnSpc>
+                <a:spcPct val="115000"/>
+              </a:lnSpc>
+              <a:spcBef>
+                <a:spcPts val="0"/>
+              </a:spcBef>
+              <a:spcAft>
+                <a:spcPts val="0"/>
+              </a:spcAft>
+              <a:buClr>
+                <a:schemeClr val="dk2"/>
+              </a:buClr>
+              <a:buSzPts val="2000"/>
+              <a:buFont typeface="Nunito"/>
+              <a:buChar char="●"/>
+            </a:pPr>
+            <a:r>
+              <a:rPr lang="en" sz="2000" b="0" i="0" u="none" strike="noStrike" cap="none">
+                <a:solidFill>
+                  <a:schemeClr val="dk2"/>
+                </a:solidFill>
+                <a:latin typeface="Nunito"/>
+                <a:ea typeface="Nunito"/>
+                <a:cs typeface="Nunito"/>
+                <a:sym typeface="Nunito"/>
+              </a:rPr>
+              <a:t>Formatting</a:t>
+            </a:r>
+            <a:endParaRPr sz="2000" b="0" i="0" u="none" strike="noStrike" cap="none">
+              <a:solidFill>
+                <a:schemeClr val="dk2"/>
+              </a:solidFill>
+              <a:latin typeface="Nunito"/>
+              <a:ea typeface="Nunito"/>
+              <a:cs typeface="Nunito"/>
+              <a:sym typeface="Nunito"/>
+            </a:endParaRPr>
+          </a:p>
+          <a:p>
+            <a:pPr marL="457200" marR="0" lvl="0" indent="-355600" algn="l" rtl="0">
+              <a:lnSpc>
+                <a:spcPct val="115000"/>
+              </a:lnSpc>
+              <a:spcBef>
+                <a:spcPts val="0"/>
+              </a:spcBef>
+              <a:spcAft>
+                <a:spcPts val="0"/>
+              </a:spcAft>
+              <a:buClr>
+                <a:schemeClr val="dk2"/>
+              </a:buClr>
+              <a:buSzPts val="2000"/>
+              <a:buFont typeface="Nunito"/>
+              <a:buChar char="●"/>
+            </a:pPr>
+            <a:r>
+              <a:rPr lang="en" sz="2000" b="0" i="0" u="none" strike="noStrike" cap="none">
+                <a:solidFill>
+                  <a:schemeClr val="dk2"/>
+                </a:solidFill>
+                <a:latin typeface="Nunito"/>
+                <a:ea typeface="Nunito"/>
+                <a:cs typeface="Nunito"/>
+                <a:sym typeface="Nunito"/>
+              </a:rPr>
+              <a:t>Data Cleaning</a:t>
+            </a:r>
+            <a:endParaRPr sz="2000" b="0" i="0" u="none" strike="noStrike" cap="none">
+              <a:solidFill>
+                <a:schemeClr val="dk2"/>
+              </a:solidFill>
+              <a:latin typeface="Nunito"/>
+              <a:ea typeface="Nunito"/>
+              <a:cs typeface="Nunito"/>
+              <a:sym typeface="Nunito"/>
+            </a:endParaRPr>
+          </a:p>
+          <a:p>
+            <a:pPr marL="457200" marR="0" lvl="0" indent="-355600" algn="l" rtl="0">
+              <a:lnSpc>
+                <a:spcPct val="115000"/>
+              </a:lnSpc>
+              <a:spcBef>
+                <a:spcPts val="0"/>
+              </a:spcBef>
+              <a:spcAft>
+                <a:spcPts val="0"/>
+              </a:spcAft>
+              <a:buClr>
+                <a:schemeClr val="dk2"/>
+              </a:buClr>
+              <a:buSzPts val="2000"/>
+              <a:buFont typeface="Nunito"/>
+              <a:buChar char="●"/>
+            </a:pPr>
+            <a:r>
+              <a:rPr lang="en" sz="2000" b="0" i="0" u="none" strike="noStrike" cap="none">
+                <a:solidFill>
+                  <a:schemeClr val="dk2"/>
+                </a:solidFill>
+                <a:latin typeface="Nunito"/>
+                <a:ea typeface="Nunito"/>
+                <a:cs typeface="Nunito"/>
+                <a:sym typeface="Nunito"/>
+              </a:rPr>
+              <a:t>Advanced Calculations and Expressions</a:t>
+            </a:r>
+            <a:endParaRPr sz="2000" b="0" i="0" u="none" strike="noStrike" cap="none">
+              <a:solidFill>
+                <a:schemeClr val="dk2"/>
+              </a:solidFill>
+              <a:latin typeface="Nunito"/>
+              <a:ea typeface="Nunito"/>
+              <a:cs typeface="Nunito"/>
+              <a:sym typeface="Nunito"/>
+            </a:endParaRPr>
+          </a:p>
+          <a:p>
+            <a:pPr marL="457200" marR="0" lvl="0" indent="-355600" algn="l" rtl="0">
+              <a:lnSpc>
+                <a:spcPct val="115000"/>
+              </a:lnSpc>
+              <a:spcBef>
+                <a:spcPts val="0"/>
+              </a:spcBef>
+              <a:spcAft>
+                <a:spcPts val="0"/>
+              </a:spcAft>
+              <a:buClr>
+                <a:schemeClr val="dk2"/>
+              </a:buClr>
+              <a:buSzPts val="2000"/>
+              <a:buFont typeface="Nunito"/>
+              <a:buChar char="●"/>
+            </a:pPr>
+            <a:r>
+              <a:rPr lang="en" sz="2000" b="0" i="0" u="none" strike="noStrike" cap="none">
+                <a:solidFill>
+                  <a:schemeClr val="dk2"/>
+                </a:solidFill>
+                <a:latin typeface="Nunito"/>
+                <a:ea typeface="Nunito"/>
+                <a:cs typeface="Nunito"/>
+                <a:sym typeface="Nunito"/>
+              </a:rPr>
+              <a:t>Advanced Chart Types</a:t>
+            </a:r>
+            <a:endParaRPr sz="2000" b="0" i="0" u="none" strike="noStrike" cap="none">
+              <a:solidFill>
+                <a:schemeClr val="dk2"/>
+              </a:solidFill>
+              <a:latin typeface="Nunito"/>
+              <a:ea typeface="Nunito"/>
+              <a:cs typeface="Nunito"/>
+              <a:sym typeface="Nunito"/>
+            </a:endParaRPr>
+          </a:p>
+          <a:p>
+            <a:pPr marL="457200" marR="0" lvl="0" indent="-355600" algn="l" rtl="0">
+              <a:lnSpc>
+                <a:spcPct val="115000"/>
+              </a:lnSpc>
+              <a:spcBef>
+                <a:spcPts val="0"/>
+              </a:spcBef>
+              <a:spcAft>
+                <a:spcPts val="0"/>
+              </a:spcAft>
+              <a:buClr>
+                <a:schemeClr val="dk2"/>
+              </a:buClr>
+              <a:buSzPts val="2000"/>
+              <a:buFont typeface="Nunito"/>
+              <a:buChar char="●"/>
+            </a:pPr>
+            <a:r>
+              <a:rPr lang="en" sz="2000" b="0" i="0" u="none" strike="noStrike" cap="none">
+                <a:solidFill>
+                  <a:schemeClr val="dk2"/>
+                </a:solidFill>
+                <a:latin typeface="Nunito"/>
+                <a:ea typeface="Nunito"/>
+                <a:cs typeface="Nunito"/>
+                <a:sym typeface="Nunito"/>
+              </a:rPr>
+              <a:t>R Integration</a:t>
+            </a:r>
+            <a:endParaRPr sz="2000" b="0" i="0" u="none" strike="noStrike" cap="none">
+              <a:solidFill>
+                <a:schemeClr val="dk2"/>
+              </a:solidFill>
+              <a:latin typeface="Nunito"/>
+              <a:ea typeface="Nunito"/>
+              <a:cs typeface="Nunito"/>
+              <a:sym typeface="Nunito"/>
+            </a:endParaRPr>
+          </a:p>
+          <a:p>
+            <a:pPr marL="457200" marR="0" lvl="0" indent="-355600" algn="l" rtl="0">
+              <a:lnSpc>
+                <a:spcPct val="115000"/>
+              </a:lnSpc>
+              <a:spcBef>
+                <a:spcPts val="0"/>
+              </a:spcBef>
+              <a:spcAft>
+                <a:spcPts val="0"/>
+              </a:spcAft>
+              <a:buClr>
+                <a:schemeClr val="dk2"/>
+              </a:buClr>
+              <a:buSzPts val="2000"/>
+              <a:buFont typeface="Nunito"/>
+              <a:buChar char="●"/>
+            </a:pPr>
+            <a:r>
+              <a:rPr lang="en" sz="2000" b="0" i="0" u="none" strike="noStrike" cap="none">
+                <a:solidFill>
+                  <a:schemeClr val="dk2"/>
+                </a:solidFill>
+                <a:latin typeface="Nunito"/>
+                <a:ea typeface="Nunito"/>
+                <a:cs typeface="Nunito"/>
+                <a:sym typeface="Nunito"/>
+              </a:rPr>
+              <a:t>Geospatial Analysis</a:t>
+            </a:r>
+            <a:endParaRPr sz="2000" b="0" i="0" u="none" strike="noStrike" cap="none">
+              <a:solidFill>
+                <a:schemeClr val="dk2"/>
+              </a:solidFill>
+              <a:latin typeface="Nunito"/>
+              <a:ea typeface="Nunito"/>
+              <a:cs typeface="Nunito"/>
+              <a:sym typeface="Nunito"/>
+            </a:endParaRPr>
+          </a:p>
+          <a:p>
+            <a:pPr marL="457200" marR="0" lvl="0" indent="-355600" algn="l" rtl="0">
+              <a:lnSpc>
+                <a:spcPct val="115000"/>
+              </a:lnSpc>
+              <a:spcBef>
+                <a:spcPts val="0"/>
+              </a:spcBef>
+              <a:spcAft>
+                <a:spcPts val="0"/>
+              </a:spcAft>
+              <a:buClr>
+                <a:schemeClr val="dk2"/>
+              </a:buClr>
+              <a:buSzPts val="2000"/>
+              <a:buFont typeface="Nunito"/>
+              <a:buChar char="●"/>
+            </a:pPr>
+            <a:r>
+              <a:rPr lang="en" sz="2000" b="0" i="0" u="none" strike="noStrike" cap="none">
+                <a:solidFill>
+                  <a:schemeClr val="dk2"/>
+                </a:solidFill>
+                <a:latin typeface="Nunito"/>
+                <a:ea typeface="Nunito"/>
+                <a:cs typeface="Nunito"/>
+                <a:sym typeface="Nunito"/>
+              </a:rPr>
+              <a:t>Forecasting / Trend Lines / Regression</a:t>
+            </a:r>
+            <a:endParaRPr sz="2000" b="0" i="0" u="none" strike="noStrike" cap="none">
+              <a:solidFill>
+                <a:schemeClr val="dk2"/>
+              </a:solidFill>
+              <a:latin typeface="Nunito"/>
+              <a:ea typeface="Nunito"/>
+              <a:cs typeface="Nunito"/>
+              <a:sym typeface="Nunito"/>
+            </a:endParaRPr>
+          </a:p>
+        </p:txBody>
+      </p:sp>
+    </p:spTree>
+  </p:cSld>
+  <p:clrMapOvr>
+    <a:masterClrMapping/>
+  </p:clrMapOvr>
+</p:sld>
+</file>
+
+<file path=ppt/slides/slide51.xml><?xml version="1.0" encoding="utf-8"?>
+<p:sld xmlns:a="http://schemas.openxmlformats.org/drawingml/2006/main" xmlns:r="http://schemas.openxmlformats.org/officeDocument/2006/relationships" xmlns:p="http://schemas.openxmlformats.org/presentationml/2006/main">
+  <p:cSld>
+    <p:spTree>
+      <p:nvGrpSpPr>
         <p:cNvPr id="1" name="Shape 286"/>
         <p:cNvGrpSpPr/>
         <p:nvPr/>
@@ -27380,7 +27720,7 @@
 </p:sld>
 </file>
 
-<file path=ppt/slides/slide51.xml><?xml version="1.0" encoding="utf-8"?>
+<file path=ppt/slides/slide52.xml><?xml version="1.0" encoding="utf-8"?>
 <p:sld xmlns:a="http://schemas.openxmlformats.org/drawingml/2006/main" xmlns:r="http://schemas.openxmlformats.org/officeDocument/2006/relationships" xmlns:p="http://schemas.openxmlformats.org/presentationml/2006/main">
   <p:cSld>
     <p:spTree>
@@ -28441,6 +28781,13 @@
   <p:clrMapOvr>
     <a:masterClrMapping/>
   </p:clrMapOvr>
+  <p:timing>
+    <p:tnLst>
+      <p:par>
+        <p:cTn id="1" dur="indefinite" restart="never" nodeType="tmRoot"/>
+      </p:par>
+    </p:tnLst>
+  </p:timing>
 </p:sld>
 </file>
 
